--- a/m30/ppt/презентация.pptx
+++ b/m30/ppt/презентация.pptx
@@ -7,40 +7,63 @@
     <p:sldMasterId id="2147483677" r:id="rId3"/>
   </p:sldMasterIdLst>
   <p:notesMasterIdLst>
-    <p:notesMasterId r:id="rId8"/>
+    <p:notesMasterId r:id="rId24"/>
   </p:notesMasterIdLst>
   <p:sldIdLst>
     <p:sldId id="432" r:id="rId4"/>
     <p:sldId id="433" r:id="rId5"/>
-    <p:sldId id="435" r:id="rId6"/>
-    <p:sldId id="264" r:id="rId7"/>
+    <p:sldId id="440" r:id="rId6"/>
+    <p:sldId id="257" r:id="rId7"/>
+    <p:sldId id="262" r:id="rId8"/>
+    <p:sldId id="438" r:id="rId9"/>
+    <p:sldId id="439" r:id="rId10"/>
+    <p:sldId id="275" r:id="rId11"/>
+    <p:sldId id="258" r:id="rId12"/>
+    <p:sldId id="259" r:id="rId13"/>
+    <p:sldId id="260" r:id="rId14"/>
+    <p:sldId id="261" r:id="rId15"/>
+    <p:sldId id="263" r:id="rId16"/>
+    <p:sldId id="436" r:id="rId17"/>
+    <p:sldId id="266" r:id="rId18"/>
+    <p:sldId id="267" r:id="rId19"/>
+    <p:sldId id="265" r:id="rId20"/>
+    <p:sldId id="268" r:id="rId21"/>
+    <p:sldId id="435" r:id="rId22"/>
+    <p:sldId id="264" r:id="rId23"/>
   </p:sldIdLst>
   <p:sldSz cx="9144000" cy="5143500" type="screen16x9"/>
   <p:notesSz cx="6858000" cy="9144000"/>
   <p:embeddedFontLst>
     <p:embeddedFont>
       <p:font typeface="Calibri" panose="020F0502020204030204" pitchFamily="34" charset="0"/>
-      <p:regular r:id="rId9"/>
-      <p:bold r:id="rId10"/>
-      <p:italic r:id="rId11"/>
-      <p:boldItalic r:id="rId12"/>
+      <p:regular r:id="rId25"/>
+      <p:bold r:id="rId26"/>
+      <p:italic r:id="rId27"/>
+      <p:boldItalic r:id="rId28"/>
     </p:embeddedFont>
     <p:embeddedFont>
       <p:font typeface="Calibri Light" panose="020F0302020204030204" pitchFamily="34" charset="0"/>
-      <p:regular r:id="rId13"/>
-      <p:italic r:id="rId14"/>
+      <p:regular r:id="rId29"/>
+      <p:italic r:id="rId30"/>
+    </p:embeddedFont>
+    <p:embeddedFont>
+      <p:font typeface="Helvetica" panose="020B0604020202020204" pitchFamily="34" charset="0"/>
+      <p:regular r:id="rId31"/>
+      <p:bold r:id="rId32"/>
+      <p:italic r:id="rId33"/>
+      <p:boldItalic r:id="rId34"/>
     </p:embeddedFont>
     <p:embeddedFont>
       <p:font typeface="Open Sans" panose="020B0604020202020204" charset="0"/>
-      <p:regular r:id="rId15"/>
-      <p:bold r:id="rId16"/>
-      <p:italic r:id="rId17"/>
-      <p:boldItalic r:id="rId18"/>
+      <p:regular r:id="rId35"/>
+      <p:bold r:id="rId36"/>
+      <p:italic r:id="rId37"/>
+      <p:boldItalic r:id="rId38"/>
     </p:embeddedFont>
     <p:embeddedFont>
       <p:font typeface="Segoe UI Light" panose="020B0502040204020203" pitchFamily="34" charset="0"/>
-      <p:regular r:id="rId19"/>
-      <p:italic r:id="rId20"/>
+      <p:regular r:id="rId39"/>
+      <p:italic r:id="rId40"/>
     </p:embeddedFont>
   </p:embeddedFontLst>
   <p:defaultTextStyle>
@@ -733,6 +756,72 @@
 </file>
 
 <file path=ppt/notesSlides/notesSlide1.xml><?xml version="1.0" encoding="utf-8"?>
+<p:notes xmlns:a="http://schemas.openxmlformats.org/drawingml/2006/main" xmlns:r="http://schemas.openxmlformats.org/officeDocument/2006/relationships" xmlns:p="http://schemas.openxmlformats.org/presentationml/2006/main">
+  <p:cSld>
+    <p:spTree>
+      <p:nvGrpSpPr>
+        <p:cNvPr id="1" name=""/>
+        <p:cNvGrpSpPr/>
+        <p:nvPr/>
+      </p:nvGrpSpPr>
+      <p:grpSpPr>
+        <a:xfrm>
+          <a:off x="0" y="0"/>
+          <a:ext cx="0" cy="0"/>
+          <a:chOff x="0" y="0"/>
+          <a:chExt cx="0" cy="0"/>
+        </a:xfrm>
+      </p:grpSpPr>
+      <p:sp>
+        <p:nvSpPr>
+          <p:cNvPr id="2" name="Образ слайда 1"/>
+          <p:cNvSpPr>
+            <a:spLocks noGrp="1" noRot="1" noChangeAspect="1"/>
+          </p:cNvSpPr>
+          <p:nvPr>
+            <p:ph type="sldImg"/>
+          </p:nvPr>
+        </p:nvSpPr>
+        <p:spPr>
+          <a:xfrm>
+            <a:off x="381000" y="685800"/>
+            <a:ext cx="6096000" cy="3429000"/>
+          </a:xfrm>
+        </p:spPr>
+      </p:sp>
+      <p:sp>
+        <p:nvSpPr>
+          <p:cNvPr id="3" name="Заметки 2"/>
+          <p:cNvSpPr>
+            <a:spLocks noGrp="1"/>
+          </p:cNvSpPr>
+          <p:nvPr>
+            <p:ph type="body" idx="1"/>
+          </p:nvPr>
+        </p:nvSpPr>
+        <p:spPr/>
+        <p:txBody>
+          <a:bodyPr/>
+          <a:lstStyle/>
+          <a:p>
+            <a:endParaRPr lang="ru-RU" dirty="0"/>
+          </a:p>
+        </p:txBody>
+      </p:sp>
+    </p:spTree>
+    <p:extLst>
+      <p:ext uri="{BB962C8B-B14F-4D97-AF65-F5344CB8AC3E}">
+        <p14:creationId xmlns:p14="http://schemas.microsoft.com/office/powerpoint/2010/main" val="3237991484"/>
+      </p:ext>
+    </p:extLst>
+  </p:cSld>
+  <p:clrMapOvr>
+    <a:masterClrMapping/>
+  </p:clrMapOvr>
+</p:notes>
+</file>
+
+<file path=ppt/notesSlides/notesSlide2.xml><?xml version="1.0" encoding="utf-8"?>
 <p:notes xmlns:a="http://schemas.openxmlformats.org/drawingml/2006/main" xmlns:r="http://schemas.openxmlformats.org/officeDocument/2006/relationships" xmlns:p="http://schemas.openxmlformats.org/presentationml/2006/main" showMasterSp="0" showMasterPhAnim="0">
   <p:cSld>
     <p:spTree>
@@ -10070,8 +10159,8 @@
 </file>
 
 <file path=ppt/slideLayouts/slideLayout31.xml><?xml version="1.0" encoding="utf-8"?>
-<p:sldLayout xmlns:a="http://schemas.openxmlformats.org/drawingml/2006/main" xmlns:r="http://schemas.openxmlformats.org/officeDocument/2006/relationships" xmlns:p="http://schemas.openxmlformats.org/presentationml/2006/main" type="title">
-  <p:cSld name="Титульный слайд">
+<p:sldLayout xmlns:a="http://schemas.openxmlformats.org/drawingml/2006/main" xmlns:r="http://schemas.openxmlformats.org/officeDocument/2006/relationships" xmlns:p="http://schemas.openxmlformats.org/presentationml/2006/main" type="obj">
+  <p:cSld name="Заголовок и объект">
     <p:spTree>
       <p:nvGrpSpPr>
         <p:cNvPr id="1" name=""/>
@@ -10088,120 +10177,98 @@
       </p:grpSpPr>
       <p:sp>
         <p:nvSpPr>
-          <p:cNvPr id="2" name="Заголовок 1">
-            <a:extLst>
-              <a:ext uri="{FF2B5EF4-FFF2-40B4-BE49-F238E27FC236}">
-                <a16:creationId xmlns:a16="http://schemas.microsoft.com/office/drawing/2014/main" id="{021FF6B9-6C7F-4C1B-8747-C0E19B7B7DF0}"/>
-              </a:ext>
-            </a:extLst>
-          </p:cNvPr>
+          <p:cNvPr id="2" name="Заголовок 1"/>
           <p:cNvSpPr>
             <a:spLocks noGrp="1"/>
           </p:cNvSpPr>
           <p:nvPr>
-            <p:ph type="ctrTitle"/>
+            <p:ph type="title"/>
           </p:nvPr>
         </p:nvSpPr>
-        <p:spPr>
-          <a:xfrm>
-            <a:off x="1143000" y="841772"/>
-            <a:ext cx="6858000" cy="1790700"/>
-          </a:xfrm>
-        </p:spPr>
+        <p:spPr/>
         <p:txBody>
-          <a:bodyPr anchor="b"/>
-          <a:lstStyle>
-            <a:lvl1pPr algn="ctr">
-              <a:defRPr sz="4500"/>
-            </a:lvl1pPr>
-          </a:lstStyle>
+          <a:bodyPr rtlCol="0"/>
+          <a:lstStyle/>
           <a:p>
-            <a:r>
-              <a:rPr lang="ru-RU"/>
+            <a:pPr rtl="0"/>
+            <a:r>
+              <a:rPr lang="ru-RU" noProof="0"/>
               <a:t>Образец заголовка</a:t>
             </a:r>
+            <a:endParaRPr lang="ru-RU" noProof="0" dirty="0"/>
           </a:p>
         </p:txBody>
       </p:sp>
       <p:sp>
         <p:nvSpPr>
-          <p:cNvPr id="3" name="Подзаголовок 2">
-            <a:extLst>
-              <a:ext uri="{FF2B5EF4-FFF2-40B4-BE49-F238E27FC236}">
-                <a16:creationId xmlns:a16="http://schemas.microsoft.com/office/drawing/2014/main" id="{D2570718-41B5-48DC-8312-8489EE4DF099}"/>
-              </a:ext>
-            </a:extLst>
-          </p:cNvPr>
+          <p:cNvPr id="3" name="Объект 2"/>
           <p:cNvSpPr>
             <a:spLocks noGrp="1"/>
           </p:cNvSpPr>
           <p:nvPr>
-            <p:ph type="subTitle" idx="1"/>
+            <p:ph idx="1" hasCustomPrompt="1"/>
           </p:nvPr>
         </p:nvSpPr>
-        <p:spPr>
-          <a:xfrm>
-            <a:off x="1143000" y="2701528"/>
-            <a:ext cx="6858000" cy="1241822"/>
-          </a:xfrm>
-        </p:spPr>
+        <p:spPr/>
         <p:txBody>
-          <a:bodyPr/>
+          <a:bodyPr rtlCol="0"/>
           <a:lstStyle>
-            <a:lvl1pPr marL="0" indent="0" algn="ctr">
-              <a:buNone/>
-              <a:defRPr sz="1800"/>
-            </a:lvl1pPr>
-            <a:lvl2pPr marL="342875" indent="0" algn="ctr">
-              <a:buNone/>
-              <a:defRPr sz="1500"/>
-            </a:lvl2pPr>
-            <a:lvl3pPr marL="685749" indent="0" algn="ctr">
-              <a:buNone/>
-              <a:defRPr sz="1350"/>
-            </a:lvl3pPr>
-            <a:lvl4pPr marL="1028624" indent="0" algn="ctr">
-              <a:buNone/>
-              <a:defRPr sz="1200"/>
-            </a:lvl4pPr>
-            <a:lvl5pPr marL="1371498" indent="0" algn="ctr">
-              <a:buNone/>
-              <a:defRPr sz="1200"/>
+            <a:lvl5pPr>
+              <a:defRPr/>
             </a:lvl5pPr>
-            <a:lvl6pPr marL="1714373" indent="0" algn="ctr">
-              <a:buNone/>
-              <a:defRPr sz="1200"/>
+            <a:lvl6pPr>
+              <a:defRPr/>
             </a:lvl6pPr>
-            <a:lvl7pPr marL="2057246" indent="0" algn="ctr">
-              <a:buNone/>
-              <a:defRPr sz="1200"/>
+            <a:lvl7pPr>
+              <a:defRPr/>
             </a:lvl7pPr>
-            <a:lvl8pPr marL="2400120" indent="0" algn="ctr">
-              <a:buNone/>
-              <a:defRPr sz="1200"/>
+            <a:lvl8pPr>
+              <a:defRPr/>
             </a:lvl8pPr>
-            <a:lvl9pPr marL="2742995" indent="0" algn="ctr">
-              <a:buNone/>
-              <a:defRPr sz="1200"/>
+            <a:lvl9pPr>
+              <a:defRPr/>
             </a:lvl9pPr>
           </a:lstStyle>
           <a:p>
-            <a:r>
-              <a:rPr lang="ru-RU"/>
-              <a:t>Образец подзаголовка</a:t>
+            <a:pPr lvl="0" rtl="0"/>
+            <a:r>
+              <a:rPr lang="ru-RU" noProof="0" dirty="0"/>
+              <a:t>Образец текста</a:t>
+            </a:r>
+          </a:p>
+          <a:p>
+            <a:pPr lvl="1" rtl="0"/>
+            <a:r>
+              <a:rPr lang="ru-RU" noProof="0" dirty="0"/>
+              <a:t>Второй уровень</a:t>
+            </a:r>
+          </a:p>
+          <a:p>
+            <a:pPr lvl="2" rtl="0"/>
+            <a:r>
+              <a:rPr lang="ru-RU" noProof="0" dirty="0"/>
+              <a:t>Третий уровень</a:t>
+            </a:r>
+          </a:p>
+          <a:p>
+            <a:pPr lvl="3" rtl="0"/>
+            <a:r>
+              <a:rPr lang="ru-RU" noProof="0" dirty="0"/>
+              <a:t>Четвертый уровень</a:t>
+            </a:r>
+          </a:p>
+          <a:p>
+            <a:pPr lvl="4" rtl="0"/>
+            <a:r>
+              <a:rPr lang="ru-RU" noProof="0" dirty="0"/>
+              <a:t>Пятый уровень</a:t>
             </a:r>
           </a:p>
         </p:txBody>
       </p:sp>
       <p:sp>
         <p:nvSpPr>
-          <p:cNvPr id="4" name="Дата 3">
-            <a:extLst>
-              <a:ext uri="{FF2B5EF4-FFF2-40B4-BE49-F238E27FC236}">
-                <a16:creationId xmlns:a16="http://schemas.microsoft.com/office/drawing/2014/main" id="{F75B52F1-46A2-46BB-936E-89C2BF9312A2}"/>
-              </a:ext>
-            </a:extLst>
-          </p:cNvPr>
+          <p:cNvPr id="4" name="Дата 3"/>
           <p:cNvSpPr>
             <a:spLocks noGrp="1"/>
           </p:cNvSpPr>
@@ -10211,26 +10278,21 @@
         </p:nvSpPr>
         <p:spPr/>
         <p:txBody>
-          <a:bodyPr/>
+          <a:bodyPr rtlCol="0"/>
           <a:lstStyle/>
           <a:p>
-            <a:fld id="{EF790F8C-5FB9-4EFE-BCC7-F735A3026FD8}" type="datetimeFigureOut">
-              <a:rPr lang="ru-RU" smtClean="0"/>
-              <a:t>07.11.2024</a:t>
+            <a:pPr rtl="0"/>
+            <a:fld id="{7312D46A-9331-4E58-9868-B6ECF00A1A93}" type="datetime1">
+              <a:rPr lang="ru-RU" noProof="0" smtClean="0"/>
+              <a:t>22.11.2024</a:t>
             </a:fld>
-            <a:endParaRPr lang="ru-RU"/>
+            <a:endParaRPr lang="ru-RU" noProof="0" dirty="0"/>
           </a:p>
         </p:txBody>
       </p:sp>
       <p:sp>
         <p:nvSpPr>
-          <p:cNvPr id="5" name="Нижний колонтитул 4">
-            <a:extLst>
-              <a:ext uri="{FF2B5EF4-FFF2-40B4-BE49-F238E27FC236}">
-                <a16:creationId xmlns:a16="http://schemas.microsoft.com/office/drawing/2014/main" id="{C4198FDE-1923-462C-9DED-45DD19A56C39}"/>
-              </a:ext>
-            </a:extLst>
-          </p:cNvPr>
+          <p:cNvPr id="5" name="Нижний колонтитул 4"/>
           <p:cNvSpPr>
             <a:spLocks noGrp="1"/>
           </p:cNvSpPr>
@@ -10240,22 +10302,20 @@
         </p:nvSpPr>
         <p:spPr/>
         <p:txBody>
-          <a:bodyPr/>
+          <a:bodyPr rtlCol="0"/>
           <a:lstStyle/>
           <a:p>
-            <a:endParaRPr lang="ru-RU"/>
+            <a:pPr rtl="0"/>
+            <a:r>
+              <a:rPr lang="ru-RU" noProof="0" dirty="0"/>
+              <a:t>Добавить нижний колонтитул</a:t>
+            </a:r>
           </a:p>
         </p:txBody>
       </p:sp>
       <p:sp>
         <p:nvSpPr>
-          <p:cNvPr id="6" name="Номер слайда 5">
-            <a:extLst>
-              <a:ext uri="{FF2B5EF4-FFF2-40B4-BE49-F238E27FC236}">
-                <a16:creationId xmlns:a16="http://schemas.microsoft.com/office/drawing/2014/main" id="{72C2C86E-E221-42EE-B1FF-D007F0DD1F77}"/>
-              </a:ext>
-            </a:extLst>
-          </p:cNvPr>
+          <p:cNvPr id="6" name="Номер слайда 5"/>
           <p:cNvSpPr>
             <a:spLocks noGrp="1"/>
           </p:cNvSpPr>
@@ -10265,21 +10325,22 @@
         </p:nvSpPr>
         <p:spPr/>
         <p:txBody>
-          <a:bodyPr/>
+          <a:bodyPr rtlCol="0"/>
           <a:lstStyle/>
           <a:p>
-            <a:fld id="{6D691D55-44CC-4FEC-81B8-DCF2DD6927BA}" type="slidenum">
-              <a:rPr lang="ru-RU" smtClean="0"/>
+            <a:pPr rtl="0"/>
+            <a:fld id="{E5B29C50-D6F1-4DB6-9B68-F4CD3996E9CF}" type="slidenum">
+              <a:rPr lang="ru-RU" noProof="0" smtClean="0"/>
               <a:t>‹#›</a:t>
             </a:fld>
-            <a:endParaRPr lang="ru-RU"/>
+            <a:endParaRPr lang="ru-RU" noProof="0" dirty="0"/>
           </a:p>
         </p:txBody>
       </p:sp>
     </p:spTree>
     <p:extLst>
       <p:ext uri="{BB962C8B-B14F-4D97-AF65-F5344CB8AC3E}">
-        <p14:creationId xmlns:p14="http://schemas.microsoft.com/office/powerpoint/2010/main" val="215755660"/>
+        <p14:creationId xmlns:p14="http://schemas.microsoft.com/office/powerpoint/2010/main" val="3005761696"/>
       </p:ext>
     </p:extLst>
   </p:cSld>
@@ -16182,7 +16243,7 @@
     <p:sldLayoutId id="2147483688" r:id="rId11"/>
     <p:sldLayoutId id="2147483689" r:id="rId12"/>
     <p:sldLayoutId id="2147483690" r:id="rId13"/>
-    <p:sldLayoutId id="2147483691" r:id="rId14"/>
+    <p:sldLayoutId id="2147483692" r:id="rId14"/>
   </p:sldLayoutIdLst>
   <p:txStyles>
     <p:titleStyle>
@@ -16597,7 +16658,7 @@
 </p:sld>
 </file>
 
-<file path=ppt/slides/slide2.xml><?xml version="1.0" encoding="utf-8"?>
+<file path=ppt/slides/slide10.xml><?xml version="1.0" encoding="utf-8"?>
 <p:sld xmlns:a="http://schemas.openxmlformats.org/drawingml/2006/main" xmlns:r="http://schemas.openxmlformats.org/officeDocument/2006/relationships" xmlns:p="http://schemas.openxmlformats.org/presentationml/2006/main">
   <p:cSld>
     <p:spTree>
@@ -16616,10 +16677,358 @@
       </p:grpSpPr>
       <p:sp>
         <p:nvSpPr>
-          <p:cNvPr id="4" name="Заголовок 1">
+          <p:cNvPr id="4" name="TextBox 3">
             <a:extLst>
               <a:ext uri="{FF2B5EF4-FFF2-40B4-BE49-F238E27FC236}">
-                <a16:creationId xmlns:a16="http://schemas.microsoft.com/office/drawing/2014/main" id="{A66D3B8F-8579-4C89-BF2E-AD069131C0C8}"/>
+                <a16:creationId xmlns:a16="http://schemas.microsoft.com/office/drawing/2014/main" id="{6FA44252-27FA-4DE0-82EE-F3AEB9706BF1}"/>
+              </a:ext>
+            </a:extLst>
+          </p:cNvPr>
+          <p:cNvSpPr txBox="1"/>
+          <p:nvPr/>
+        </p:nvSpPr>
+        <p:spPr>
+          <a:xfrm>
+            <a:off x="595578" y="982772"/>
+            <a:ext cx="4577243" cy="369332"/>
+          </a:xfrm>
+          <a:prstGeom prst="rect">
+            <a:avLst/>
+          </a:prstGeom>
+          <a:noFill/>
+        </p:spPr>
+        <p:txBody>
+          <a:bodyPr wrap="square">
+            <a:spAutoFit/>
+          </a:bodyPr>
+          <a:lstStyle/>
+          <a:p>
+            <a:r>
+              <a:rPr lang="ru-RU" sz="1800" dirty="0">
+                <a:latin typeface="PT Serif" panose="020A0603040505020204" pitchFamily="18" charset="-52"/>
+              </a:rPr>
+              <a:t>Индексы можно задавать явно:</a:t>
+            </a:r>
+            <a:endParaRPr lang="ru-RU" sz="1800" dirty="0"/>
+          </a:p>
+        </p:txBody>
+      </p:sp>
+      <p:sp>
+        <p:nvSpPr>
+          <p:cNvPr id="6" name="TextBox 5">
+            <a:extLst>
+              <a:ext uri="{FF2B5EF4-FFF2-40B4-BE49-F238E27FC236}">
+                <a16:creationId xmlns:a16="http://schemas.microsoft.com/office/drawing/2014/main" id="{996E170F-0E42-4236-8929-221C78EB8AC2}"/>
+              </a:ext>
+            </a:extLst>
+          </p:cNvPr>
+          <p:cNvSpPr txBox="1"/>
+          <p:nvPr/>
+        </p:nvSpPr>
+        <p:spPr>
+          <a:xfrm>
+            <a:off x="103209" y="1583275"/>
+            <a:ext cx="7035741" cy="369332"/>
+          </a:xfrm>
+          <a:prstGeom prst="rect">
+            <a:avLst/>
+          </a:prstGeom>
+          <a:noFill/>
+        </p:spPr>
+        <p:txBody>
+          <a:bodyPr wrap="square">
+            <a:spAutoFit/>
+          </a:bodyPr>
+          <a:lstStyle/>
+          <a:p>
+            <a:r>
+              <a:rPr lang="ru-RU" sz="1800" dirty="0" err="1"/>
+              <a:t>my_series</a:t>
+            </a:r>
+            <a:r>
+              <a:rPr lang="ru-RU" sz="1800" dirty="0"/>
+              <a:t>=</a:t>
+            </a:r>
+            <a:r>
+              <a:rPr lang="ru-RU" sz="1800" dirty="0" err="1"/>
+              <a:t>pd.Series</a:t>
+            </a:r>
+            <a:r>
+              <a:rPr lang="ru-RU" sz="1800" dirty="0"/>
+              <a:t>([5,6,7,10,-5,8,-9], </a:t>
+            </a:r>
+            <a:r>
+              <a:rPr lang="ru-RU" sz="1800" dirty="0" err="1"/>
+              <a:t>index</a:t>
+            </a:r>
+            <a:r>
+              <a:rPr lang="ru-RU" sz="1800" dirty="0"/>
+              <a:t>=['</a:t>
+            </a:r>
+            <a:r>
+              <a:rPr lang="ru-RU" sz="1800" dirty="0" err="1"/>
+              <a:t>a','b','c','d','e','f','g</a:t>
+            </a:r>
+            <a:r>
+              <a:rPr lang="ru-RU" sz="1800" dirty="0"/>
+              <a:t>'])</a:t>
+            </a:r>
+          </a:p>
+        </p:txBody>
+      </p:sp>
+      <p:sp>
+        <p:nvSpPr>
+          <p:cNvPr id="8" name="TextBox 7">
+            <a:extLst>
+              <a:ext uri="{FF2B5EF4-FFF2-40B4-BE49-F238E27FC236}">
+                <a16:creationId xmlns:a16="http://schemas.microsoft.com/office/drawing/2014/main" id="{0498B384-85A7-4DBD-BC1D-79CD1D02072E}"/>
+              </a:ext>
+            </a:extLst>
+          </p:cNvPr>
+          <p:cNvSpPr txBox="1"/>
+          <p:nvPr/>
+        </p:nvSpPr>
+        <p:spPr>
+          <a:xfrm>
+            <a:off x="349394" y="2038672"/>
+            <a:ext cx="4577243" cy="646331"/>
+          </a:xfrm>
+          <a:prstGeom prst="rect">
+            <a:avLst/>
+          </a:prstGeom>
+          <a:noFill/>
+        </p:spPr>
+        <p:txBody>
+          <a:bodyPr wrap="square">
+            <a:spAutoFit/>
+          </a:bodyPr>
+          <a:lstStyle/>
+          <a:p>
+            <a:r>
+              <a:rPr lang="ru-RU" sz="1800" dirty="0">
+                <a:latin typeface="PT Serif" panose="020A0603040505020204" pitchFamily="18" charset="-52"/>
+              </a:rPr>
+              <a:t>По нескольким индексам можно осуществлять групповое присваивание:</a:t>
+            </a:r>
+            <a:endParaRPr lang="ru-RU" sz="1800" dirty="0"/>
+          </a:p>
+        </p:txBody>
+      </p:sp>
+      <p:sp>
+        <p:nvSpPr>
+          <p:cNvPr id="10" name="TextBox 9">
+            <a:extLst>
+              <a:ext uri="{FF2B5EF4-FFF2-40B4-BE49-F238E27FC236}">
+                <a16:creationId xmlns:a16="http://schemas.microsoft.com/office/drawing/2014/main" id="{6A0DA85C-7BC8-4D97-8757-8813100308E4}"/>
+              </a:ext>
+            </a:extLst>
+          </p:cNvPr>
+          <p:cNvSpPr txBox="1"/>
+          <p:nvPr/>
+        </p:nvSpPr>
+        <p:spPr>
+          <a:xfrm>
+            <a:off x="349394" y="2778011"/>
+            <a:ext cx="4577243" cy="369332"/>
+          </a:xfrm>
+          <a:prstGeom prst="rect">
+            <a:avLst/>
+          </a:prstGeom>
+          <a:noFill/>
+        </p:spPr>
+        <p:txBody>
+          <a:bodyPr wrap="square">
+            <a:spAutoFit/>
+          </a:bodyPr>
+          <a:lstStyle/>
+          <a:p>
+            <a:r>
+              <a:rPr lang="ru-RU" sz="1800" dirty="0" err="1"/>
+              <a:t>my_series</a:t>
+            </a:r>
+            <a:r>
+              <a:rPr lang="ru-RU" sz="1800" dirty="0"/>
+              <a:t>[['</a:t>
+            </a:r>
+            <a:r>
+              <a:rPr lang="ru-RU" sz="1800" dirty="0" err="1"/>
+              <a:t>a','c','d</a:t>
+            </a:r>
+            <a:r>
+              <a:rPr lang="ru-RU" sz="1800" dirty="0"/>
+              <a:t>']]=0</a:t>
+            </a:r>
+          </a:p>
+        </p:txBody>
+      </p:sp>
+      <p:sp>
+        <p:nvSpPr>
+          <p:cNvPr id="12" name="TextBox 11">
+            <a:extLst>
+              <a:ext uri="{FF2B5EF4-FFF2-40B4-BE49-F238E27FC236}">
+                <a16:creationId xmlns:a16="http://schemas.microsoft.com/office/drawing/2014/main" id="{6D13280C-51ED-4ED4-91F9-60D6CA172591}"/>
+              </a:ext>
+            </a:extLst>
+          </p:cNvPr>
+          <p:cNvSpPr txBox="1"/>
+          <p:nvPr/>
+        </p:nvSpPr>
+        <p:spPr>
+          <a:xfrm>
+            <a:off x="349394" y="3240353"/>
+            <a:ext cx="4577243" cy="369332"/>
+          </a:xfrm>
+          <a:prstGeom prst="rect">
+            <a:avLst/>
+          </a:prstGeom>
+          <a:noFill/>
+        </p:spPr>
+        <p:txBody>
+          <a:bodyPr wrap="square">
+            <a:spAutoFit/>
+          </a:bodyPr>
+          <a:lstStyle/>
+          <a:p>
+            <a:r>
+              <a:rPr lang="ru-RU" sz="1800" dirty="0">
+                <a:latin typeface="PT Serif" panose="020A0603040505020204" pitchFamily="18" charset="-52"/>
+              </a:rPr>
+              <a:t>Фильтровать и т.п:</a:t>
+            </a:r>
+            <a:endParaRPr lang="ru-RU" sz="1800" dirty="0"/>
+          </a:p>
+        </p:txBody>
+      </p:sp>
+      <p:sp>
+        <p:nvSpPr>
+          <p:cNvPr id="14" name="TextBox 13">
+            <a:extLst>
+              <a:ext uri="{FF2B5EF4-FFF2-40B4-BE49-F238E27FC236}">
+                <a16:creationId xmlns:a16="http://schemas.microsoft.com/office/drawing/2014/main" id="{CAC0A61D-4C4B-4A0F-9FFB-A88A31524F86}"/>
+              </a:ext>
+            </a:extLst>
+          </p:cNvPr>
+          <p:cNvSpPr txBox="1"/>
+          <p:nvPr/>
+        </p:nvSpPr>
+        <p:spPr>
+          <a:xfrm>
+            <a:off x="349394" y="3586601"/>
+            <a:ext cx="4577243" cy="369332"/>
+          </a:xfrm>
+          <a:prstGeom prst="rect">
+            <a:avLst/>
+          </a:prstGeom>
+          <a:noFill/>
+        </p:spPr>
+        <p:txBody>
+          <a:bodyPr wrap="square">
+            <a:spAutoFit/>
+          </a:bodyPr>
+          <a:lstStyle/>
+          <a:p>
+            <a:r>
+              <a:rPr lang="ru-RU" sz="1800" dirty="0" err="1"/>
+              <a:t>my_series</a:t>
+            </a:r>
+            <a:r>
+              <a:rPr lang="ru-RU" sz="1800" dirty="0"/>
+              <a:t>[</a:t>
+            </a:r>
+            <a:r>
+              <a:rPr lang="ru-RU" sz="1800" dirty="0" err="1"/>
+              <a:t>my_series</a:t>
+            </a:r>
+            <a:r>
+              <a:rPr lang="ru-RU" sz="1800" dirty="0"/>
+              <a:t>!=0]</a:t>
+            </a:r>
+          </a:p>
+        </p:txBody>
+      </p:sp>
+      <p:sp>
+        <p:nvSpPr>
+          <p:cNvPr id="16" name="TextBox 15">
+            <a:extLst>
+              <a:ext uri="{FF2B5EF4-FFF2-40B4-BE49-F238E27FC236}">
+                <a16:creationId xmlns:a16="http://schemas.microsoft.com/office/drawing/2014/main" id="{305DF1A5-8CB8-4C75-B219-F79F2E873588}"/>
+              </a:ext>
+            </a:extLst>
+          </p:cNvPr>
+          <p:cNvSpPr txBox="1"/>
+          <p:nvPr/>
+        </p:nvSpPr>
+        <p:spPr>
+          <a:xfrm>
+            <a:off x="349394" y="3932850"/>
+            <a:ext cx="4577243" cy="369332"/>
+          </a:xfrm>
+          <a:prstGeom prst="rect">
+            <a:avLst/>
+          </a:prstGeom>
+          <a:noFill/>
+        </p:spPr>
+        <p:txBody>
+          <a:bodyPr wrap="square">
+            <a:spAutoFit/>
+          </a:bodyPr>
+          <a:lstStyle/>
+          <a:p>
+            <a:r>
+              <a:rPr lang="ru-RU" sz="1800" dirty="0" err="1"/>
+              <a:t>my_series</a:t>
+            </a:r>
+            <a:r>
+              <a:rPr lang="ru-RU" sz="1800" dirty="0"/>
+              <a:t>[</a:t>
+            </a:r>
+            <a:r>
+              <a:rPr lang="ru-RU" sz="1800" dirty="0" err="1"/>
+              <a:t>my_series</a:t>
+            </a:r>
+            <a:r>
+              <a:rPr lang="ru-RU" sz="1800" dirty="0"/>
+              <a:t>&gt;0]*2</a:t>
+            </a:r>
+          </a:p>
+        </p:txBody>
+      </p:sp>
+    </p:spTree>
+    <p:extLst>
+      <p:ext uri="{BB962C8B-B14F-4D97-AF65-F5344CB8AC3E}">
+        <p14:creationId xmlns:p14="http://schemas.microsoft.com/office/powerpoint/2010/main" val="1568176946"/>
+      </p:ext>
+    </p:extLst>
+  </p:cSld>
+  <p:clrMapOvr>
+    <a:masterClrMapping/>
+  </p:clrMapOvr>
+</p:sld>
+</file>
+
+<file path=ppt/slides/slide11.xml><?xml version="1.0" encoding="utf-8"?>
+<p:sld xmlns:a="http://schemas.openxmlformats.org/drawingml/2006/main" xmlns:r="http://schemas.openxmlformats.org/officeDocument/2006/relationships" xmlns:p="http://schemas.openxmlformats.org/presentationml/2006/main">
+  <p:cSld>
+    <p:spTree>
+      <p:nvGrpSpPr>
+        <p:cNvPr id="1" name=""/>
+        <p:cNvGrpSpPr/>
+        <p:nvPr/>
+      </p:nvGrpSpPr>
+      <p:grpSpPr>
+        <a:xfrm>
+          <a:off x="0" y="0"/>
+          <a:ext cx="0" cy="0"/>
+          <a:chOff x="0" y="0"/>
+          <a:chExt cx="0" cy="0"/>
+        </a:xfrm>
+      </p:grpSpPr>
+      <p:sp>
+        <p:nvSpPr>
+          <p:cNvPr id="2" name="Заголовок 1">
+            <a:extLst>
+              <a:ext uri="{FF2B5EF4-FFF2-40B4-BE49-F238E27FC236}">
+                <a16:creationId xmlns:a16="http://schemas.microsoft.com/office/drawing/2014/main" id="{1F1A6D93-0EAE-4FA9-8A9E-1D4139A8A375}"/>
               </a:ext>
             </a:extLst>
           </p:cNvPr>
@@ -16630,19 +17039,17 @@
         </p:nvSpPr>
         <p:spPr>
           <a:xfrm>
-            <a:off x="318608" y="590732"/>
-            <a:ext cx="8825392" cy="560657"/>
+            <a:off x="398860" y="228467"/>
+            <a:ext cx="7429499" cy="1108928"/>
           </a:xfrm>
           <a:prstGeom prst="rect">
             <a:avLst/>
           </a:prstGeom>
         </p:spPr>
         <p:txBody>
-          <a:bodyPr lIns="0" tIns="0" rIns="0" bIns="0" anchor="ctr">
-            <a:noAutofit/>
-          </a:bodyPr>
+          <a:bodyPr/>
           <a:lstStyle>
-            <a:lvl1pPr algn="l" defTabSz="1219140" rtl="0" eaLnBrk="1" latinLnBrk="0" hangingPunct="1">
+            <a:lvl1pPr algn="l" defTabSz="914400" rtl="0" eaLnBrk="1" latinLnBrk="0" hangingPunct="1">
               <a:lnSpc>
                 <a:spcPct val="90000"/>
               </a:lnSpc>
@@ -16650,7 +17057,7 @@
                 <a:spcPct val="0"/>
               </a:spcBef>
               <a:buNone/>
-              <a:defRPr sz="5867" kern="1200">
+              <a:defRPr sz="3600" kern="1200" cap="all" baseline="0">
                 <a:solidFill>
                   <a:schemeClr val="tx1"/>
                 </a:solidFill>
@@ -16662,40 +17069,73 @@
           </a:lstStyle>
           <a:p>
             <a:r>
-              <a:rPr lang="ru-RU" sz="4400" b="1" dirty="0"/>
-              <a:t>Библиотека </a:t>
-            </a:r>
-            <a:r>
-              <a:rPr lang="ru-RU" sz="4400" b="1" dirty="0" err="1"/>
-              <a:t>Pandas</a:t>
-            </a:r>
-            <a:r>
-              <a:rPr lang="ru-RU" sz="4400" b="1" dirty="0"/>
-              <a:t>. Статистика и анализ</a:t>
-            </a:r>
+              <a:rPr lang="ru-RU" sz="2700" cap="none" dirty="0">
+                <a:solidFill>
+                  <a:schemeClr val="tx2">
+                    <a:lumMod val="40000"/>
+                    <a:lumOff val="60000"/>
+                  </a:schemeClr>
+                </a:solidFill>
+                <a:latin typeface="PT Serif" panose="020A0603040505020204" pitchFamily="18" charset="-52"/>
+              </a:rPr>
+              <a:t>Объект</a:t>
+            </a:r>
+            <a:r>
+              <a:rPr lang="ru-RU" sz="2700" dirty="0">
+                <a:solidFill>
+                  <a:schemeClr val="tx2">
+                    <a:lumMod val="40000"/>
+                    <a:lumOff val="60000"/>
+                  </a:schemeClr>
+                </a:solidFill>
+                <a:latin typeface="PT Serif" panose="020A0603040505020204" pitchFamily="18" charset="-52"/>
+              </a:rPr>
+              <a:t>    </a:t>
+            </a:r>
+            <a:r>
+              <a:rPr lang="en-US" sz="2700" b="1" dirty="0">
+                <a:solidFill>
+                  <a:schemeClr val="tx2">
+                    <a:lumMod val="40000"/>
+                    <a:lumOff val="60000"/>
+                  </a:schemeClr>
+                </a:solidFill>
+                <a:latin typeface="PT Serif" panose="020A0603040505020204" pitchFamily="18" charset="-52"/>
+              </a:rPr>
+              <a:t>DataFrame</a:t>
+            </a:r>
+            <a:endParaRPr lang="ru-RU" sz="2700" b="1" dirty="0">
+              <a:solidFill>
+                <a:schemeClr val="tx2">
+                  <a:lumMod val="40000"/>
+                  <a:lumOff val="60000"/>
+                </a:schemeClr>
+              </a:solidFill>
+            </a:endParaRPr>
           </a:p>
         </p:txBody>
       </p:sp>
       <p:sp>
         <p:nvSpPr>
-          <p:cNvPr id="5" name="Прямоугольник 4">
+          <p:cNvPr id="4" name="TextBox 3">
             <a:extLst>
               <a:ext uri="{FF2B5EF4-FFF2-40B4-BE49-F238E27FC236}">
-                <a16:creationId xmlns:a16="http://schemas.microsoft.com/office/drawing/2014/main" id="{1EE39079-7DD4-42C4-8581-13C86EC14212}"/>
+                <a16:creationId xmlns:a16="http://schemas.microsoft.com/office/drawing/2014/main" id="{034BAFAE-C322-4084-936C-7FD338BEE769}"/>
               </a:ext>
             </a:extLst>
           </p:cNvPr>
-          <p:cNvSpPr/>
+          <p:cNvSpPr txBox="1"/>
           <p:nvPr/>
         </p:nvSpPr>
         <p:spPr>
           <a:xfrm>
-            <a:off x="273603" y="1868825"/>
-            <a:ext cx="8596793" cy="2554545"/>
+            <a:off x="302144" y="746816"/>
+            <a:ext cx="6738074" cy="369332"/>
           </a:xfrm>
           <a:prstGeom prst="rect">
             <a:avLst/>
           </a:prstGeom>
+          <a:noFill/>
         </p:spPr>
         <p:txBody>
           <a:bodyPr wrap="square">
@@ -16703,69 +17143,1459 @@
           </a:bodyPr>
           <a:lstStyle/>
           <a:p>
-            <a:pPr marL="742950" indent="-742950">
-              <a:buFont typeface="+mj-lt"/>
-              <a:buAutoNum type="arabicParenR"/>
-            </a:pPr>
-            <a:r>
-              <a:rPr lang="ru-RU" sz="3200" dirty="0"/>
-              <a:t>Объект </a:t>
-            </a:r>
-            <a:r>
-              <a:rPr lang="ru-RU" sz="3200" dirty="0" err="1"/>
-              <a:t>Series</a:t>
-            </a:r>
-            <a:r>
-              <a:rPr lang="ru-RU" sz="3200" dirty="0"/>
-              <a:t>.</a:t>
+            <a:r>
+              <a:rPr lang="ru-RU" sz="1800" dirty="0">
+                <a:latin typeface="PT Serif" panose="020A0603040505020204" pitchFamily="18" charset="-52"/>
+              </a:rPr>
+              <a:t>DataFrame является табличной структурой данных.</a:t>
+            </a:r>
+            <a:endParaRPr lang="ru-RU" sz="1800" dirty="0"/>
+          </a:p>
+        </p:txBody>
+      </p:sp>
+      <p:sp>
+        <p:nvSpPr>
+          <p:cNvPr id="6" name="TextBox 5">
+            <a:extLst>
+              <a:ext uri="{FF2B5EF4-FFF2-40B4-BE49-F238E27FC236}">
+                <a16:creationId xmlns:a16="http://schemas.microsoft.com/office/drawing/2014/main" id="{877009CB-A5A0-452E-83CE-A3520CEB9B9E}"/>
+              </a:ext>
+            </a:extLst>
+          </p:cNvPr>
+          <p:cNvSpPr txBox="1"/>
+          <p:nvPr/>
+        </p:nvSpPr>
+        <p:spPr>
+          <a:xfrm>
+            <a:off x="82336" y="1292561"/>
+            <a:ext cx="6813576" cy="369332"/>
+          </a:xfrm>
+          <a:prstGeom prst="rect">
+            <a:avLst/>
+          </a:prstGeom>
+          <a:noFill/>
+        </p:spPr>
+        <p:txBody>
+          <a:bodyPr wrap="square">
+            <a:spAutoFit/>
+          </a:bodyPr>
+          <a:lstStyle/>
+          <a:p>
+            <a:r>
+              <a:rPr lang="ru-RU" sz="1800" dirty="0">
+                <a:latin typeface="PT Serif" panose="020A0603040505020204" pitchFamily="18" charset="-52"/>
+              </a:rPr>
+              <a:t>Столбцами в объекте DataFrame выступают объекты Series</a:t>
+            </a:r>
+            <a:endParaRPr lang="ru-RU" sz="1800" dirty="0"/>
+          </a:p>
+        </p:txBody>
+      </p:sp>
+      <p:graphicFrame>
+        <p:nvGraphicFramePr>
+          <p:cNvPr id="7" name="Таблица 6">
+            <a:extLst>
+              <a:ext uri="{FF2B5EF4-FFF2-40B4-BE49-F238E27FC236}">
+                <a16:creationId xmlns:a16="http://schemas.microsoft.com/office/drawing/2014/main" id="{0BB1AF0A-3A1C-4B06-8681-A19733596ED2}"/>
+              </a:ext>
+            </a:extLst>
+          </p:cNvPr>
+          <p:cNvGraphicFramePr>
+            <a:graphicFrameLocks noGrp="1"/>
+          </p:cNvGraphicFramePr>
+          <p:nvPr>
+            <p:extLst>
+              <p:ext uri="{D42A27DB-BD31-4B8C-83A1-F6EECF244321}">
+                <p14:modId xmlns:p14="http://schemas.microsoft.com/office/powerpoint/2010/main" val="1352618590"/>
+              </p:ext>
+            </p:extLst>
+          </p:nvPr>
+        </p:nvGraphicFramePr>
+        <p:xfrm>
+          <a:off x="4163198" y="2720786"/>
+          <a:ext cx="2569128" cy="1688784"/>
+        </p:xfrm>
+        <a:graphic>
+          <a:graphicData uri="http://schemas.openxmlformats.org/drawingml/2006/table">
+            <a:tbl>
+              <a:tblPr>
+                <a:tableStyleId>{5C22544A-7EE6-4342-B048-85BDC9FD1C3A}</a:tableStyleId>
+              </a:tblPr>
+              <a:tblGrid>
+                <a:gridCol w="856376">
+                  <a:extLst>
+                    <a:ext uri="{9D8B030D-6E8A-4147-A177-3AD203B41FA5}">
+                      <a16:colId xmlns:a16="http://schemas.microsoft.com/office/drawing/2014/main" val="2232271454"/>
+                    </a:ext>
+                  </a:extLst>
+                </a:gridCol>
+                <a:gridCol w="856376">
+                  <a:extLst>
+                    <a:ext uri="{9D8B030D-6E8A-4147-A177-3AD203B41FA5}">
+                      <a16:colId xmlns:a16="http://schemas.microsoft.com/office/drawing/2014/main" val="3725606595"/>
+                    </a:ext>
+                  </a:extLst>
+                </a:gridCol>
+                <a:gridCol w="856376">
+                  <a:extLst>
+                    <a:ext uri="{9D8B030D-6E8A-4147-A177-3AD203B41FA5}">
+                      <a16:colId xmlns:a16="http://schemas.microsoft.com/office/drawing/2014/main" val="712241417"/>
+                    </a:ext>
+                  </a:extLst>
+                </a:gridCol>
+              </a:tblGrid>
+              <a:tr h="281464">
+                <a:tc>
+                  <a:txBody>
+                    <a:bodyPr/>
+                    <a:lstStyle/>
+                    <a:p>
+                      <a:pPr algn="ctr" fontAlgn="b"/>
+                      <a:r>
+                        <a:rPr lang="en-US" sz="1800" u="none" strike="noStrike" dirty="0">
+                          <a:effectLst/>
+                        </a:rPr>
+                        <a:t>x</a:t>
+                      </a:r>
+                      <a:endParaRPr lang="en-US" sz="1800" b="0" i="0" u="none" strike="noStrike" dirty="0">
+                        <a:solidFill>
+                          <a:srgbClr val="000000"/>
+                        </a:solidFill>
+                        <a:effectLst/>
+                        <a:latin typeface="Calibri" panose="020F0502020204030204" pitchFamily="34" charset="0"/>
+                      </a:endParaRPr>
+                    </a:p>
+                  </a:txBody>
+                  <a:tcPr marL="7144" marR="7144" marT="7144" marB="0" anchor="b">
+                    <a:lnL w="19050" cap="flat" cmpd="sng" algn="ctr">
+                      <a:solidFill>
+                        <a:schemeClr val="bg1"/>
+                      </a:solidFill>
+                      <a:prstDash val="solid"/>
+                      <a:round/>
+                      <a:headEnd type="none" w="med" len="med"/>
+                      <a:tailEnd type="none" w="med" len="med"/>
+                    </a:lnL>
+                    <a:lnR w="19050" cap="flat" cmpd="sng" algn="ctr">
+                      <a:solidFill>
+                        <a:schemeClr val="bg1"/>
+                      </a:solidFill>
+                      <a:prstDash val="solid"/>
+                      <a:round/>
+                      <a:headEnd type="none" w="med" len="med"/>
+                      <a:tailEnd type="none" w="med" len="med"/>
+                    </a:lnR>
+                    <a:lnT w="19050" cap="flat" cmpd="sng" algn="ctr">
+                      <a:solidFill>
+                        <a:schemeClr val="bg1"/>
+                      </a:solidFill>
+                      <a:prstDash val="solid"/>
+                      <a:round/>
+                      <a:headEnd type="none" w="med" len="med"/>
+                      <a:tailEnd type="none" w="med" len="med"/>
+                    </a:lnT>
+                    <a:lnB w="19050" cap="flat" cmpd="sng" algn="ctr">
+                      <a:solidFill>
+                        <a:schemeClr val="bg1"/>
+                      </a:solidFill>
+                      <a:prstDash val="solid"/>
+                      <a:round/>
+                      <a:headEnd type="none" w="med" len="med"/>
+                      <a:tailEnd type="none" w="med" len="med"/>
+                    </a:lnB>
+                  </a:tcPr>
+                </a:tc>
+                <a:tc>
+                  <a:txBody>
+                    <a:bodyPr/>
+                    <a:lstStyle/>
+                    <a:p>
+                      <a:pPr algn="ctr" fontAlgn="b"/>
+                      <a:r>
+                        <a:rPr lang="en-US" sz="1800" u="none" strike="noStrike">
+                          <a:effectLst/>
+                        </a:rPr>
+                        <a:t>y1</a:t>
+                      </a:r>
+                      <a:endParaRPr lang="en-US" sz="1800" b="0" i="0" u="none" strike="noStrike">
+                        <a:solidFill>
+                          <a:srgbClr val="000000"/>
+                        </a:solidFill>
+                        <a:effectLst/>
+                        <a:latin typeface="Calibri" panose="020F0502020204030204" pitchFamily="34" charset="0"/>
+                      </a:endParaRPr>
+                    </a:p>
+                  </a:txBody>
+                  <a:tcPr marL="7144" marR="7144" marT="7144" marB="0" anchor="b">
+                    <a:lnL w="19050" cap="flat" cmpd="sng" algn="ctr">
+                      <a:solidFill>
+                        <a:schemeClr val="bg1"/>
+                      </a:solidFill>
+                      <a:prstDash val="solid"/>
+                      <a:round/>
+                      <a:headEnd type="none" w="med" len="med"/>
+                      <a:tailEnd type="none" w="med" len="med"/>
+                    </a:lnL>
+                    <a:lnR w="19050" cap="flat" cmpd="sng" algn="ctr">
+                      <a:solidFill>
+                        <a:schemeClr val="bg1"/>
+                      </a:solidFill>
+                      <a:prstDash val="solid"/>
+                      <a:round/>
+                      <a:headEnd type="none" w="med" len="med"/>
+                      <a:tailEnd type="none" w="med" len="med"/>
+                    </a:lnR>
+                    <a:lnT w="19050" cap="flat" cmpd="sng" algn="ctr">
+                      <a:solidFill>
+                        <a:schemeClr val="bg1"/>
+                      </a:solidFill>
+                      <a:prstDash val="solid"/>
+                      <a:round/>
+                      <a:headEnd type="none" w="med" len="med"/>
+                      <a:tailEnd type="none" w="med" len="med"/>
+                    </a:lnT>
+                    <a:lnB w="19050" cap="flat" cmpd="sng" algn="ctr">
+                      <a:solidFill>
+                        <a:schemeClr val="bg1"/>
+                      </a:solidFill>
+                      <a:prstDash val="solid"/>
+                      <a:round/>
+                      <a:headEnd type="none" w="med" len="med"/>
+                      <a:tailEnd type="none" w="med" len="med"/>
+                    </a:lnB>
+                  </a:tcPr>
+                </a:tc>
+                <a:tc>
+                  <a:txBody>
+                    <a:bodyPr/>
+                    <a:lstStyle/>
+                    <a:p>
+                      <a:pPr algn="ctr" fontAlgn="b"/>
+                      <a:r>
+                        <a:rPr lang="en-US" sz="1800" u="none" strike="noStrike" dirty="0">
+                          <a:effectLst/>
+                        </a:rPr>
+                        <a:t>y2</a:t>
+                      </a:r>
+                      <a:endParaRPr lang="en-US" sz="1800" b="0" i="0" u="none" strike="noStrike" dirty="0">
+                        <a:solidFill>
+                          <a:srgbClr val="000000"/>
+                        </a:solidFill>
+                        <a:effectLst/>
+                        <a:latin typeface="Calibri" panose="020F0502020204030204" pitchFamily="34" charset="0"/>
+                      </a:endParaRPr>
+                    </a:p>
+                  </a:txBody>
+                  <a:tcPr marL="7144" marR="7144" marT="7144" marB="0" anchor="b">
+                    <a:lnL w="19050" cap="flat" cmpd="sng" algn="ctr">
+                      <a:solidFill>
+                        <a:schemeClr val="bg1"/>
+                      </a:solidFill>
+                      <a:prstDash val="solid"/>
+                      <a:round/>
+                      <a:headEnd type="none" w="med" len="med"/>
+                      <a:tailEnd type="none" w="med" len="med"/>
+                    </a:lnL>
+                    <a:lnR w="19050" cap="flat" cmpd="sng" algn="ctr">
+                      <a:solidFill>
+                        <a:schemeClr val="bg1"/>
+                      </a:solidFill>
+                      <a:prstDash val="solid"/>
+                      <a:round/>
+                      <a:headEnd type="none" w="med" len="med"/>
+                      <a:tailEnd type="none" w="med" len="med"/>
+                    </a:lnR>
+                    <a:lnT w="19050" cap="flat" cmpd="sng" algn="ctr">
+                      <a:solidFill>
+                        <a:schemeClr val="bg1"/>
+                      </a:solidFill>
+                      <a:prstDash val="solid"/>
+                      <a:round/>
+                      <a:headEnd type="none" w="med" len="med"/>
+                      <a:tailEnd type="none" w="med" len="med"/>
+                    </a:lnT>
+                    <a:lnB w="19050" cap="flat" cmpd="sng" algn="ctr">
+                      <a:solidFill>
+                        <a:schemeClr val="bg1"/>
+                      </a:solidFill>
+                      <a:prstDash val="solid"/>
+                      <a:round/>
+                      <a:headEnd type="none" w="med" len="med"/>
+                      <a:tailEnd type="none" w="med" len="med"/>
+                    </a:lnB>
+                  </a:tcPr>
+                </a:tc>
+                <a:extLst>
+                  <a:ext uri="{0D108BD9-81ED-4DB2-BD59-A6C34878D82A}">
+                    <a16:rowId xmlns:a16="http://schemas.microsoft.com/office/drawing/2014/main" val="1990715381"/>
+                  </a:ext>
+                </a:extLst>
+              </a:tr>
+              <a:tr h="281464">
+                <a:tc>
+                  <a:txBody>
+                    <a:bodyPr/>
+                    <a:lstStyle/>
+                    <a:p>
+                      <a:pPr algn="r" fontAlgn="b"/>
+                      <a:r>
+                        <a:rPr lang="ru-RU" sz="1800" u="none" strike="noStrike" dirty="0">
+                          <a:effectLst/>
+                        </a:rPr>
+                        <a:t>-2</a:t>
+                      </a:r>
+                      <a:endParaRPr lang="ru-RU" sz="1800" b="0" i="0" u="none" strike="noStrike" dirty="0">
+                        <a:solidFill>
+                          <a:srgbClr val="000000"/>
+                        </a:solidFill>
+                        <a:effectLst/>
+                        <a:latin typeface="Calibri" panose="020F0502020204030204" pitchFamily="34" charset="0"/>
+                      </a:endParaRPr>
+                    </a:p>
+                  </a:txBody>
+                  <a:tcPr marL="7144" marR="7144" marT="7144" marB="0" anchor="b">
+                    <a:lnL w="19050" cap="flat" cmpd="sng" algn="ctr">
+                      <a:solidFill>
+                        <a:schemeClr val="bg1"/>
+                      </a:solidFill>
+                      <a:prstDash val="solid"/>
+                      <a:round/>
+                      <a:headEnd type="none" w="med" len="med"/>
+                      <a:tailEnd type="none" w="med" len="med"/>
+                    </a:lnL>
+                    <a:lnR w="19050" cap="flat" cmpd="sng" algn="ctr">
+                      <a:solidFill>
+                        <a:schemeClr val="bg1"/>
+                      </a:solidFill>
+                      <a:prstDash val="solid"/>
+                      <a:round/>
+                      <a:headEnd type="none" w="med" len="med"/>
+                      <a:tailEnd type="none" w="med" len="med"/>
+                    </a:lnR>
+                    <a:lnT w="19050" cap="flat" cmpd="sng" algn="ctr">
+                      <a:solidFill>
+                        <a:schemeClr val="bg1"/>
+                      </a:solidFill>
+                      <a:prstDash val="solid"/>
+                      <a:round/>
+                      <a:headEnd type="none" w="med" len="med"/>
+                      <a:tailEnd type="none" w="med" len="med"/>
+                    </a:lnT>
+                    <a:lnB w="19050" cap="flat" cmpd="sng" algn="ctr">
+                      <a:solidFill>
+                        <a:schemeClr val="bg1"/>
+                      </a:solidFill>
+                      <a:prstDash val="solid"/>
+                      <a:round/>
+                      <a:headEnd type="none" w="med" len="med"/>
+                      <a:tailEnd type="none" w="med" len="med"/>
+                    </a:lnB>
+                  </a:tcPr>
+                </a:tc>
+                <a:tc>
+                  <a:txBody>
+                    <a:bodyPr/>
+                    <a:lstStyle/>
+                    <a:p>
+                      <a:pPr algn="r" fontAlgn="b"/>
+                      <a:r>
+                        <a:rPr lang="ru-RU" sz="1800" u="none" strike="noStrike" dirty="0">
+                          <a:effectLst/>
+                        </a:rPr>
+                        <a:t>4</a:t>
+                      </a:r>
+                      <a:endParaRPr lang="ru-RU" sz="1800" b="0" i="0" u="none" strike="noStrike" dirty="0">
+                        <a:solidFill>
+                          <a:srgbClr val="000000"/>
+                        </a:solidFill>
+                        <a:effectLst/>
+                        <a:latin typeface="Calibri" panose="020F0502020204030204" pitchFamily="34" charset="0"/>
+                      </a:endParaRPr>
+                    </a:p>
+                  </a:txBody>
+                  <a:tcPr marL="7144" marR="7144" marT="7144" marB="0" anchor="b">
+                    <a:lnL w="19050" cap="flat" cmpd="sng" algn="ctr">
+                      <a:solidFill>
+                        <a:schemeClr val="bg1"/>
+                      </a:solidFill>
+                      <a:prstDash val="solid"/>
+                      <a:round/>
+                      <a:headEnd type="none" w="med" len="med"/>
+                      <a:tailEnd type="none" w="med" len="med"/>
+                    </a:lnL>
+                    <a:lnR w="19050" cap="flat" cmpd="sng" algn="ctr">
+                      <a:solidFill>
+                        <a:schemeClr val="bg1"/>
+                      </a:solidFill>
+                      <a:prstDash val="solid"/>
+                      <a:round/>
+                      <a:headEnd type="none" w="med" len="med"/>
+                      <a:tailEnd type="none" w="med" len="med"/>
+                    </a:lnR>
+                    <a:lnT w="19050" cap="flat" cmpd="sng" algn="ctr">
+                      <a:solidFill>
+                        <a:schemeClr val="bg1"/>
+                      </a:solidFill>
+                      <a:prstDash val="solid"/>
+                      <a:round/>
+                      <a:headEnd type="none" w="med" len="med"/>
+                      <a:tailEnd type="none" w="med" len="med"/>
+                    </a:lnT>
+                    <a:lnB w="19050" cap="flat" cmpd="sng" algn="ctr">
+                      <a:solidFill>
+                        <a:schemeClr val="bg1"/>
+                      </a:solidFill>
+                      <a:prstDash val="solid"/>
+                      <a:round/>
+                      <a:headEnd type="none" w="med" len="med"/>
+                      <a:tailEnd type="none" w="med" len="med"/>
+                    </a:lnB>
+                  </a:tcPr>
+                </a:tc>
+                <a:tc>
+                  <a:txBody>
+                    <a:bodyPr/>
+                    <a:lstStyle/>
+                    <a:p>
+                      <a:pPr algn="r" fontAlgn="b"/>
+                      <a:r>
+                        <a:rPr lang="ru-RU" sz="1800" u="none" strike="noStrike">
+                          <a:effectLst/>
+                        </a:rPr>
+                        <a:t>-4</a:t>
+                      </a:r>
+                      <a:endParaRPr lang="ru-RU" sz="1800" b="0" i="0" u="none" strike="noStrike">
+                        <a:solidFill>
+                          <a:srgbClr val="000000"/>
+                        </a:solidFill>
+                        <a:effectLst/>
+                        <a:latin typeface="Calibri" panose="020F0502020204030204" pitchFamily="34" charset="0"/>
+                      </a:endParaRPr>
+                    </a:p>
+                  </a:txBody>
+                  <a:tcPr marL="7144" marR="7144" marT="7144" marB="0" anchor="b">
+                    <a:lnL w="19050" cap="flat" cmpd="sng" algn="ctr">
+                      <a:solidFill>
+                        <a:schemeClr val="bg1"/>
+                      </a:solidFill>
+                      <a:prstDash val="solid"/>
+                      <a:round/>
+                      <a:headEnd type="none" w="med" len="med"/>
+                      <a:tailEnd type="none" w="med" len="med"/>
+                    </a:lnL>
+                    <a:lnR w="19050" cap="flat" cmpd="sng" algn="ctr">
+                      <a:solidFill>
+                        <a:schemeClr val="bg1"/>
+                      </a:solidFill>
+                      <a:prstDash val="solid"/>
+                      <a:round/>
+                      <a:headEnd type="none" w="med" len="med"/>
+                      <a:tailEnd type="none" w="med" len="med"/>
+                    </a:lnR>
+                    <a:lnT w="19050" cap="flat" cmpd="sng" algn="ctr">
+                      <a:solidFill>
+                        <a:schemeClr val="bg1"/>
+                      </a:solidFill>
+                      <a:prstDash val="solid"/>
+                      <a:round/>
+                      <a:headEnd type="none" w="med" len="med"/>
+                      <a:tailEnd type="none" w="med" len="med"/>
+                    </a:lnT>
+                    <a:lnB w="19050" cap="flat" cmpd="sng" algn="ctr">
+                      <a:solidFill>
+                        <a:schemeClr val="bg1"/>
+                      </a:solidFill>
+                      <a:prstDash val="solid"/>
+                      <a:round/>
+                      <a:headEnd type="none" w="med" len="med"/>
+                      <a:tailEnd type="none" w="med" len="med"/>
+                    </a:lnB>
+                  </a:tcPr>
+                </a:tc>
+                <a:extLst>
+                  <a:ext uri="{0D108BD9-81ED-4DB2-BD59-A6C34878D82A}">
+                    <a16:rowId xmlns:a16="http://schemas.microsoft.com/office/drawing/2014/main" val="2067024964"/>
+                  </a:ext>
+                </a:extLst>
+              </a:tr>
+              <a:tr h="281464">
+                <a:tc>
+                  <a:txBody>
+                    <a:bodyPr/>
+                    <a:lstStyle/>
+                    <a:p>
+                      <a:pPr algn="r" fontAlgn="b"/>
+                      <a:r>
+                        <a:rPr lang="ru-RU" sz="1800" u="none" strike="noStrike">
+                          <a:effectLst/>
+                        </a:rPr>
+                        <a:t>-1</a:t>
+                      </a:r>
+                      <a:endParaRPr lang="ru-RU" sz="1800" b="0" i="0" u="none" strike="noStrike">
+                        <a:solidFill>
+                          <a:srgbClr val="000000"/>
+                        </a:solidFill>
+                        <a:effectLst/>
+                        <a:latin typeface="Calibri" panose="020F0502020204030204" pitchFamily="34" charset="0"/>
+                      </a:endParaRPr>
+                    </a:p>
+                  </a:txBody>
+                  <a:tcPr marL="7144" marR="7144" marT="7144" marB="0" anchor="b">
+                    <a:lnL w="19050" cap="flat" cmpd="sng" algn="ctr">
+                      <a:solidFill>
+                        <a:schemeClr val="bg1"/>
+                      </a:solidFill>
+                      <a:prstDash val="solid"/>
+                      <a:round/>
+                      <a:headEnd type="none" w="med" len="med"/>
+                      <a:tailEnd type="none" w="med" len="med"/>
+                    </a:lnL>
+                    <a:lnR w="19050" cap="flat" cmpd="sng" algn="ctr">
+                      <a:solidFill>
+                        <a:schemeClr val="bg1"/>
+                      </a:solidFill>
+                      <a:prstDash val="solid"/>
+                      <a:round/>
+                      <a:headEnd type="none" w="med" len="med"/>
+                      <a:tailEnd type="none" w="med" len="med"/>
+                    </a:lnR>
+                    <a:lnT w="19050" cap="flat" cmpd="sng" algn="ctr">
+                      <a:solidFill>
+                        <a:schemeClr val="bg1"/>
+                      </a:solidFill>
+                      <a:prstDash val="solid"/>
+                      <a:round/>
+                      <a:headEnd type="none" w="med" len="med"/>
+                      <a:tailEnd type="none" w="med" len="med"/>
+                    </a:lnT>
+                    <a:lnB w="19050" cap="flat" cmpd="sng" algn="ctr">
+                      <a:solidFill>
+                        <a:schemeClr val="bg1"/>
+                      </a:solidFill>
+                      <a:prstDash val="solid"/>
+                      <a:round/>
+                      <a:headEnd type="none" w="med" len="med"/>
+                      <a:tailEnd type="none" w="med" len="med"/>
+                    </a:lnB>
+                  </a:tcPr>
+                </a:tc>
+                <a:tc>
+                  <a:txBody>
+                    <a:bodyPr/>
+                    <a:lstStyle/>
+                    <a:p>
+                      <a:pPr algn="r" fontAlgn="b"/>
+                      <a:r>
+                        <a:rPr lang="ru-RU" sz="1800" u="none" strike="noStrike" dirty="0">
+                          <a:effectLst/>
+                        </a:rPr>
+                        <a:t>1</a:t>
+                      </a:r>
+                      <a:endParaRPr lang="ru-RU" sz="1800" b="0" i="0" u="none" strike="noStrike" dirty="0">
+                        <a:solidFill>
+                          <a:srgbClr val="000000"/>
+                        </a:solidFill>
+                        <a:effectLst/>
+                        <a:latin typeface="Calibri" panose="020F0502020204030204" pitchFamily="34" charset="0"/>
+                      </a:endParaRPr>
+                    </a:p>
+                  </a:txBody>
+                  <a:tcPr marL="7144" marR="7144" marT="7144" marB="0" anchor="b">
+                    <a:lnL w="19050" cap="flat" cmpd="sng" algn="ctr">
+                      <a:solidFill>
+                        <a:schemeClr val="bg1"/>
+                      </a:solidFill>
+                      <a:prstDash val="solid"/>
+                      <a:round/>
+                      <a:headEnd type="none" w="med" len="med"/>
+                      <a:tailEnd type="none" w="med" len="med"/>
+                    </a:lnL>
+                    <a:lnR w="19050" cap="flat" cmpd="sng" algn="ctr">
+                      <a:solidFill>
+                        <a:schemeClr val="bg1"/>
+                      </a:solidFill>
+                      <a:prstDash val="solid"/>
+                      <a:round/>
+                      <a:headEnd type="none" w="med" len="med"/>
+                      <a:tailEnd type="none" w="med" len="med"/>
+                    </a:lnR>
+                    <a:lnT w="19050" cap="flat" cmpd="sng" algn="ctr">
+                      <a:solidFill>
+                        <a:schemeClr val="bg1"/>
+                      </a:solidFill>
+                      <a:prstDash val="solid"/>
+                      <a:round/>
+                      <a:headEnd type="none" w="med" len="med"/>
+                      <a:tailEnd type="none" w="med" len="med"/>
+                    </a:lnT>
+                    <a:lnB w="19050" cap="flat" cmpd="sng" algn="ctr">
+                      <a:solidFill>
+                        <a:schemeClr val="bg1"/>
+                      </a:solidFill>
+                      <a:prstDash val="solid"/>
+                      <a:round/>
+                      <a:headEnd type="none" w="med" len="med"/>
+                      <a:tailEnd type="none" w="med" len="med"/>
+                    </a:lnB>
+                  </a:tcPr>
+                </a:tc>
+                <a:tc>
+                  <a:txBody>
+                    <a:bodyPr/>
+                    <a:lstStyle/>
+                    <a:p>
+                      <a:pPr algn="r" fontAlgn="b"/>
+                      <a:r>
+                        <a:rPr lang="ru-RU" sz="1800" u="none" strike="noStrike">
+                          <a:effectLst/>
+                        </a:rPr>
+                        <a:t>-1</a:t>
+                      </a:r>
+                      <a:endParaRPr lang="ru-RU" sz="1800" b="0" i="0" u="none" strike="noStrike">
+                        <a:solidFill>
+                          <a:srgbClr val="000000"/>
+                        </a:solidFill>
+                        <a:effectLst/>
+                        <a:latin typeface="Calibri" panose="020F0502020204030204" pitchFamily="34" charset="0"/>
+                      </a:endParaRPr>
+                    </a:p>
+                  </a:txBody>
+                  <a:tcPr marL="7144" marR="7144" marT="7144" marB="0" anchor="b">
+                    <a:lnL w="19050" cap="flat" cmpd="sng" algn="ctr">
+                      <a:solidFill>
+                        <a:schemeClr val="bg1"/>
+                      </a:solidFill>
+                      <a:prstDash val="solid"/>
+                      <a:round/>
+                      <a:headEnd type="none" w="med" len="med"/>
+                      <a:tailEnd type="none" w="med" len="med"/>
+                    </a:lnL>
+                    <a:lnR w="19050" cap="flat" cmpd="sng" algn="ctr">
+                      <a:solidFill>
+                        <a:schemeClr val="bg1"/>
+                      </a:solidFill>
+                      <a:prstDash val="solid"/>
+                      <a:round/>
+                      <a:headEnd type="none" w="med" len="med"/>
+                      <a:tailEnd type="none" w="med" len="med"/>
+                    </a:lnR>
+                    <a:lnT w="19050" cap="flat" cmpd="sng" algn="ctr">
+                      <a:solidFill>
+                        <a:schemeClr val="bg1"/>
+                      </a:solidFill>
+                      <a:prstDash val="solid"/>
+                      <a:round/>
+                      <a:headEnd type="none" w="med" len="med"/>
+                      <a:tailEnd type="none" w="med" len="med"/>
+                    </a:lnT>
+                    <a:lnB w="19050" cap="flat" cmpd="sng" algn="ctr">
+                      <a:solidFill>
+                        <a:schemeClr val="bg1"/>
+                      </a:solidFill>
+                      <a:prstDash val="solid"/>
+                      <a:round/>
+                      <a:headEnd type="none" w="med" len="med"/>
+                      <a:tailEnd type="none" w="med" len="med"/>
+                    </a:lnB>
+                  </a:tcPr>
+                </a:tc>
+                <a:extLst>
+                  <a:ext uri="{0D108BD9-81ED-4DB2-BD59-A6C34878D82A}">
+                    <a16:rowId xmlns:a16="http://schemas.microsoft.com/office/drawing/2014/main" val="1632318648"/>
+                  </a:ext>
+                </a:extLst>
+              </a:tr>
+              <a:tr h="281464">
+                <a:tc>
+                  <a:txBody>
+                    <a:bodyPr/>
+                    <a:lstStyle/>
+                    <a:p>
+                      <a:pPr algn="r" fontAlgn="b"/>
+                      <a:r>
+                        <a:rPr lang="ru-RU" sz="1800" u="none" strike="noStrike">
+                          <a:effectLst/>
+                        </a:rPr>
+                        <a:t>0</a:t>
+                      </a:r>
+                      <a:endParaRPr lang="ru-RU" sz="1800" b="0" i="0" u="none" strike="noStrike">
+                        <a:solidFill>
+                          <a:srgbClr val="000000"/>
+                        </a:solidFill>
+                        <a:effectLst/>
+                        <a:latin typeface="Calibri" panose="020F0502020204030204" pitchFamily="34" charset="0"/>
+                      </a:endParaRPr>
+                    </a:p>
+                  </a:txBody>
+                  <a:tcPr marL="7144" marR="7144" marT="7144" marB="0" anchor="b">
+                    <a:lnL w="19050" cap="flat" cmpd="sng" algn="ctr">
+                      <a:solidFill>
+                        <a:schemeClr val="bg1"/>
+                      </a:solidFill>
+                      <a:prstDash val="solid"/>
+                      <a:round/>
+                      <a:headEnd type="none" w="med" len="med"/>
+                      <a:tailEnd type="none" w="med" len="med"/>
+                    </a:lnL>
+                    <a:lnR w="19050" cap="flat" cmpd="sng" algn="ctr">
+                      <a:solidFill>
+                        <a:schemeClr val="bg1"/>
+                      </a:solidFill>
+                      <a:prstDash val="solid"/>
+                      <a:round/>
+                      <a:headEnd type="none" w="med" len="med"/>
+                      <a:tailEnd type="none" w="med" len="med"/>
+                    </a:lnR>
+                    <a:lnT w="19050" cap="flat" cmpd="sng" algn="ctr">
+                      <a:solidFill>
+                        <a:schemeClr val="bg1"/>
+                      </a:solidFill>
+                      <a:prstDash val="solid"/>
+                      <a:round/>
+                      <a:headEnd type="none" w="med" len="med"/>
+                      <a:tailEnd type="none" w="med" len="med"/>
+                    </a:lnT>
+                    <a:lnB w="19050" cap="flat" cmpd="sng" algn="ctr">
+                      <a:solidFill>
+                        <a:schemeClr val="bg1"/>
+                      </a:solidFill>
+                      <a:prstDash val="solid"/>
+                      <a:round/>
+                      <a:headEnd type="none" w="med" len="med"/>
+                      <a:tailEnd type="none" w="med" len="med"/>
+                    </a:lnB>
+                  </a:tcPr>
+                </a:tc>
+                <a:tc>
+                  <a:txBody>
+                    <a:bodyPr/>
+                    <a:lstStyle/>
+                    <a:p>
+                      <a:pPr algn="r" fontAlgn="b"/>
+                      <a:r>
+                        <a:rPr lang="ru-RU" sz="1800" u="none" strike="noStrike" dirty="0">
+                          <a:effectLst/>
+                        </a:rPr>
+                        <a:t>0</a:t>
+                      </a:r>
+                      <a:endParaRPr lang="ru-RU" sz="1800" b="0" i="0" u="none" strike="noStrike" dirty="0">
+                        <a:solidFill>
+                          <a:srgbClr val="000000"/>
+                        </a:solidFill>
+                        <a:effectLst/>
+                        <a:latin typeface="Calibri" panose="020F0502020204030204" pitchFamily="34" charset="0"/>
+                      </a:endParaRPr>
+                    </a:p>
+                  </a:txBody>
+                  <a:tcPr marL="7144" marR="7144" marT="7144" marB="0" anchor="b">
+                    <a:lnL w="19050" cap="flat" cmpd="sng" algn="ctr">
+                      <a:solidFill>
+                        <a:schemeClr val="bg1"/>
+                      </a:solidFill>
+                      <a:prstDash val="solid"/>
+                      <a:round/>
+                      <a:headEnd type="none" w="med" len="med"/>
+                      <a:tailEnd type="none" w="med" len="med"/>
+                    </a:lnL>
+                    <a:lnR w="19050" cap="flat" cmpd="sng" algn="ctr">
+                      <a:solidFill>
+                        <a:schemeClr val="bg1"/>
+                      </a:solidFill>
+                      <a:prstDash val="solid"/>
+                      <a:round/>
+                      <a:headEnd type="none" w="med" len="med"/>
+                      <a:tailEnd type="none" w="med" len="med"/>
+                    </a:lnR>
+                    <a:lnT w="19050" cap="flat" cmpd="sng" algn="ctr">
+                      <a:solidFill>
+                        <a:schemeClr val="bg1"/>
+                      </a:solidFill>
+                      <a:prstDash val="solid"/>
+                      <a:round/>
+                      <a:headEnd type="none" w="med" len="med"/>
+                      <a:tailEnd type="none" w="med" len="med"/>
+                    </a:lnT>
+                    <a:lnB w="19050" cap="flat" cmpd="sng" algn="ctr">
+                      <a:solidFill>
+                        <a:schemeClr val="bg1"/>
+                      </a:solidFill>
+                      <a:prstDash val="solid"/>
+                      <a:round/>
+                      <a:headEnd type="none" w="med" len="med"/>
+                      <a:tailEnd type="none" w="med" len="med"/>
+                    </a:lnB>
+                  </a:tcPr>
+                </a:tc>
+                <a:tc>
+                  <a:txBody>
+                    <a:bodyPr/>
+                    <a:lstStyle/>
+                    <a:p>
+                      <a:pPr algn="r" fontAlgn="b"/>
+                      <a:r>
+                        <a:rPr lang="ru-RU" sz="1800" u="none" strike="noStrike" dirty="0">
+                          <a:effectLst/>
+                        </a:rPr>
+                        <a:t>0</a:t>
+                      </a:r>
+                      <a:endParaRPr lang="ru-RU" sz="1800" b="0" i="0" u="none" strike="noStrike" dirty="0">
+                        <a:solidFill>
+                          <a:srgbClr val="000000"/>
+                        </a:solidFill>
+                        <a:effectLst/>
+                        <a:latin typeface="Calibri" panose="020F0502020204030204" pitchFamily="34" charset="0"/>
+                      </a:endParaRPr>
+                    </a:p>
+                  </a:txBody>
+                  <a:tcPr marL="7144" marR="7144" marT="7144" marB="0" anchor="b">
+                    <a:lnL w="19050" cap="flat" cmpd="sng" algn="ctr">
+                      <a:solidFill>
+                        <a:schemeClr val="bg1"/>
+                      </a:solidFill>
+                      <a:prstDash val="solid"/>
+                      <a:round/>
+                      <a:headEnd type="none" w="med" len="med"/>
+                      <a:tailEnd type="none" w="med" len="med"/>
+                    </a:lnL>
+                    <a:lnR w="19050" cap="flat" cmpd="sng" algn="ctr">
+                      <a:solidFill>
+                        <a:schemeClr val="bg1"/>
+                      </a:solidFill>
+                      <a:prstDash val="solid"/>
+                      <a:round/>
+                      <a:headEnd type="none" w="med" len="med"/>
+                      <a:tailEnd type="none" w="med" len="med"/>
+                    </a:lnR>
+                    <a:lnT w="19050" cap="flat" cmpd="sng" algn="ctr">
+                      <a:solidFill>
+                        <a:schemeClr val="bg1"/>
+                      </a:solidFill>
+                      <a:prstDash val="solid"/>
+                      <a:round/>
+                      <a:headEnd type="none" w="med" len="med"/>
+                      <a:tailEnd type="none" w="med" len="med"/>
+                    </a:lnT>
+                    <a:lnB w="19050" cap="flat" cmpd="sng" algn="ctr">
+                      <a:solidFill>
+                        <a:schemeClr val="bg1"/>
+                      </a:solidFill>
+                      <a:prstDash val="solid"/>
+                      <a:round/>
+                      <a:headEnd type="none" w="med" len="med"/>
+                      <a:tailEnd type="none" w="med" len="med"/>
+                    </a:lnB>
+                  </a:tcPr>
+                </a:tc>
+                <a:extLst>
+                  <a:ext uri="{0D108BD9-81ED-4DB2-BD59-A6C34878D82A}">
+                    <a16:rowId xmlns:a16="http://schemas.microsoft.com/office/drawing/2014/main" val="3028913680"/>
+                  </a:ext>
+                </a:extLst>
+              </a:tr>
+              <a:tr h="281464">
+                <a:tc>
+                  <a:txBody>
+                    <a:bodyPr/>
+                    <a:lstStyle/>
+                    <a:p>
+                      <a:pPr algn="r" fontAlgn="b"/>
+                      <a:r>
+                        <a:rPr lang="ru-RU" sz="1800" u="none" strike="noStrike">
+                          <a:effectLst/>
+                        </a:rPr>
+                        <a:t>1</a:t>
+                      </a:r>
+                      <a:endParaRPr lang="ru-RU" sz="1800" b="0" i="0" u="none" strike="noStrike">
+                        <a:solidFill>
+                          <a:srgbClr val="000000"/>
+                        </a:solidFill>
+                        <a:effectLst/>
+                        <a:latin typeface="Calibri" panose="020F0502020204030204" pitchFamily="34" charset="0"/>
+                      </a:endParaRPr>
+                    </a:p>
+                  </a:txBody>
+                  <a:tcPr marL="7144" marR="7144" marT="7144" marB="0" anchor="b">
+                    <a:lnL w="19050" cap="flat" cmpd="sng" algn="ctr">
+                      <a:solidFill>
+                        <a:schemeClr val="bg1"/>
+                      </a:solidFill>
+                      <a:prstDash val="solid"/>
+                      <a:round/>
+                      <a:headEnd type="none" w="med" len="med"/>
+                      <a:tailEnd type="none" w="med" len="med"/>
+                    </a:lnL>
+                    <a:lnR w="19050" cap="flat" cmpd="sng" algn="ctr">
+                      <a:solidFill>
+                        <a:schemeClr val="bg1"/>
+                      </a:solidFill>
+                      <a:prstDash val="solid"/>
+                      <a:round/>
+                      <a:headEnd type="none" w="med" len="med"/>
+                      <a:tailEnd type="none" w="med" len="med"/>
+                    </a:lnR>
+                    <a:lnT w="19050" cap="flat" cmpd="sng" algn="ctr">
+                      <a:solidFill>
+                        <a:schemeClr val="bg1"/>
+                      </a:solidFill>
+                      <a:prstDash val="solid"/>
+                      <a:round/>
+                      <a:headEnd type="none" w="med" len="med"/>
+                      <a:tailEnd type="none" w="med" len="med"/>
+                    </a:lnT>
+                    <a:lnB w="19050" cap="flat" cmpd="sng" algn="ctr">
+                      <a:solidFill>
+                        <a:schemeClr val="bg1"/>
+                      </a:solidFill>
+                      <a:prstDash val="solid"/>
+                      <a:round/>
+                      <a:headEnd type="none" w="med" len="med"/>
+                      <a:tailEnd type="none" w="med" len="med"/>
+                    </a:lnB>
+                  </a:tcPr>
+                </a:tc>
+                <a:tc>
+                  <a:txBody>
+                    <a:bodyPr/>
+                    <a:lstStyle/>
+                    <a:p>
+                      <a:pPr algn="r" fontAlgn="b"/>
+                      <a:r>
+                        <a:rPr lang="ru-RU" sz="1800" u="none" strike="noStrike" dirty="0">
+                          <a:effectLst/>
+                        </a:rPr>
+                        <a:t>1</a:t>
+                      </a:r>
+                      <a:endParaRPr lang="ru-RU" sz="1800" b="0" i="0" u="none" strike="noStrike" dirty="0">
+                        <a:solidFill>
+                          <a:srgbClr val="000000"/>
+                        </a:solidFill>
+                        <a:effectLst/>
+                        <a:latin typeface="Calibri" panose="020F0502020204030204" pitchFamily="34" charset="0"/>
+                      </a:endParaRPr>
+                    </a:p>
+                  </a:txBody>
+                  <a:tcPr marL="7144" marR="7144" marT="7144" marB="0" anchor="b">
+                    <a:lnL w="19050" cap="flat" cmpd="sng" algn="ctr">
+                      <a:solidFill>
+                        <a:schemeClr val="bg1"/>
+                      </a:solidFill>
+                      <a:prstDash val="solid"/>
+                      <a:round/>
+                      <a:headEnd type="none" w="med" len="med"/>
+                      <a:tailEnd type="none" w="med" len="med"/>
+                    </a:lnL>
+                    <a:lnR w="19050" cap="flat" cmpd="sng" algn="ctr">
+                      <a:solidFill>
+                        <a:schemeClr val="bg1"/>
+                      </a:solidFill>
+                      <a:prstDash val="solid"/>
+                      <a:round/>
+                      <a:headEnd type="none" w="med" len="med"/>
+                      <a:tailEnd type="none" w="med" len="med"/>
+                    </a:lnR>
+                    <a:lnT w="19050" cap="flat" cmpd="sng" algn="ctr">
+                      <a:solidFill>
+                        <a:schemeClr val="bg1"/>
+                      </a:solidFill>
+                      <a:prstDash val="solid"/>
+                      <a:round/>
+                      <a:headEnd type="none" w="med" len="med"/>
+                      <a:tailEnd type="none" w="med" len="med"/>
+                    </a:lnT>
+                    <a:lnB w="19050" cap="flat" cmpd="sng" algn="ctr">
+                      <a:solidFill>
+                        <a:schemeClr val="bg1"/>
+                      </a:solidFill>
+                      <a:prstDash val="solid"/>
+                      <a:round/>
+                      <a:headEnd type="none" w="med" len="med"/>
+                      <a:tailEnd type="none" w="med" len="med"/>
+                    </a:lnB>
+                  </a:tcPr>
+                </a:tc>
+                <a:tc>
+                  <a:txBody>
+                    <a:bodyPr/>
+                    <a:lstStyle/>
+                    <a:p>
+                      <a:pPr algn="r" fontAlgn="b"/>
+                      <a:r>
+                        <a:rPr lang="ru-RU" sz="1800" u="none" strike="noStrike" dirty="0">
+                          <a:effectLst/>
+                        </a:rPr>
+                        <a:t>-1</a:t>
+                      </a:r>
+                      <a:endParaRPr lang="ru-RU" sz="1800" b="0" i="0" u="none" strike="noStrike" dirty="0">
+                        <a:solidFill>
+                          <a:srgbClr val="000000"/>
+                        </a:solidFill>
+                        <a:effectLst/>
+                        <a:latin typeface="Calibri" panose="020F0502020204030204" pitchFamily="34" charset="0"/>
+                      </a:endParaRPr>
+                    </a:p>
+                  </a:txBody>
+                  <a:tcPr marL="7144" marR="7144" marT="7144" marB="0" anchor="b">
+                    <a:lnL w="19050" cap="flat" cmpd="sng" algn="ctr">
+                      <a:solidFill>
+                        <a:schemeClr val="bg1"/>
+                      </a:solidFill>
+                      <a:prstDash val="solid"/>
+                      <a:round/>
+                      <a:headEnd type="none" w="med" len="med"/>
+                      <a:tailEnd type="none" w="med" len="med"/>
+                    </a:lnL>
+                    <a:lnR w="19050" cap="flat" cmpd="sng" algn="ctr">
+                      <a:solidFill>
+                        <a:schemeClr val="bg1"/>
+                      </a:solidFill>
+                      <a:prstDash val="solid"/>
+                      <a:round/>
+                      <a:headEnd type="none" w="med" len="med"/>
+                      <a:tailEnd type="none" w="med" len="med"/>
+                    </a:lnR>
+                    <a:lnT w="19050" cap="flat" cmpd="sng" algn="ctr">
+                      <a:solidFill>
+                        <a:schemeClr val="bg1"/>
+                      </a:solidFill>
+                      <a:prstDash val="solid"/>
+                      <a:round/>
+                      <a:headEnd type="none" w="med" len="med"/>
+                      <a:tailEnd type="none" w="med" len="med"/>
+                    </a:lnT>
+                    <a:lnB w="19050" cap="flat" cmpd="sng" algn="ctr">
+                      <a:solidFill>
+                        <a:schemeClr val="bg1"/>
+                      </a:solidFill>
+                      <a:prstDash val="solid"/>
+                      <a:round/>
+                      <a:headEnd type="none" w="med" len="med"/>
+                      <a:tailEnd type="none" w="med" len="med"/>
+                    </a:lnB>
+                  </a:tcPr>
+                </a:tc>
+                <a:extLst>
+                  <a:ext uri="{0D108BD9-81ED-4DB2-BD59-A6C34878D82A}">
+                    <a16:rowId xmlns:a16="http://schemas.microsoft.com/office/drawing/2014/main" val="3102824292"/>
+                  </a:ext>
+                </a:extLst>
+              </a:tr>
+              <a:tr h="281464">
+                <a:tc>
+                  <a:txBody>
+                    <a:bodyPr/>
+                    <a:lstStyle/>
+                    <a:p>
+                      <a:pPr algn="r" fontAlgn="b"/>
+                      <a:r>
+                        <a:rPr lang="ru-RU" sz="1800" u="none" strike="noStrike">
+                          <a:effectLst/>
+                        </a:rPr>
+                        <a:t>2</a:t>
+                      </a:r>
+                      <a:endParaRPr lang="ru-RU" sz="1800" b="0" i="0" u="none" strike="noStrike">
+                        <a:solidFill>
+                          <a:srgbClr val="000000"/>
+                        </a:solidFill>
+                        <a:effectLst/>
+                        <a:latin typeface="Calibri" panose="020F0502020204030204" pitchFamily="34" charset="0"/>
+                      </a:endParaRPr>
+                    </a:p>
+                  </a:txBody>
+                  <a:tcPr marL="7144" marR="7144" marT="7144" marB="0" anchor="b">
+                    <a:lnL w="19050" cap="flat" cmpd="sng" algn="ctr">
+                      <a:solidFill>
+                        <a:schemeClr val="bg1"/>
+                      </a:solidFill>
+                      <a:prstDash val="solid"/>
+                      <a:round/>
+                      <a:headEnd type="none" w="med" len="med"/>
+                      <a:tailEnd type="none" w="med" len="med"/>
+                    </a:lnL>
+                    <a:lnR w="19050" cap="flat" cmpd="sng" algn="ctr">
+                      <a:solidFill>
+                        <a:schemeClr val="bg1"/>
+                      </a:solidFill>
+                      <a:prstDash val="solid"/>
+                      <a:round/>
+                      <a:headEnd type="none" w="med" len="med"/>
+                      <a:tailEnd type="none" w="med" len="med"/>
+                    </a:lnR>
+                    <a:lnT w="19050" cap="flat" cmpd="sng" algn="ctr">
+                      <a:solidFill>
+                        <a:schemeClr val="bg1"/>
+                      </a:solidFill>
+                      <a:prstDash val="solid"/>
+                      <a:round/>
+                      <a:headEnd type="none" w="med" len="med"/>
+                      <a:tailEnd type="none" w="med" len="med"/>
+                    </a:lnT>
+                    <a:lnB w="19050" cap="flat" cmpd="sng" algn="ctr">
+                      <a:solidFill>
+                        <a:schemeClr val="bg1"/>
+                      </a:solidFill>
+                      <a:prstDash val="solid"/>
+                      <a:round/>
+                      <a:headEnd type="none" w="med" len="med"/>
+                      <a:tailEnd type="none" w="med" len="med"/>
+                    </a:lnB>
+                  </a:tcPr>
+                </a:tc>
+                <a:tc>
+                  <a:txBody>
+                    <a:bodyPr/>
+                    <a:lstStyle/>
+                    <a:p>
+                      <a:pPr algn="r" fontAlgn="b"/>
+                      <a:r>
+                        <a:rPr lang="ru-RU" sz="1800" u="none" strike="noStrike">
+                          <a:effectLst/>
+                        </a:rPr>
+                        <a:t>4</a:t>
+                      </a:r>
+                      <a:endParaRPr lang="ru-RU" sz="1800" b="0" i="0" u="none" strike="noStrike">
+                        <a:solidFill>
+                          <a:srgbClr val="000000"/>
+                        </a:solidFill>
+                        <a:effectLst/>
+                        <a:latin typeface="Calibri" panose="020F0502020204030204" pitchFamily="34" charset="0"/>
+                      </a:endParaRPr>
+                    </a:p>
+                  </a:txBody>
+                  <a:tcPr marL="7144" marR="7144" marT="7144" marB="0" anchor="b">
+                    <a:lnL w="19050" cap="flat" cmpd="sng" algn="ctr">
+                      <a:solidFill>
+                        <a:schemeClr val="bg1"/>
+                      </a:solidFill>
+                      <a:prstDash val="solid"/>
+                      <a:round/>
+                      <a:headEnd type="none" w="med" len="med"/>
+                      <a:tailEnd type="none" w="med" len="med"/>
+                    </a:lnL>
+                    <a:lnR w="19050" cap="flat" cmpd="sng" algn="ctr">
+                      <a:solidFill>
+                        <a:schemeClr val="bg1"/>
+                      </a:solidFill>
+                      <a:prstDash val="solid"/>
+                      <a:round/>
+                      <a:headEnd type="none" w="med" len="med"/>
+                      <a:tailEnd type="none" w="med" len="med"/>
+                    </a:lnR>
+                    <a:lnT w="19050" cap="flat" cmpd="sng" algn="ctr">
+                      <a:solidFill>
+                        <a:schemeClr val="bg1"/>
+                      </a:solidFill>
+                      <a:prstDash val="solid"/>
+                      <a:round/>
+                      <a:headEnd type="none" w="med" len="med"/>
+                      <a:tailEnd type="none" w="med" len="med"/>
+                    </a:lnT>
+                    <a:lnB w="19050" cap="flat" cmpd="sng" algn="ctr">
+                      <a:solidFill>
+                        <a:schemeClr val="bg1"/>
+                      </a:solidFill>
+                      <a:prstDash val="solid"/>
+                      <a:round/>
+                      <a:headEnd type="none" w="med" len="med"/>
+                      <a:tailEnd type="none" w="med" len="med"/>
+                    </a:lnB>
+                  </a:tcPr>
+                </a:tc>
+                <a:tc>
+                  <a:txBody>
+                    <a:bodyPr/>
+                    <a:lstStyle/>
+                    <a:p>
+                      <a:pPr algn="r" fontAlgn="b"/>
+                      <a:r>
+                        <a:rPr lang="ru-RU" sz="1800" u="none" strike="noStrike" dirty="0">
+                          <a:effectLst/>
+                        </a:rPr>
+                        <a:t>-4</a:t>
+                      </a:r>
+                      <a:endParaRPr lang="ru-RU" sz="1800" b="0" i="0" u="none" strike="noStrike" dirty="0">
+                        <a:solidFill>
+                          <a:srgbClr val="000000"/>
+                        </a:solidFill>
+                        <a:effectLst/>
+                        <a:latin typeface="Calibri" panose="020F0502020204030204" pitchFamily="34" charset="0"/>
+                      </a:endParaRPr>
+                    </a:p>
+                  </a:txBody>
+                  <a:tcPr marL="7144" marR="7144" marT="7144" marB="0" anchor="b">
+                    <a:lnL w="19050" cap="flat" cmpd="sng" algn="ctr">
+                      <a:solidFill>
+                        <a:schemeClr val="bg1"/>
+                      </a:solidFill>
+                      <a:prstDash val="solid"/>
+                      <a:round/>
+                      <a:headEnd type="none" w="med" len="med"/>
+                      <a:tailEnd type="none" w="med" len="med"/>
+                    </a:lnL>
+                    <a:lnR w="19050" cap="flat" cmpd="sng" algn="ctr">
+                      <a:solidFill>
+                        <a:schemeClr val="bg1"/>
+                      </a:solidFill>
+                      <a:prstDash val="solid"/>
+                      <a:round/>
+                      <a:headEnd type="none" w="med" len="med"/>
+                      <a:tailEnd type="none" w="med" len="med"/>
+                    </a:lnR>
+                    <a:lnT w="19050" cap="flat" cmpd="sng" algn="ctr">
+                      <a:solidFill>
+                        <a:schemeClr val="bg1"/>
+                      </a:solidFill>
+                      <a:prstDash val="solid"/>
+                      <a:round/>
+                      <a:headEnd type="none" w="med" len="med"/>
+                      <a:tailEnd type="none" w="med" len="med"/>
+                    </a:lnT>
+                    <a:lnB w="19050" cap="flat" cmpd="sng" algn="ctr">
+                      <a:solidFill>
+                        <a:schemeClr val="bg1"/>
+                      </a:solidFill>
+                      <a:prstDash val="solid"/>
+                      <a:round/>
+                      <a:headEnd type="none" w="med" len="med"/>
+                      <a:tailEnd type="none" w="med" len="med"/>
+                    </a:lnB>
+                  </a:tcPr>
+                </a:tc>
+                <a:extLst>
+                  <a:ext uri="{0D108BD9-81ED-4DB2-BD59-A6C34878D82A}">
+                    <a16:rowId xmlns:a16="http://schemas.microsoft.com/office/drawing/2014/main" val="3882102835"/>
+                  </a:ext>
+                </a:extLst>
+              </a:tr>
+            </a:tbl>
+          </a:graphicData>
+        </a:graphic>
+      </p:graphicFrame>
+      <p:sp>
+        <p:nvSpPr>
+          <p:cNvPr id="9" name="TextBox 8">
+            <a:extLst>
+              <a:ext uri="{FF2B5EF4-FFF2-40B4-BE49-F238E27FC236}">
+                <a16:creationId xmlns:a16="http://schemas.microsoft.com/office/drawing/2014/main" id="{0EEFF800-9C54-4DE2-A329-84D6358710EB}"/>
+              </a:ext>
+            </a:extLst>
+          </p:cNvPr>
+          <p:cNvSpPr txBox="1"/>
+          <p:nvPr/>
+        </p:nvSpPr>
+        <p:spPr>
+          <a:xfrm>
+            <a:off x="323137" y="2083338"/>
+            <a:ext cx="8565886" cy="369332"/>
+          </a:xfrm>
+          <a:prstGeom prst="rect">
+            <a:avLst/>
+          </a:prstGeom>
+          <a:noFill/>
+        </p:spPr>
+        <p:txBody>
+          <a:bodyPr wrap="square">
+            <a:spAutoFit/>
+          </a:bodyPr>
+          <a:lstStyle/>
+          <a:p>
+            <a:r>
+              <a:rPr lang="ru-RU" sz="1800" dirty="0" err="1"/>
+              <a:t>df</a:t>
+            </a:r>
+            <a:r>
+              <a:rPr lang="ru-RU" sz="1800" dirty="0"/>
+              <a:t>=</a:t>
+            </a:r>
+            <a:r>
+              <a:rPr lang="ru-RU" sz="1800" dirty="0" err="1"/>
+              <a:t>pd.DataFrame</a:t>
+            </a:r>
+            <a:r>
+              <a:rPr lang="ru-RU" sz="1800" dirty="0"/>
+              <a:t>([[-2,4,-4],[-1,1,-1],[0,0,0],[1,1,-1],[2,4,-4]],</a:t>
+            </a:r>
+            <a:r>
+              <a:rPr lang="ru-RU" sz="1800" dirty="0" err="1"/>
+              <a:t>columns</a:t>
+            </a:r>
+            <a:r>
+              <a:rPr lang="ru-RU" sz="1800" dirty="0"/>
+              <a:t>=['x','y1','y2'])</a:t>
+            </a:r>
+          </a:p>
+        </p:txBody>
+      </p:sp>
+      <p:sp>
+        <p:nvSpPr>
+          <p:cNvPr id="11" name="TextBox 10">
+            <a:extLst>
+              <a:ext uri="{FF2B5EF4-FFF2-40B4-BE49-F238E27FC236}">
+                <a16:creationId xmlns:a16="http://schemas.microsoft.com/office/drawing/2014/main" id="{80DDD4A7-DCF1-4E85-92D7-6527F90D97A1}"/>
+              </a:ext>
+            </a:extLst>
+          </p:cNvPr>
+          <p:cNvSpPr txBox="1"/>
+          <p:nvPr/>
+        </p:nvSpPr>
+        <p:spPr>
+          <a:xfrm>
+            <a:off x="323137" y="3049261"/>
+            <a:ext cx="4577243" cy="1477328"/>
+          </a:xfrm>
+          <a:prstGeom prst="rect">
+            <a:avLst/>
+          </a:prstGeom>
+          <a:noFill/>
+        </p:spPr>
+        <p:txBody>
+          <a:bodyPr wrap="square">
+            <a:spAutoFit/>
+          </a:bodyPr>
+          <a:lstStyle/>
+          <a:p>
+            <a:r>
+              <a:rPr lang="ru-RU" sz="1800" dirty="0" err="1"/>
+              <a:t>df</a:t>
+            </a:r>
+            <a:r>
+              <a:rPr lang="ru-RU" sz="1800" dirty="0"/>
+              <a:t>=</a:t>
+            </a:r>
+            <a:r>
+              <a:rPr lang="ru-RU" sz="1800" dirty="0" err="1"/>
+              <a:t>pd.DataFrame</a:t>
+            </a:r>
+            <a:r>
+              <a:rPr lang="ru-RU" sz="1800" dirty="0"/>
+              <a:t>({</a:t>
             </a:r>
           </a:p>
           <a:p>
-            <a:pPr marL="742950" indent="-742950">
-              <a:buFont typeface="+mj-lt"/>
-              <a:buAutoNum type="arabicParenR"/>
-            </a:pPr>
-            <a:r>
-              <a:rPr lang="ru-RU" sz="3200" dirty="0"/>
-              <a:t>Объект </a:t>
-            </a:r>
-            <a:r>
-              <a:rPr lang="ru-RU" sz="3200" dirty="0" err="1"/>
-              <a:t>DataFrame</a:t>
-            </a:r>
-            <a:r>
-              <a:rPr lang="ru-RU" sz="3200" dirty="0"/>
-              <a:t>.</a:t>
+            <a:r>
+              <a:rPr lang="ru-RU" sz="1800" dirty="0"/>
+              <a:t>    'x':[-2,-1,0,1,2],</a:t>
             </a:r>
           </a:p>
           <a:p>
-            <a:pPr marL="742950" indent="-742950">
-              <a:buFont typeface="+mj-lt"/>
-              <a:buAutoNum type="arabicParenR"/>
-            </a:pPr>
-            <a:r>
-              <a:rPr lang="ru-RU" sz="3200" dirty="0"/>
-              <a:t>Загрузка и выгрузка данных.</a:t>
+            <a:r>
+              <a:rPr lang="ru-RU" sz="1800" dirty="0"/>
+              <a:t>    'y':[4,1,0,1,4],</a:t>
             </a:r>
           </a:p>
           <a:p>
-            <a:pPr marL="742950" indent="-742950">
-              <a:buFont typeface="+mj-lt"/>
-              <a:buAutoNum type="arabicParenR"/>
-            </a:pPr>
-            <a:r>
-              <a:rPr lang="ru-RU" sz="3200" dirty="0"/>
-              <a:t>Организация колонок и строчек.</a:t>
+            <a:r>
+              <a:rPr lang="ru-RU" sz="1800" dirty="0"/>
+              <a:t>    'z':[-4,-1,0,-1,-4]</a:t>
             </a:r>
           </a:p>
           <a:p>
-            <a:pPr marL="742950" indent="-742950">
-              <a:buFont typeface="+mj-lt"/>
-              <a:buAutoNum type="arabicParenR"/>
-            </a:pPr>
-            <a:r>
-              <a:rPr lang="ru-RU" sz="3200" dirty="0"/>
-              <a:t>Пропуски и повторы</a:t>
+            <a:r>
+              <a:rPr lang="ru-RU" sz="1800" dirty="0"/>
+              <a:t>    })</a:t>
+            </a:r>
+          </a:p>
+        </p:txBody>
+      </p:sp>
+      <p:sp>
+        <p:nvSpPr>
+          <p:cNvPr id="3" name="TextBox 2">
+            <a:extLst>
+              <a:ext uri="{FF2B5EF4-FFF2-40B4-BE49-F238E27FC236}">
+                <a16:creationId xmlns:a16="http://schemas.microsoft.com/office/drawing/2014/main" id="{35A4D9C1-3745-4A3A-B5DF-272ACAAE127D}"/>
+              </a:ext>
+            </a:extLst>
+          </p:cNvPr>
+          <p:cNvSpPr txBox="1"/>
+          <p:nvPr/>
+        </p:nvSpPr>
+        <p:spPr>
+          <a:xfrm>
+            <a:off x="172135" y="2703012"/>
+            <a:ext cx="2433680" cy="369332"/>
+          </a:xfrm>
+          <a:prstGeom prst="rect">
+            <a:avLst/>
+          </a:prstGeom>
+          <a:noFill/>
+        </p:spPr>
+        <p:txBody>
+          <a:bodyPr wrap="none" rtlCol="0">
+            <a:spAutoFit/>
+          </a:bodyPr>
+          <a:lstStyle/>
+          <a:p>
+            <a:r>
+              <a:rPr lang="ru-RU" sz="1800" b="1" i="1" dirty="0">
+                <a:solidFill>
+                  <a:schemeClr val="accent2">
+                    <a:lumMod val="60000"/>
+                    <a:lumOff val="40000"/>
+                  </a:schemeClr>
+                </a:solidFill>
+              </a:rPr>
+              <a:t>источник: </a:t>
+            </a:r>
+            <a:r>
+              <a:rPr lang="ru-RU" sz="1800" b="1" i="1" dirty="0">
+                <a:solidFill>
+                  <a:schemeClr val="tx2">
+                    <a:lumMod val="75000"/>
+                  </a:schemeClr>
+                </a:solidFill>
+              </a:rPr>
+              <a:t>словарь</a:t>
+            </a:r>
+          </a:p>
+        </p:txBody>
+      </p:sp>
+      <p:sp>
+        <p:nvSpPr>
+          <p:cNvPr id="10" name="TextBox 9">
+            <a:extLst>
+              <a:ext uri="{FF2B5EF4-FFF2-40B4-BE49-F238E27FC236}">
+                <a16:creationId xmlns:a16="http://schemas.microsoft.com/office/drawing/2014/main" id="{366395A7-2B74-41B2-8D62-CEF742F6CC8F}"/>
+              </a:ext>
+            </a:extLst>
+          </p:cNvPr>
+          <p:cNvSpPr txBox="1"/>
+          <p:nvPr/>
+        </p:nvSpPr>
+        <p:spPr>
+          <a:xfrm>
+            <a:off x="172135" y="1716666"/>
+            <a:ext cx="7249100" cy="369332"/>
+          </a:xfrm>
+          <a:prstGeom prst="rect">
+            <a:avLst/>
+          </a:prstGeom>
+          <a:noFill/>
+        </p:spPr>
+        <p:txBody>
+          <a:bodyPr wrap="none" rtlCol="0">
+            <a:spAutoFit/>
+          </a:bodyPr>
+          <a:lstStyle/>
+          <a:p>
+            <a:r>
+              <a:rPr lang="ru-RU" sz="1800" b="1" i="1" dirty="0">
+                <a:solidFill>
+                  <a:schemeClr val="accent2">
+                    <a:lumMod val="60000"/>
+                    <a:lumOff val="40000"/>
+                  </a:schemeClr>
+                </a:solidFill>
+              </a:rPr>
+              <a:t>источник: </a:t>
+            </a:r>
+            <a:r>
+              <a:rPr lang="ru-RU" sz="1800" b="1" i="1" dirty="0">
+                <a:solidFill>
+                  <a:schemeClr val="tx2">
+                    <a:lumMod val="75000"/>
+                  </a:schemeClr>
+                </a:solidFill>
+              </a:rPr>
+              <a:t>список, элементами которого являются списки</a:t>
             </a:r>
           </a:p>
         </p:txBody>
@@ -16773,7 +18603,7 @@
     </p:spTree>
     <p:extLst>
       <p:ext uri="{BB962C8B-B14F-4D97-AF65-F5344CB8AC3E}">
-        <p14:creationId xmlns:p14="http://schemas.microsoft.com/office/powerpoint/2010/main" val="1141432975"/>
+        <p14:creationId xmlns:p14="http://schemas.microsoft.com/office/powerpoint/2010/main" val="1536253981"/>
       </p:ext>
     </p:extLst>
   </p:cSld>
@@ -16783,7 +18613,3314 @@
 </p:sld>
 </file>
 
-<file path=ppt/slides/slide3.xml><?xml version="1.0" encoding="utf-8"?>
+<file path=ppt/slides/slide12.xml><?xml version="1.0" encoding="utf-8"?>
+<p:sld xmlns:a="http://schemas.openxmlformats.org/drawingml/2006/main" xmlns:r="http://schemas.openxmlformats.org/officeDocument/2006/relationships" xmlns:p="http://schemas.openxmlformats.org/presentationml/2006/main">
+  <p:cSld>
+    <p:spTree>
+      <p:nvGrpSpPr>
+        <p:cNvPr id="1" name=""/>
+        <p:cNvGrpSpPr/>
+        <p:nvPr/>
+      </p:nvGrpSpPr>
+      <p:grpSpPr>
+        <a:xfrm>
+          <a:off x="0" y="0"/>
+          <a:ext cx="0" cy="0"/>
+          <a:chOff x="0" y="0"/>
+          <a:chExt cx="0" cy="0"/>
+        </a:xfrm>
+      </p:grpSpPr>
+      <p:sp>
+        <p:nvSpPr>
+          <p:cNvPr id="2" name="TextBox 1">
+            <a:extLst>
+              <a:ext uri="{FF2B5EF4-FFF2-40B4-BE49-F238E27FC236}">
+                <a16:creationId xmlns:a16="http://schemas.microsoft.com/office/drawing/2014/main" id="{394D4658-A441-4123-8097-9ABD77BC56E3}"/>
+              </a:ext>
+            </a:extLst>
+          </p:cNvPr>
+          <p:cNvSpPr txBox="1"/>
+          <p:nvPr/>
+        </p:nvSpPr>
+        <p:spPr>
+          <a:xfrm>
+            <a:off x="377683" y="330479"/>
+            <a:ext cx="2090637" cy="369332"/>
+          </a:xfrm>
+          <a:prstGeom prst="rect">
+            <a:avLst/>
+          </a:prstGeom>
+          <a:solidFill>
+            <a:schemeClr val="bg2">
+              <a:lumMod val="75000"/>
+              <a:alpha val="22000"/>
+            </a:schemeClr>
+          </a:solidFill>
+        </p:spPr>
+        <p:txBody>
+          <a:bodyPr wrap="none" rtlCol="0">
+            <a:spAutoFit/>
+          </a:bodyPr>
+          <a:lstStyle/>
+          <a:p>
+            <a:r>
+              <a:rPr lang="ru-RU" sz="1800" b="1" i="1" dirty="0">
+                <a:solidFill>
+                  <a:schemeClr val="accent2">
+                    <a:lumMod val="60000"/>
+                    <a:lumOff val="40000"/>
+                  </a:schemeClr>
+                </a:solidFill>
+              </a:rPr>
+              <a:t>источник: </a:t>
+            </a:r>
+            <a:r>
+              <a:rPr lang="ru-RU" sz="1800" b="1" i="1" dirty="0">
+                <a:solidFill>
+                  <a:schemeClr val="tx2">
+                    <a:lumMod val="75000"/>
+                  </a:schemeClr>
+                </a:solidFill>
+              </a:rPr>
+              <a:t>файл</a:t>
+            </a:r>
+          </a:p>
+        </p:txBody>
+      </p:sp>
+      <p:sp>
+        <p:nvSpPr>
+          <p:cNvPr id="4" name="TextBox 3">
+            <a:extLst>
+              <a:ext uri="{FF2B5EF4-FFF2-40B4-BE49-F238E27FC236}">
+                <a16:creationId xmlns:a16="http://schemas.microsoft.com/office/drawing/2014/main" id="{514267B7-701C-4CF2-B15C-868CB6DBBC26}"/>
+              </a:ext>
+            </a:extLst>
+          </p:cNvPr>
+          <p:cNvSpPr txBox="1"/>
+          <p:nvPr/>
+        </p:nvSpPr>
+        <p:spPr>
+          <a:xfrm>
+            <a:off x="498848" y="1050240"/>
+            <a:ext cx="6086590" cy="584775"/>
+          </a:xfrm>
+          <a:prstGeom prst="rect">
+            <a:avLst/>
+          </a:prstGeom>
+          <a:noFill/>
+        </p:spPr>
+        <p:txBody>
+          <a:bodyPr wrap="square">
+            <a:spAutoFit/>
+          </a:bodyPr>
+          <a:lstStyle/>
+          <a:p>
+            <a:r>
+              <a:rPr lang="ru-RU" sz="1600" dirty="0" err="1">
+                <a:latin typeface="PT Serif" panose="020A0603040505020204" pitchFamily="18" charset="-52"/>
+              </a:rPr>
+              <a:t>pandas</a:t>
+            </a:r>
+            <a:r>
+              <a:rPr lang="ru-RU" sz="1600" dirty="0">
+                <a:latin typeface="PT Serif" panose="020A0603040505020204" pitchFamily="18" charset="-52"/>
+              </a:rPr>
+              <a:t> поддерживает все самые популярные форматы хранения данных: </a:t>
+            </a:r>
+            <a:r>
+              <a:rPr lang="ru-RU" sz="1600" dirty="0" err="1">
+                <a:latin typeface="PT Serif" panose="020A0603040505020204" pitchFamily="18" charset="-52"/>
+              </a:rPr>
+              <a:t>csv</a:t>
+            </a:r>
+            <a:r>
+              <a:rPr lang="ru-RU" sz="1600" dirty="0">
+                <a:latin typeface="PT Serif" panose="020A0603040505020204" pitchFamily="18" charset="-52"/>
+              </a:rPr>
+              <a:t>, </a:t>
+            </a:r>
+            <a:r>
+              <a:rPr lang="ru-RU" sz="1600" dirty="0" err="1">
+                <a:latin typeface="PT Serif" panose="020A0603040505020204" pitchFamily="18" charset="-52"/>
+              </a:rPr>
+              <a:t>excel</a:t>
+            </a:r>
+            <a:r>
+              <a:rPr lang="ru-RU" sz="1600" dirty="0">
+                <a:latin typeface="PT Serif" panose="020A0603040505020204" pitchFamily="18" charset="-52"/>
+              </a:rPr>
+              <a:t>, </a:t>
+            </a:r>
+            <a:r>
+              <a:rPr lang="ru-RU" sz="1600" dirty="0" err="1">
+                <a:latin typeface="PT Serif" panose="020A0603040505020204" pitchFamily="18" charset="-52"/>
+              </a:rPr>
+              <a:t>sql</a:t>
+            </a:r>
+            <a:r>
+              <a:rPr lang="ru-RU" sz="1600" dirty="0">
+                <a:latin typeface="PT Serif" panose="020A0603040505020204" pitchFamily="18" charset="-52"/>
+              </a:rPr>
+              <a:t>, буфер обмена, </a:t>
+            </a:r>
+            <a:r>
+              <a:rPr lang="ru-RU" sz="1600" dirty="0" err="1">
+                <a:latin typeface="PT Serif" panose="020A0603040505020204" pitchFamily="18" charset="-52"/>
+              </a:rPr>
+              <a:t>html</a:t>
+            </a:r>
+            <a:r>
+              <a:rPr lang="ru-RU" sz="1600" dirty="0">
+                <a:latin typeface="PT Serif" panose="020A0603040505020204" pitchFamily="18" charset="-52"/>
+              </a:rPr>
+              <a:t> и многое другое</a:t>
+            </a:r>
+            <a:endParaRPr lang="ru-RU" sz="1600" dirty="0"/>
+          </a:p>
+        </p:txBody>
+      </p:sp>
+      <p:sp>
+        <p:nvSpPr>
+          <p:cNvPr id="6" name="TextBox 5">
+            <a:extLst>
+              <a:ext uri="{FF2B5EF4-FFF2-40B4-BE49-F238E27FC236}">
+                <a16:creationId xmlns:a16="http://schemas.microsoft.com/office/drawing/2014/main" id="{A1DAB8A1-C06E-4EAE-BE83-D6B986CC4DE2}"/>
+              </a:ext>
+            </a:extLst>
+          </p:cNvPr>
+          <p:cNvSpPr txBox="1"/>
+          <p:nvPr/>
+        </p:nvSpPr>
+        <p:spPr>
+          <a:xfrm>
+            <a:off x="498848" y="2160690"/>
+            <a:ext cx="4576812" cy="369332"/>
+          </a:xfrm>
+          <a:prstGeom prst="rect">
+            <a:avLst/>
+          </a:prstGeom>
+          <a:noFill/>
+        </p:spPr>
+        <p:txBody>
+          <a:bodyPr wrap="square">
+            <a:spAutoFit/>
+          </a:bodyPr>
+          <a:lstStyle/>
+          <a:p>
+            <a:r>
+              <a:rPr lang="ru-RU" sz="1800" b="1" i="1" dirty="0">
+                <a:solidFill>
+                  <a:schemeClr val="tx2">
+                    <a:lumMod val="75000"/>
+                  </a:schemeClr>
+                </a:solidFill>
+              </a:rPr>
+              <a:t>Считать данные</a:t>
+            </a:r>
+          </a:p>
+        </p:txBody>
+      </p:sp>
+      <p:sp>
+        <p:nvSpPr>
+          <p:cNvPr id="8" name="TextBox 7">
+            <a:extLst>
+              <a:ext uri="{FF2B5EF4-FFF2-40B4-BE49-F238E27FC236}">
+                <a16:creationId xmlns:a16="http://schemas.microsoft.com/office/drawing/2014/main" id="{419EEC37-361E-4706-8BF1-4FDBFCFE5AAC}"/>
+              </a:ext>
+            </a:extLst>
+          </p:cNvPr>
+          <p:cNvSpPr txBox="1"/>
+          <p:nvPr/>
+        </p:nvSpPr>
+        <p:spPr>
+          <a:xfrm>
+            <a:off x="2665620" y="2166596"/>
+            <a:ext cx="2099810" cy="369332"/>
+          </a:xfrm>
+          <a:prstGeom prst="rect">
+            <a:avLst/>
+          </a:prstGeom>
+          <a:noFill/>
+        </p:spPr>
+        <p:txBody>
+          <a:bodyPr wrap="square">
+            <a:spAutoFit/>
+          </a:bodyPr>
+          <a:lstStyle/>
+          <a:p>
+            <a:pPr algn="l"/>
+            <a:r>
+              <a:rPr lang="en-US" sz="1800" dirty="0" err="1">
+                <a:latin typeface="-apple-system"/>
+              </a:rPr>
+              <a:t>pandas.read</a:t>
+            </a:r>
+            <a:r>
+              <a:rPr lang="en-US" sz="1800" dirty="0">
+                <a:latin typeface="-apple-system"/>
+              </a:rPr>
+              <a:t>_...</a:t>
+            </a:r>
+          </a:p>
+        </p:txBody>
+      </p:sp>
+      <p:sp>
+        <p:nvSpPr>
+          <p:cNvPr id="9" name="Rectangle 1">
+            <a:extLst>
+              <a:ext uri="{FF2B5EF4-FFF2-40B4-BE49-F238E27FC236}">
+                <a16:creationId xmlns:a16="http://schemas.microsoft.com/office/drawing/2014/main" id="{43D9205F-BD8B-4369-9A78-DC924665896D}"/>
+              </a:ext>
+            </a:extLst>
+          </p:cNvPr>
+          <p:cNvSpPr>
+            <a:spLocks noChangeArrowheads="1"/>
+          </p:cNvSpPr>
+          <p:nvPr/>
+        </p:nvSpPr>
+        <p:spPr bwMode="auto">
+          <a:xfrm>
+            <a:off x="656070" y="2708287"/>
+            <a:ext cx="2618482" cy="276999"/>
+          </a:xfrm>
+          <a:prstGeom prst="rect">
+            <a:avLst/>
+          </a:prstGeom>
+          <a:noFill/>
+          <a:ln>
+            <a:noFill/>
+          </a:ln>
+          <a:effectLst/>
+          <a:extLst>
+            <a:ext uri="{909E8E84-426E-40DD-AFC4-6F175D3DCCD1}">
+              <a14:hiddenFill xmlns:a14="http://schemas.microsoft.com/office/drawing/2010/main">
+                <a:solidFill>
+                  <a:schemeClr val="accent1"/>
+                </a:solidFill>
+              </a14:hiddenFill>
+            </a:ext>
+            <a:ext uri="{91240B29-F687-4F45-9708-019B960494DF}">
+              <a14:hiddenLine xmlns:a14="http://schemas.microsoft.com/office/drawing/2010/main" w="9525">
+                <a:solidFill>
+                  <a:schemeClr val="tx1"/>
+                </a:solidFill>
+                <a:miter lim="800000"/>
+                <a:headEnd/>
+                <a:tailEnd/>
+              </a14:hiddenLine>
+            </a:ext>
+            <a:ext uri="{AF507438-7753-43E0-B8FC-AC1667EBCBE1}">
+              <a14:hiddenEffects xmlns:a14="http://schemas.microsoft.com/office/drawing/2010/main">
+                <a:effectLst>
+                  <a:outerShdw dist="35921" dir="2700000" algn="ctr" rotWithShape="0">
+                    <a:schemeClr val="bg2"/>
+                  </a:outerShdw>
+                </a:effectLst>
+              </a14:hiddenEffects>
+            </a:ext>
+          </a:extLst>
+        </p:spPr>
+        <p:txBody>
+          <a:bodyPr vert="horz" wrap="square" lIns="0" tIns="0" rIns="0" bIns="0" numCol="1" anchor="ctr" anchorCtr="0" compatLnSpc="1">
+            <a:prstTxWarp prst="textNoShape">
+              <a:avLst/>
+            </a:prstTxWarp>
+            <a:spAutoFit/>
+          </a:bodyPr>
+          <a:lstStyle>
+            <a:lvl1pPr eaLnBrk="0" fontAlgn="base" hangingPunct="0">
+              <a:spcBef>
+                <a:spcPct val="30000"/>
+              </a:spcBef>
+              <a:spcAft>
+                <a:spcPct val="0"/>
+              </a:spcAft>
+              <a:defRPr sz="1200">
+                <a:solidFill>
+                  <a:schemeClr val="tx1"/>
+                </a:solidFill>
+                <a:latin typeface="Arial" panose="020B0604020202020204" pitchFamily="34" charset="0"/>
+              </a:defRPr>
+            </a:lvl1pPr>
+            <a:lvl2pPr eaLnBrk="0" fontAlgn="base" hangingPunct="0">
+              <a:spcBef>
+                <a:spcPct val="30000"/>
+              </a:spcBef>
+              <a:spcAft>
+                <a:spcPct val="0"/>
+              </a:spcAft>
+              <a:defRPr sz="1200">
+                <a:solidFill>
+                  <a:schemeClr val="tx1"/>
+                </a:solidFill>
+                <a:latin typeface="Arial" panose="020B0604020202020204" pitchFamily="34" charset="0"/>
+              </a:defRPr>
+            </a:lvl2pPr>
+            <a:lvl3pPr eaLnBrk="0" fontAlgn="base" hangingPunct="0">
+              <a:spcBef>
+                <a:spcPct val="30000"/>
+              </a:spcBef>
+              <a:spcAft>
+                <a:spcPct val="0"/>
+              </a:spcAft>
+              <a:defRPr sz="1200">
+                <a:solidFill>
+                  <a:schemeClr val="tx1"/>
+                </a:solidFill>
+                <a:latin typeface="Arial" panose="020B0604020202020204" pitchFamily="34" charset="0"/>
+              </a:defRPr>
+            </a:lvl3pPr>
+            <a:lvl4pPr eaLnBrk="0" fontAlgn="base" hangingPunct="0">
+              <a:spcBef>
+                <a:spcPct val="30000"/>
+              </a:spcBef>
+              <a:spcAft>
+                <a:spcPct val="0"/>
+              </a:spcAft>
+              <a:defRPr sz="1200">
+                <a:solidFill>
+                  <a:schemeClr val="tx1"/>
+                </a:solidFill>
+                <a:latin typeface="Arial" panose="020B0604020202020204" pitchFamily="34" charset="0"/>
+              </a:defRPr>
+            </a:lvl4pPr>
+            <a:lvl5pPr eaLnBrk="0" fontAlgn="base" hangingPunct="0">
+              <a:spcBef>
+                <a:spcPct val="30000"/>
+              </a:spcBef>
+              <a:spcAft>
+                <a:spcPct val="0"/>
+              </a:spcAft>
+              <a:defRPr sz="1200">
+                <a:solidFill>
+                  <a:schemeClr val="tx1"/>
+                </a:solidFill>
+                <a:latin typeface="Arial" panose="020B0604020202020204" pitchFamily="34" charset="0"/>
+              </a:defRPr>
+            </a:lvl5pPr>
+            <a:lvl6pPr eaLnBrk="0" fontAlgn="base" hangingPunct="0">
+              <a:spcBef>
+                <a:spcPct val="30000"/>
+              </a:spcBef>
+              <a:spcAft>
+                <a:spcPct val="0"/>
+              </a:spcAft>
+              <a:defRPr sz="1200">
+                <a:solidFill>
+                  <a:schemeClr val="tx1"/>
+                </a:solidFill>
+                <a:latin typeface="Arial" panose="020B0604020202020204" pitchFamily="34" charset="0"/>
+              </a:defRPr>
+            </a:lvl6pPr>
+            <a:lvl7pPr eaLnBrk="0" fontAlgn="base" hangingPunct="0">
+              <a:spcBef>
+                <a:spcPct val="30000"/>
+              </a:spcBef>
+              <a:spcAft>
+                <a:spcPct val="0"/>
+              </a:spcAft>
+              <a:defRPr sz="1200">
+                <a:solidFill>
+                  <a:schemeClr val="tx1"/>
+                </a:solidFill>
+                <a:latin typeface="Arial" panose="020B0604020202020204" pitchFamily="34" charset="0"/>
+              </a:defRPr>
+            </a:lvl7pPr>
+            <a:lvl8pPr eaLnBrk="0" fontAlgn="base" hangingPunct="0">
+              <a:spcBef>
+                <a:spcPct val="30000"/>
+              </a:spcBef>
+              <a:spcAft>
+                <a:spcPct val="0"/>
+              </a:spcAft>
+              <a:defRPr sz="1200">
+                <a:solidFill>
+                  <a:schemeClr val="tx1"/>
+                </a:solidFill>
+                <a:latin typeface="Arial" panose="020B0604020202020204" pitchFamily="34" charset="0"/>
+              </a:defRPr>
+            </a:lvl8pPr>
+            <a:lvl9pPr eaLnBrk="0" fontAlgn="base" hangingPunct="0">
+              <a:spcBef>
+                <a:spcPct val="30000"/>
+              </a:spcBef>
+              <a:spcAft>
+                <a:spcPct val="0"/>
+              </a:spcAft>
+              <a:defRPr sz="1200">
+                <a:solidFill>
+                  <a:schemeClr val="tx1"/>
+                </a:solidFill>
+                <a:latin typeface="Arial" panose="020B0604020202020204" pitchFamily="34" charset="0"/>
+              </a:defRPr>
+            </a:lvl9pPr>
+          </a:lstStyle>
+          <a:p>
+            <a:pPr defTabSz="685800">
+              <a:buClrTx/>
+            </a:pPr>
+            <a:r>
+              <a:rPr lang="ru-RU" altLang="ru-RU" sz="1800" dirty="0" err="1">
+                <a:solidFill>
+                  <a:schemeClr val="bg2">
+                    <a:lumMod val="50000"/>
+                  </a:schemeClr>
+                </a:solidFill>
+              </a:rPr>
+              <a:t>pd.read_csv</a:t>
+            </a:r>
+            <a:r>
+              <a:rPr lang="ru-RU" altLang="ru-RU" sz="1800" dirty="0">
+                <a:solidFill>
+                  <a:schemeClr val="bg2">
+                    <a:lumMod val="50000"/>
+                  </a:schemeClr>
+                </a:solidFill>
+                <a:latin typeface="var(--pst-font-family-monospace)"/>
+              </a:rPr>
+              <a:t>('data.csv')</a:t>
+            </a:r>
+            <a:r>
+              <a:rPr lang="ru-RU" altLang="ru-RU" sz="1800" dirty="0">
+                <a:solidFill>
+                  <a:schemeClr val="bg2">
+                    <a:lumMod val="50000"/>
+                  </a:schemeClr>
+                </a:solidFill>
+              </a:rPr>
+              <a:t> </a:t>
+            </a:r>
+          </a:p>
+        </p:txBody>
+      </p:sp>
+      <p:sp>
+        <p:nvSpPr>
+          <p:cNvPr id="12" name="Rectangle 3">
+            <a:extLst>
+              <a:ext uri="{FF2B5EF4-FFF2-40B4-BE49-F238E27FC236}">
+                <a16:creationId xmlns:a16="http://schemas.microsoft.com/office/drawing/2014/main" id="{8B7C3139-A47F-4828-BC60-F71BE7454D1E}"/>
+              </a:ext>
+            </a:extLst>
+          </p:cNvPr>
+          <p:cNvSpPr>
+            <a:spLocks noChangeArrowheads="1"/>
+          </p:cNvSpPr>
+          <p:nvPr/>
+        </p:nvSpPr>
+        <p:spPr bwMode="auto">
+          <a:xfrm>
+            <a:off x="656069" y="3095894"/>
+            <a:ext cx="3642087" cy="276999"/>
+          </a:xfrm>
+          <a:prstGeom prst="rect">
+            <a:avLst/>
+          </a:prstGeom>
+          <a:noFill/>
+          <a:ln>
+            <a:noFill/>
+          </a:ln>
+          <a:effectLst/>
+          <a:extLst>
+            <a:ext uri="{909E8E84-426E-40DD-AFC4-6F175D3DCCD1}">
+              <a14:hiddenFill xmlns:a14="http://schemas.microsoft.com/office/drawing/2010/main">
+                <a:solidFill>
+                  <a:schemeClr val="accent1"/>
+                </a:solidFill>
+              </a14:hiddenFill>
+            </a:ext>
+            <a:ext uri="{91240B29-F687-4F45-9708-019B960494DF}">
+              <a14:hiddenLine xmlns:a14="http://schemas.microsoft.com/office/drawing/2010/main" w="9525">
+                <a:solidFill>
+                  <a:schemeClr val="tx1"/>
+                </a:solidFill>
+                <a:miter lim="800000"/>
+                <a:headEnd/>
+                <a:tailEnd/>
+              </a14:hiddenLine>
+            </a:ext>
+            <a:ext uri="{AF507438-7753-43E0-B8FC-AC1667EBCBE1}">
+              <a14:hiddenEffects xmlns:a14="http://schemas.microsoft.com/office/drawing/2010/main">
+                <a:effectLst>
+                  <a:outerShdw dist="35921" dir="2700000" algn="ctr" rotWithShape="0">
+                    <a:schemeClr val="bg2"/>
+                  </a:outerShdw>
+                </a:effectLst>
+              </a14:hiddenEffects>
+            </a:ext>
+          </a:extLst>
+        </p:spPr>
+        <p:txBody>
+          <a:bodyPr vert="horz" wrap="square" lIns="0" tIns="0" rIns="0" bIns="0" numCol="1" anchor="ctr" anchorCtr="0" compatLnSpc="1">
+            <a:prstTxWarp prst="textNoShape">
+              <a:avLst/>
+            </a:prstTxWarp>
+            <a:spAutoFit/>
+          </a:bodyPr>
+          <a:lstStyle>
+            <a:lvl1pPr eaLnBrk="0" fontAlgn="base" hangingPunct="0">
+              <a:spcBef>
+                <a:spcPct val="30000"/>
+              </a:spcBef>
+              <a:spcAft>
+                <a:spcPct val="0"/>
+              </a:spcAft>
+              <a:defRPr sz="1200">
+                <a:solidFill>
+                  <a:schemeClr val="tx1"/>
+                </a:solidFill>
+                <a:latin typeface="Arial" panose="020B0604020202020204" pitchFamily="34" charset="0"/>
+              </a:defRPr>
+            </a:lvl1pPr>
+            <a:lvl2pPr eaLnBrk="0" fontAlgn="base" hangingPunct="0">
+              <a:spcBef>
+                <a:spcPct val="30000"/>
+              </a:spcBef>
+              <a:spcAft>
+                <a:spcPct val="0"/>
+              </a:spcAft>
+              <a:defRPr sz="1200">
+                <a:solidFill>
+                  <a:schemeClr val="tx1"/>
+                </a:solidFill>
+                <a:latin typeface="Arial" panose="020B0604020202020204" pitchFamily="34" charset="0"/>
+              </a:defRPr>
+            </a:lvl2pPr>
+            <a:lvl3pPr eaLnBrk="0" fontAlgn="base" hangingPunct="0">
+              <a:spcBef>
+                <a:spcPct val="30000"/>
+              </a:spcBef>
+              <a:spcAft>
+                <a:spcPct val="0"/>
+              </a:spcAft>
+              <a:defRPr sz="1200">
+                <a:solidFill>
+                  <a:schemeClr val="tx1"/>
+                </a:solidFill>
+                <a:latin typeface="Arial" panose="020B0604020202020204" pitchFamily="34" charset="0"/>
+              </a:defRPr>
+            </a:lvl3pPr>
+            <a:lvl4pPr eaLnBrk="0" fontAlgn="base" hangingPunct="0">
+              <a:spcBef>
+                <a:spcPct val="30000"/>
+              </a:spcBef>
+              <a:spcAft>
+                <a:spcPct val="0"/>
+              </a:spcAft>
+              <a:defRPr sz="1200">
+                <a:solidFill>
+                  <a:schemeClr val="tx1"/>
+                </a:solidFill>
+                <a:latin typeface="Arial" panose="020B0604020202020204" pitchFamily="34" charset="0"/>
+              </a:defRPr>
+            </a:lvl4pPr>
+            <a:lvl5pPr eaLnBrk="0" fontAlgn="base" hangingPunct="0">
+              <a:spcBef>
+                <a:spcPct val="30000"/>
+              </a:spcBef>
+              <a:spcAft>
+                <a:spcPct val="0"/>
+              </a:spcAft>
+              <a:defRPr sz="1200">
+                <a:solidFill>
+                  <a:schemeClr val="tx1"/>
+                </a:solidFill>
+                <a:latin typeface="Arial" panose="020B0604020202020204" pitchFamily="34" charset="0"/>
+              </a:defRPr>
+            </a:lvl5pPr>
+            <a:lvl6pPr eaLnBrk="0" fontAlgn="base" hangingPunct="0">
+              <a:spcBef>
+                <a:spcPct val="30000"/>
+              </a:spcBef>
+              <a:spcAft>
+                <a:spcPct val="0"/>
+              </a:spcAft>
+              <a:defRPr sz="1200">
+                <a:solidFill>
+                  <a:schemeClr val="tx1"/>
+                </a:solidFill>
+                <a:latin typeface="Arial" panose="020B0604020202020204" pitchFamily="34" charset="0"/>
+              </a:defRPr>
+            </a:lvl6pPr>
+            <a:lvl7pPr eaLnBrk="0" fontAlgn="base" hangingPunct="0">
+              <a:spcBef>
+                <a:spcPct val="30000"/>
+              </a:spcBef>
+              <a:spcAft>
+                <a:spcPct val="0"/>
+              </a:spcAft>
+              <a:defRPr sz="1200">
+                <a:solidFill>
+                  <a:schemeClr val="tx1"/>
+                </a:solidFill>
+                <a:latin typeface="Arial" panose="020B0604020202020204" pitchFamily="34" charset="0"/>
+              </a:defRPr>
+            </a:lvl7pPr>
+            <a:lvl8pPr eaLnBrk="0" fontAlgn="base" hangingPunct="0">
+              <a:spcBef>
+                <a:spcPct val="30000"/>
+              </a:spcBef>
+              <a:spcAft>
+                <a:spcPct val="0"/>
+              </a:spcAft>
+              <a:defRPr sz="1200">
+                <a:solidFill>
+                  <a:schemeClr val="tx1"/>
+                </a:solidFill>
+                <a:latin typeface="Arial" panose="020B0604020202020204" pitchFamily="34" charset="0"/>
+              </a:defRPr>
+            </a:lvl8pPr>
+            <a:lvl9pPr eaLnBrk="0" fontAlgn="base" hangingPunct="0">
+              <a:spcBef>
+                <a:spcPct val="30000"/>
+              </a:spcBef>
+              <a:spcAft>
+                <a:spcPct val="0"/>
+              </a:spcAft>
+              <a:defRPr sz="1200">
+                <a:solidFill>
+                  <a:schemeClr val="tx1"/>
+                </a:solidFill>
+                <a:latin typeface="Arial" panose="020B0604020202020204" pitchFamily="34" charset="0"/>
+              </a:defRPr>
+            </a:lvl9pPr>
+          </a:lstStyle>
+          <a:p>
+            <a:pPr defTabSz="685800">
+              <a:buClrTx/>
+            </a:pPr>
+            <a:r>
+              <a:rPr lang="ru-RU" altLang="ru-RU" sz="1800" dirty="0" err="1">
+                <a:solidFill>
+                  <a:schemeClr val="bg2">
+                    <a:lumMod val="50000"/>
+                  </a:schemeClr>
+                </a:solidFill>
+              </a:rPr>
+              <a:t>pd.read_table</a:t>
+            </a:r>
+            <a:r>
+              <a:rPr lang="ru-RU" altLang="ru-RU" sz="1800" dirty="0">
+                <a:solidFill>
+                  <a:schemeClr val="bg2">
+                    <a:lumMod val="50000"/>
+                  </a:schemeClr>
+                </a:solidFill>
+                <a:latin typeface="var(--pst-font-family-monospace)"/>
+              </a:rPr>
+              <a:t>('data.csv') </a:t>
+            </a:r>
+            <a:endParaRPr lang="ru-RU" altLang="ru-RU" sz="1800" dirty="0">
+              <a:solidFill>
+                <a:schemeClr val="bg2">
+                  <a:lumMod val="50000"/>
+                </a:schemeClr>
+              </a:solidFill>
+            </a:endParaRPr>
+          </a:p>
+        </p:txBody>
+      </p:sp>
+      <p:sp>
+        <p:nvSpPr>
+          <p:cNvPr id="13" name="Rectangle 4">
+            <a:extLst>
+              <a:ext uri="{FF2B5EF4-FFF2-40B4-BE49-F238E27FC236}">
+                <a16:creationId xmlns:a16="http://schemas.microsoft.com/office/drawing/2014/main" id="{2F2A56C8-D31D-4BD8-9EFF-2EE15434E9A2}"/>
+              </a:ext>
+            </a:extLst>
+          </p:cNvPr>
+          <p:cNvSpPr>
+            <a:spLocks noChangeArrowheads="1"/>
+          </p:cNvSpPr>
+          <p:nvPr/>
+        </p:nvSpPr>
+        <p:spPr bwMode="auto">
+          <a:xfrm>
+            <a:off x="656069" y="3512322"/>
+            <a:ext cx="5155645" cy="276999"/>
+          </a:xfrm>
+          <a:prstGeom prst="rect">
+            <a:avLst/>
+          </a:prstGeom>
+          <a:noFill/>
+          <a:ln>
+            <a:noFill/>
+          </a:ln>
+          <a:effectLst/>
+          <a:extLst>
+            <a:ext uri="{909E8E84-426E-40DD-AFC4-6F175D3DCCD1}">
+              <a14:hiddenFill xmlns:a14="http://schemas.microsoft.com/office/drawing/2010/main">
+                <a:solidFill>
+                  <a:schemeClr val="accent1"/>
+                </a:solidFill>
+              </a14:hiddenFill>
+            </a:ext>
+            <a:ext uri="{91240B29-F687-4F45-9708-019B960494DF}">
+              <a14:hiddenLine xmlns:a14="http://schemas.microsoft.com/office/drawing/2010/main" w="9525">
+                <a:solidFill>
+                  <a:schemeClr val="tx1"/>
+                </a:solidFill>
+                <a:miter lim="800000"/>
+                <a:headEnd/>
+                <a:tailEnd/>
+              </a14:hiddenLine>
+            </a:ext>
+            <a:ext uri="{AF507438-7753-43E0-B8FC-AC1667EBCBE1}">
+              <a14:hiddenEffects xmlns:a14="http://schemas.microsoft.com/office/drawing/2010/main">
+                <a:effectLst>
+                  <a:outerShdw dist="35921" dir="2700000" algn="ctr" rotWithShape="0">
+                    <a:schemeClr val="bg2"/>
+                  </a:outerShdw>
+                </a:effectLst>
+              </a14:hiddenEffects>
+            </a:ext>
+          </a:extLst>
+        </p:spPr>
+        <p:txBody>
+          <a:bodyPr vert="horz" wrap="square" lIns="0" tIns="0" rIns="0" bIns="0" numCol="1" anchor="ctr" anchorCtr="0" compatLnSpc="1">
+            <a:prstTxWarp prst="textNoShape">
+              <a:avLst/>
+            </a:prstTxWarp>
+            <a:spAutoFit/>
+          </a:bodyPr>
+          <a:lstStyle>
+            <a:lvl1pPr eaLnBrk="0" fontAlgn="base" hangingPunct="0">
+              <a:spcBef>
+                <a:spcPct val="30000"/>
+              </a:spcBef>
+              <a:spcAft>
+                <a:spcPct val="0"/>
+              </a:spcAft>
+              <a:defRPr sz="1200">
+                <a:solidFill>
+                  <a:schemeClr val="tx1"/>
+                </a:solidFill>
+                <a:latin typeface="Arial" panose="020B0604020202020204" pitchFamily="34" charset="0"/>
+              </a:defRPr>
+            </a:lvl1pPr>
+            <a:lvl2pPr eaLnBrk="0" fontAlgn="base" hangingPunct="0">
+              <a:spcBef>
+                <a:spcPct val="30000"/>
+              </a:spcBef>
+              <a:spcAft>
+                <a:spcPct val="0"/>
+              </a:spcAft>
+              <a:defRPr sz="1200">
+                <a:solidFill>
+                  <a:schemeClr val="tx1"/>
+                </a:solidFill>
+                <a:latin typeface="Arial" panose="020B0604020202020204" pitchFamily="34" charset="0"/>
+              </a:defRPr>
+            </a:lvl2pPr>
+            <a:lvl3pPr eaLnBrk="0" fontAlgn="base" hangingPunct="0">
+              <a:spcBef>
+                <a:spcPct val="30000"/>
+              </a:spcBef>
+              <a:spcAft>
+                <a:spcPct val="0"/>
+              </a:spcAft>
+              <a:defRPr sz="1200">
+                <a:solidFill>
+                  <a:schemeClr val="tx1"/>
+                </a:solidFill>
+                <a:latin typeface="Arial" panose="020B0604020202020204" pitchFamily="34" charset="0"/>
+              </a:defRPr>
+            </a:lvl3pPr>
+            <a:lvl4pPr eaLnBrk="0" fontAlgn="base" hangingPunct="0">
+              <a:spcBef>
+                <a:spcPct val="30000"/>
+              </a:spcBef>
+              <a:spcAft>
+                <a:spcPct val="0"/>
+              </a:spcAft>
+              <a:defRPr sz="1200">
+                <a:solidFill>
+                  <a:schemeClr val="tx1"/>
+                </a:solidFill>
+                <a:latin typeface="Arial" panose="020B0604020202020204" pitchFamily="34" charset="0"/>
+              </a:defRPr>
+            </a:lvl4pPr>
+            <a:lvl5pPr eaLnBrk="0" fontAlgn="base" hangingPunct="0">
+              <a:spcBef>
+                <a:spcPct val="30000"/>
+              </a:spcBef>
+              <a:spcAft>
+                <a:spcPct val="0"/>
+              </a:spcAft>
+              <a:defRPr sz="1200">
+                <a:solidFill>
+                  <a:schemeClr val="tx1"/>
+                </a:solidFill>
+                <a:latin typeface="Arial" panose="020B0604020202020204" pitchFamily="34" charset="0"/>
+              </a:defRPr>
+            </a:lvl5pPr>
+            <a:lvl6pPr eaLnBrk="0" fontAlgn="base" hangingPunct="0">
+              <a:spcBef>
+                <a:spcPct val="30000"/>
+              </a:spcBef>
+              <a:spcAft>
+                <a:spcPct val="0"/>
+              </a:spcAft>
+              <a:defRPr sz="1200">
+                <a:solidFill>
+                  <a:schemeClr val="tx1"/>
+                </a:solidFill>
+                <a:latin typeface="Arial" panose="020B0604020202020204" pitchFamily="34" charset="0"/>
+              </a:defRPr>
+            </a:lvl6pPr>
+            <a:lvl7pPr eaLnBrk="0" fontAlgn="base" hangingPunct="0">
+              <a:spcBef>
+                <a:spcPct val="30000"/>
+              </a:spcBef>
+              <a:spcAft>
+                <a:spcPct val="0"/>
+              </a:spcAft>
+              <a:defRPr sz="1200">
+                <a:solidFill>
+                  <a:schemeClr val="tx1"/>
+                </a:solidFill>
+                <a:latin typeface="Arial" panose="020B0604020202020204" pitchFamily="34" charset="0"/>
+              </a:defRPr>
+            </a:lvl7pPr>
+            <a:lvl8pPr eaLnBrk="0" fontAlgn="base" hangingPunct="0">
+              <a:spcBef>
+                <a:spcPct val="30000"/>
+              </a:spcBef>
+              <a:spcAft>
+                <a:spcPct val="0"/>
+              </a:spcAft>
+              <a:defRPr sz="1200">
+                <a:solidFill>
+                  <a:schemeClr val="tx1"/>
+                </a:solidFill>
+                <a:latin typeface="Arial" panose="020B0604020202020204" pitchFamily="34" charset="0"/>
+              </a:defRPr>
+            </a:lvl8pPr>
+            <a:lvl9pPr eaLnBrk="0" fontAlgn="base" hangingPunct="0">
+              <a:spcBef>
+                <a:spcPct val="30000"/>
+              </a:spcBef>
+              <a:spcAft>
+                <a:spcPct val="0"/>
+              </a:spcAft>
+              <a:defRPr sz="1200">
+                <a:solidFill>
+                  <a:schemeClr val="tx1"/>
+                </a:solidFill>
+                <a:latin typeface="Arial" panose="020B0604020202020204" pitchFamily="34" charset="0"/>
+              </a:defRPr>
+            </a:lvl9pPr>
+          </a:lstStyle>
+          <a:p>
+            <a:pPr defTabSz="685800">
+              <a:spcBef>
+                <a:spcPct val="0"/>
+              </a:spcBef>
+              <a:buClrTx/>
+            </a:pPr>
+            <a:r>
+              <a:rPr lang="ru-RU" altLang="ru-RU" sz="1800">
+                <a:solidFill>
+                  <a:schemeClr val="bg2">
+                    <a:lumMod val="50000"/>
+                  </a:schemeClr>
+                </a:solidFill>
+              </a:rPr>
+              <a:t>pd.read_excel</a:t>
+            </a:r>
+            <a:r>
+              <a:rPr lang="ru-RU" altLang="ru-RU" sz="1800">
+                <a:solidFill>
+                  <a:schemeClr val="bg2">
+                    <a:lumMod val="50000"/>
+                  </a:schemeClr>
+                </a:solidFill>
+                <a:latin typeface="var(--pst-font-family-monospace)"/>
+              </a:rPr>
+              <a:t>('tmp.xlsx', </a:t>
+            </a:r>
+            <a:r>
+              <a:rPr lang="ru-RU" altLang="ru-RU" sz="1800">
+                <a:solidFill>
+                  <a:schemeClr val="bg2">
+                    <a:lumMod val="50000"/>
+                  </a:schemeClr>
+                </a:solidFill>
+              </a:rPr>
+              <a:t>index_col=</a:t>
+            </a:r>
+            <a:r>
+              <a:rPr lang="ru-RU" altLang="ru-RU" sz="1800">
+                <a:solidFill>
+                  <a:schemeClr val="bg2">
+                    <a:lumMod val="50000"/>
+                  </a:schemeClr>
+                </a:solidFill>
+                <a:latin typeface="var(--pst-font-family-monospace)"/>
+              </a:rPr>
+              <a:t>0)</a:t>
+            </a:r>
+            <a:r>
+              <a:rPr lang="ru-RU" altLang="ru-RU" sz="1800">
+                <a:solidFill>
+                  <a:schemeClr val="bg2">
+                    <a:lumMod val="50000"/>
+                  </a:schemeClr>
+                </a:solidFill>
+              </a:rPr>
+              <a:t> </a:t>
+            </a:r>
+          </a:p>
+        </p:txBody>
+      </p:sp>
+      <p:sp>
+        <p:nvSpPr>
+          <p:cNvPr id="15" name="TextBox 14">
+            <a:extLst>
+              <a:ext uri="{FF2B5EF4-FFF2-40B4-BE49-F238E27FC236}">
+                <a16:creationId xmlns:a16="http://schemas.microsoft.com/office/drawing/2014/main" id="{49F6B366-2789-4492-B22C-FD793E6AD34C}"/>
+              </a:ext>
+            </a:extLst>
+          </p:cNvPr>
+          <p:cNvSpPr txBox="1"/>
+          <p:nvPr/>
+        </p:nvSpPr>
+        <p:spPr>
+          <a:xfrm>
+            <a:off x="656069" y="3896562"/>
+            <a:ext cx="5155645" cy="253916"/>
+          </a:xfrm>
+          <a:prstGeom prst="rect">
+            <a:avLst/>
+          </a:prstGeom>
+          <a:noFill/>
+        </p:spPr>
+        <p:txBody>
+          <a:bodyPr wrap="square">
+            <a:spAutoFit/>
+          </a:bodyPr>
+          <a:lstStyle/>
+          <a:p>
+            <a:r>
+              <a:rPr lang="ru-RU" sz="1050" dirty="0">
+                <a:hlinkClick r:id="rId2"/>
+              </a:rPr>
+              <a:t>https://pandas.pydata.org/pandas-docs/stable/reference/api/pandas.read_csv.html</a:t>
+            </a:r>
+            <a:r>
+              <a:rPr lang="en-US" sz="1050" dirty="0"/>
+              <a:t> </a:t>
+            </a:r>
+            <a:endParaRPr lang="ru-RU" sz="1050" dirty="0"/>
+          </a:p>
+        </p:txBody>
+      </p:sp>
+    </p:spTree>
+    <p:extLst>
+      <p:ext uri="{BB962C8B-B14F-4D97-AF65-F5344CB8AC3E}">
+        <p14:creationId xmlns:p14="http://schemas.microsoft.com/office/powerpoint/2010/main" val="1798815872"/>
+      </p:ext>
+    </p:extLst>
+  </p:cSld>
+  <p:clrMapOvr>
+    <a:masterClrMapping/>
+  </p:clrMapOvr>
+</p:sld>
+</file>
+
+<file path=ppt/slides/slide13.xml><?xml version="1.0" encoding="utf-8"?>
+<p:sld xmlns:a="http://schemas.openxmlformats.org/drawingml/2006/main" xmlns:r="http://schemas.openxmlformats.org/officeDocument/2006/relationships" xmlns:p="http://schemas.openxmlformats.org/presentationml/2006/main">
+  <p:cSld>
+    <p:spTree>
+      <p:nvGrpSpPr>
+        <p:cNvPr id="1" name=""/>
+        <p:cNvGrpSpPr/>
+        <p:nvPr/>
+      </p:nvGrpSpPr>
+      <p:grpSpPr>
+        <a:xfrm>
+          <a:off x="0" y="0"/>
+          <a:ext cx="0" cy="0"/>
+          <a:chOff x="0" y="0"/>
+          <a:chExt cx="0" cy="0"/>
+        </a:xfrm>
+      </p:grpSpPr>
+      <p:sp>
+        <p:nvSpPr>
+          <p:cNvPr id="2" name="Заголовок 1">
+            <a:extLst>
+              <a:ext uri="{FF2B5EF4-FFF2-40B4-BE49-F238E27FC236}">
+                <a16:creationId xmlns:a16="http://schemas.microsoft.com/office/drawing/2014/main" id="{218DC79F-6326-4F72-8CC6-AC61F27A187C}"/>
+              </a:ext>
+            </a:extLst>
+          </p:cNvPr>
+          <p:cNvSpPr>
+            <a:spLocks noGrp="1"/>
+          </p:cNvSpPr>
+          <p:nvPr>
+            <p:ph type="title"/>
+          </p:nvPr>
+        </p:nvSpPr>
+        <p:spPr>
+          <a:xfrm>
+            <a:off x="460558" y="206861"/>
+            <a:ext cx="3781188" cy="1108928"/>
+          </a:xfrm>
+        </p:spPr>
+        <p:txBody>
+          <a:bodyPr/>
+          <a:lstStyle/>
+          <a:p>
+            <a:r>
+              <a:rPr lang="ru-RU" sz="2800" dirty="0"/>
+              <a:t>Доступ к отдельным </a:t>
+            </a:r>
+            <a:br>
+              <a:rPr lang="en-US" sz="2800" dirty="0"/>
+            </a:br>
+            <a:r>
+              <a:rPr lang="ru-RU" sz="2800" dirty="0"/>
+              <a:t>элементам </a:t>
+            </a:r>
+            <a:r>
+              <a:rPr lang="en-US" sz="2800" b="1" dirty="0">
+                <a:solidFill>
+                  <a:schemeClr val="tx2">
+                    <a:lumMod val="40000"/>
+                    <a:lumOff val="60000"/>
+                  </a:schemeClr>
+                </a:solidFill>
+                <a:latin typeface="PT Serif" panose="020A0603040505020204" pitchFamily="18" charset="-52"/>
+              </a:rPr>
+              <a:t>DataFrame</a:t>
+            </a:r>
+            <a:r>
+              <a:rPr lang="ru-RU" sz="2800" dirty="0"/>
+              <a:t> </a:t>
+            </a:r>
+          </a:p>
+        </p:txBody>
+      </p:sp>
+      <p:sp>
+        <p:nvSpPr>
+          <p:cNvPr id="10" name="TextBox 9">
+            <a:extLst>
+              <a:ext uri="{FF2B5EF4-FFF2-40B4-BE49-F238E27FC236}">
+                <a16:creationId xmlns:a16="http://schemas.microsoft.com/office/drawing/2014/main" id="{CAE3E920-8B68-4900-AB96-542F14D8FD89}"/>
+              </a:ext>
+            </a:extLst>
+          </p:cNvPr>
+          <p:cNvSpPr txBox="1"/>
+          <p:nvPr/>
+        </p:nvSpPr>
+        <p:spPr>
+          <a:xfrm>
+            <a:off x="470461" y="1558842"/>
+            <a:ext cx="4576812" cy="461665"/>
+          </a:xfrm>
+          <a:prstGeom prst="rect">
+            <a:avLst/>
+          </a:prstGeom>
+          <a:noFill/>
+        </p:spPr>
+        <p:txBody>
+          <a:bodyPr wrap="square">
+            <a:spAutoFit/>
+          </a:bodyPr>
+          <a:lstStyle/>
+          <a:p>
+            <a:r>
+              <a:rPr lang="ru-RU" sz="2400" b="1" i="1" dirty="0">
+                <a:solidFill>
+                  <a:schemeClr val="tx2">
+                    <a:lumMod val="75000"/>
+                  </a:schemeClr>
+                </a:solidFill>
+              </a:rPr>
+              <a:t>Обращение к строке</a:t>
+            </a:r>
+          </a:p>
+        </p:txBody>
+      </p:sp>
+      <p:sp>
+        <p:nvSpPr>
+          <p:cNvPr id="12" name="TextBox 11">
+            <a:extLst>
+              <a:ext uri="{FF2B5EF4-FFF2-40B4-BE49-F238E27FC236}">
+                <a16:creationId xmlns:a16="http://schemas.microsoft.com/office/drawing/2014/main" id="{B6E2B4FC-FE17-4787-912F-730DFBDB4DA6}"/>
+              </a:ext>
+            </a:extLst>
+          </p:cNvPr>
+          <p:cNvSpPr txBox="1"/>
+          <p:nvPr/>
+        </p:nvSpPr>
+        <p:spPr>
+          <a:xfrm>
+            <a:off x="552863" y="2026935"/>
+            <a:ext cx="8027471" cy="369332"/>
+          </a:xfrm>
+          <a:prstGeom prst="rect">
+            <a:avLst/>
+          </a:prstGeom>
+          <a:noFill/>
+        </p:spPr>
+        <p:txBody>
+          <a:bodyPr wrap="square">
+            <a:spAutoFit/>
+          </a:bodyPr>
+          <a:lstStyle/>
+          <a:p>
+            <a:pPr algn="l"/>
+            <a:r>
+              <a:rPr lang="ru-RU" sz="1800" dirty="0">
+                <a:latin typeface="PT Serif" panose="020A0603040505020204" pitchFamily="18" charset="-52"/>
+              </a:rPr>
+              <a:t>.</a:t>
+            </a:r>
+            <a:r>
+              <a:rPr lang="ru-RU" sz="1800" dirty="0" err="1">
+                <a:latin typeface="PT Serif" panose="020A0603040505020204" pitchFamily="18" charset="-52"/>
+              </a:rPr>
+              <a:t>iloc</a:t>
+            </a:r>
+            <a:r>
+              <a:rPr lang="ru-RU" sz="1800" dirty="0">
+                <a:latin typeface="PT Serif" panose="020A0603040505020204" pitchFamily="18" charset="-52"/>
+              </a:rPr>
+              <a:t> - используется для доступа к строке по ее номеру (начиная с 0)</a:t>
+            </a:r>
+          </a:p>
+        </p:txBody>
+      </p:sp>
+      <p:sp>
+        <p:nvSpPr>
+          <p:cNvPr id="14" name="TextBox 13">
+            <a:extLst>
+              <a:ext uri="{FF2B5EF4-FFF2-40B4-BE49-F238E27FC236}">
+                <a16:creationId xmlns:a16="http://schemas.microsoft.com/office/drawing/2014/main" id="{20D8AEE6-4D06-4DA7-9055-AF826554D893}"/>
+              </a:ext>
+            </a:extLst>
+          </p:cNvPr>
+          <p:cNvSpPr txBox="1"/>
+          <p:nvPr/>
+        </p:nvSpPr>
+        <p:spPr>
+          <a:xfrm>
+            <a:off x="646710" y="2448861"/>
+            <a:ext cx="4576812" cy="369332"/>
+          </a:xfrm>
+          <a:prstGeom prst="rect">
+            <a:avLst/>
+          </a:prstGeom>
+          <a:noFill/>
+        </p:spPr>
+        <p:txBody>
+          <a:bodyPr wrap="square">
+            <a:spAutoFit/>
+          </a:bodyPr>
+          <a:lstStyle/>
+          <a:p>
+            <a:r>
+              <a:rPr lang="ru-RU" sz="1800" dirty="0" err="1"/>
+              <a:t>df.iloc</a:t>
+            </a:r>
+            <a:r>
+              <a:rPr lang="ru-RU" sz="1800" dirty="0"/>
+              <a:t>[3]</a:t>
+            </a:r>
+          </a:p>
+        </p:txBody>
+      </p:sp>
+      <p:sp>
+        <p:nvSpPr>
+          <p:cNvPr id="16" name="TextBox 15">
+            <a:extLst>
+              <a:ext uri="{FF2B5EF4-FFF2-40B4-BE49-F238E27FC236}">
+                <a16:creationId xmlns:a16="http://schemas.microsoft.com/office/drawing/2014/main" id="{A6E23398-83DE-479D-AF67-A3F5BEE79A55}"/>
+              </a:ext>
+            </a:extLst>
+          </p:cNvPr>
+          <p:cNvSpPr txBox="1"/>
+          <p:nvPr/>
+        </p:nvSpPr>
+        <p:spPr>
+          <a:xfrm>
+            <a:off x="711681" y="4269332"/>
+            <a:ext cx="4576812" cy="369332"/>
+          </a:xfrm>
+          <a:prstGeom prst="rect">
+            <a:avLst/>
+          </a:prstGeom>
+          <a:noFill/>
+        </p:spPr>
+        <p:txBody>
+          <a:bodyPr wrap="square">
+            <a:spAutoFit/>
+          </a:bodyPr>
+          <a:lstStyle/>
+          <a:p>
+            <a:r>
+              <a:rPr lang="ru-RU" sz="1800" dirty="0" err="1"/>
+              <a:t>df.iloc</a:t>
+            </a:r>
+            <a:r>
+              <a:rPr lang="ru-RU" sz="1800" dirty="0"/>
+              <a:t>[3,5]</a:t>
+            </a:r>
+          </a:p>
+        </p:txBody>
+      </p:sp>
+      <p:sp>
+        <p:nvSpPr>
+          <p:cNvPr id="18" name="TextBox 17">
+            <a:extLst>
+              <a:ext uri="{FF2B5EF4-FFF2-40B4-BE49-F238E27FC236}">
+                <a16:creationId xmlns:a16="http://schemas.microsoft.com/office/drawing/2014/main" id="{738FE7E4-EDFB-49D7-9FA9-C58484D26998}"/>
+              </a:ext>
+            </a:extLst>
+          </p:cNvPr>
+          <p:cNvSpPr txBox="1"/>
+          <p:nvPr/>
+        </p:nvSpPr>
+        <p:spPr>
+          <a:xfrm>
+            <a:off x="646710" y="2854569"/>
+            <a:ext cx="4576812" cy="369332"/>
+          </a:xfrm>
+          <a:prstGeom prst="rect">
+            <a:avLst/>
+          </a:prstGeom>
+          <a:noFill/>
+        </p:spPr>
+        <p:txBody>
+          <a:bodyPr wrap="square">
+            <a:spAutoFit/>
+          </a:bodyPr>
+          <a:lstStyle/>
+          <a:p>
+            <a:r>
+              <a:rPr lang="ru-RU" sz="1800" dirty="0" err="1"/>
+              <a:t>df.iloc</a:t>
+            </a:r>
+            <a:r>
+              <a:rPr lang="ru-RU" sz="1800" dirty="0"/>
+              <a:t>[3:5]</a:t>
+            </a:r>
+          </a:p>
+        </p:txBody>
+      </p:sp>
+      <p:sp>
+        <p:nvSpPr>
+          <p:cNvPr id="19" name="TextBox 18">
+            <a:extLst>
+              <a:ext uri="{FF2B5EF4-FFF2-40B4-BE49-F238E27FC236}">
+                <a16:creationId xmlns:a16="http://schemas.microsoft.com/office/drawing/2014/main" id="{C5C46C1E-8B51-42AC-AF3B-A868845E3AFF}"/>
+              </a:ext>
+            </a:extLst>
+          </p:cNvPr>
+          <p:cNvSpPr txBox="1"/>
+          <p:nvPr/>
+        </p:nvSpPr>
+        <p:spPr>
+          <a:xfrm>
+            <a:off x="552864" y="3818559"/>
+            <a:ext cx="7377764" cy="415498"/>
+          </a:xfrm>
+          <a:prstGeom prst="rect">
+            <a:avLst/>
+          </a:prstGeom>
+          <a:noFill/>
+        </p:spPr>
+        <p:txBody>
+          <a:bodyPr wrap="square">
+            <a:spAutoFit/>
+          </a:bodyPr>
+          <a:lstStyle/>
+          <a:p>
+            <a:r>
+              <a:rPr lang="ru-RU" sz="2100" b="1" i="1" dirty="0">
+                <a:solidFill>
+                  <a:schemeClr val="tx2">
+                    <a:lumMod val="75000"/>
+                  </a:schemeClr>
+                </a:solidFill>
+              </a:rPr>
+              <a:t>!!! не путать с доступом к элементу таблицы</a:t>
+            </a:r>
+          </a:p>
+        </p:txBody>
+      </p:sp>
+      <p:sp>
+        <p:nvSpPr>
+          <p:cNvPr id="20" name="TextBox 19">
+            <a:extLst>
+              <a:ext uri="{FF2B5EF4-FFF2-40B4-BE49-F238E27FC236}">
+                <a16:creationId xmlns:a16="http://schemas.microsoft.com/office/drawing/2014/main" id="{1CF8B3D2-E0D6-40CF-AB30-DC21BE9CBBD6}"/>
+              </a:ext>
+            </a:extLst>
+          </p:cNvPr>
+          <p:cNvSpPr txBox="1"/>
+          <p:nvPr/>
+        </p:nvSpPr>
+        <p:spPr>
+          <a:xfrm>
+            <a:off x="646710" y="3305342"/>
+            <a:ext cx="4576812" cy="369332"/>
+          </a:xfrm>
+          <a:prstGeom prst="rect">
+            <a:avLst/>
+          </a:prstGeom>
+          <a:noFill/>
+        </p:spPr>
+        <p:txBody>
+          <a:bodyPr wrap="square">
+            <a:spAutoFit/>
+          </a:bodyPr>
+          <a:lstStyle/>
+          <a:p>
+            <a:r>
+              <a:rPr lang="ru-RU" sz="1800" dirty="0" err="1"/>
+              <a:t>df.iloc</a:t>
+            </a:r>
+            <a:r>
+              <a:rPr lang="ru-RU" sz="1800" dirty="0"/>
+              <a:t>[[3,5]]</a:t>
+            </a:r>
+          </a:p>
+        </p:txBody>
+      </p:sp>
+    </p:spTree>
+    <p:extLst>
+      <p:ext uri="{BB962C8B-B14F-4D97-AF65-F5344CB8AC3E}">
+        <p14:creationId xmlns:p14="http://schemas.microsoft.com/office/powerpoint/2010/main" val="3611619362"/>
+      </p:ext>
+    </p:extLst>
+  </p:cSld>
+  <p:clrMapOvr>
+    <a:masterClrMapping/>
+  </p:clrMapOvr>
+</p:sld>
+</file>
+
+<file path=ppt/slides/slide14.xml><?xml version="1.0" encoding="utf-8"?>
+<p:sld xmlns:a="http://schemas.openxmlformats.org/drawingml/2006/main" xmlns:r="http://schemas.openxmlformats.org/officeDocument/2006/relationships" xmlns:p="http://schemas.openxmlformats.org/presentationml/2006/main">
+  <p:cSld>
+    <p:spTree>
+      <p:nvGrpSpPr>
+        <p:cNvPr id="1" name=""/>
+        <p:cNvGrpSpPr/>
+        <p:nvPr/>
+      </p:nvGrpSpPr>
+      <p:grpSpPr>
+        <a:xfrm>
+          <a:off x="0" y="0"/>
+          <a:ext cx="0" cy="0"/>
+          <a:chOff x="0" y="0"/>
+          <a:chExt cx="0" cy="0"/>
+        </a:xfrm>
+      </p:grpSpPr>
+      <p:sp>
+        <p:nvSpPr>
+          <p:cNvPr id="3" name="TextBox 2">
+            <a:extLst>
+              <a:ext uri="{FF2B5EF4-FFF2-40B4-BE49-F238E27FC236}">
+                <a16:creationId xmlns:a16="http://schemas.microsoft.com/office/drawing/2014/main" id="{452E7A92-BFB1-4D17-8B97-570793D85EC9}"/>
+              </a:ext>
+            </a:extLst>
+          </p:cNvPr>
+          <p:cNvSpPr txBox="1"/>
+          <p:nvPr/>
+        </p:nvSpPr>
+        <p:spPr>
+          <a:xfrm>
+            <a:off x="395654" y="381820"/>
+            <a:ext cx="5102189" cy="461665"/>
+          </a:xfrm>
+          <a:prstGeom prst="rect">
+            <a:avLst/>
+          </a:prstGeom>
+          <a:noFill/>
+        </p:spPr>
+        <p:txBody>
+          <a:bodyPr wrap="square">
+            <a:spAutoFit/>
+          </a:bodyPr>
+          <a:lstStyle/>
+          <a:p>
+            <a:r>
+              <a:rPr lang="ru-RU" sz="2400" b="1" i="1" dirty="0">
+                <a:solidFill>
+                  <a:schemeClr val="tx2">
+                    <a:lumMod val="60000"/>
+                    <a:lumOff val="40000"/>
+                  </a:schemeClr>
+                </a:solidFill>
+              </a:rPr>
+              <a:t>Обращение к столбцу (полю)</a:t>
+            </a:r>
+          </a:p>
+        </p:txBody>
+      </p:sp>
+      <p:sp>
+        <p:nvSpPr>
+          <p:cNvPr id="4" name="TextBox 3">
+            <a:extLst>
+              <a:ext uri="{FF2B5EF4-FFF2-40B4-BE49-F238E27FC236}">
+                <a16:creationId xmlns:a16="http://schemas.microsoft.com/office/drawing/2014/main" id="{7DA0C619-19E7-4FB8-BD01-7DCC16798F3A}"/>
+              </a:ext>
+            </a:extLst>
+          </p:cNvPr>
+          <p:cNvSpPr txBox="1"/>
+          <p:nvPr/>
+        </p:nvSpPr>
+        <p:spPr>
+          <a:xfrm>
+            <a:off x="744384" y="1400043"/>
+            <a:ext cx="4576812" cy="369332"/>
+          </a:xfrm>
+          <a:prstGeom prst="rect">
+            <a:avLst/>
+          </a:prstGeom>
+          <a:noFill/>
+        </p:spPr>
+        <p:txBody>
+          <a:bodyPr wrap="square">
+            <a:spAutoFit/>
+          </a:bodyPr>
+          <a:lstStyle/>
+          <a:p>
+            <a:r>
+              <a:rPr lang="ru-RU" sz="1800" dirty="0" err="1"/>
+              <a:t>df</a:t>
+            </a:r>
+            <a:r>
+              <a:rPr lang="ru-RU" sz="1800" dirty="0"/>
+              <a:t>['Club']</a:t>
+            </a:r>
+          </a:p>
+        </p:txBody>
+      </p:sp>
+      <p:sp>
+        <p:nvSpPr>
+          <p:cNvPr id="5" name="TextBox 4">
+            <a:extLst>
+              <a:ext uri="{FF2B5EF4-FFF2-40B4-BE49-F238E27FC236}">
+                <a16:creationId xmlns:a16="http://schemas.microsoft.com/office/drawing/2014/main" id="{F70D0814-A86C-407E-A443-062D1766A106}"/>
+              </a:ext>
+            </a:extLst>
+          </p:cNvPr>
+          <p:cNvSpPr txBox="1"/>
+          <p:nvPr/>
+        </p:nvSpPr>
+        <p:spPr>
+          <a:xfrm>
+            <a:off x="744384" y="1838487"/>
+            <a:ext cx="4576812" cy="369332"/>
+          </a:xfrm>
+          <a:prstGeom prst="rect">
+            <a:avLst/>
+          </a:prstGeom>
+          <a:noFill/>
+        </p:spPr>
+        <p:txBody>
+          <a:bodyPr wrap="square">
+            <a:spAutoFit/>
+          </a:bodyPr>
+          <a:lstStyle/>
+          <a:p>
+            <a:r>
+              <a:rPr lang="ru-RU" sz="1800" dirty="0" err="1"/>
+              <a:t>df.Club</a:t>
+            </a:r>
+            <a:endParaRPr lang="ru-RU" sz="1800" dirty="0"/>
+          </a:p>
+        </p:txBody>
+      </p:sp>
+      <p:sp>
+        <p:nvSpPr>
+          <p:cNvPr id="6" name="TextBox 5">
+            <a:extLst>
+              <a:ext uri="{FF2B5EF4-FFF2-40B4-BE49-F238E27FC236}">
+                <a16:creationId xmlns:a16="http://schemas.microsoft.com/office/drawing/2014/main" id="{34B3D893-8935-4983-8869-2A66FD8EA2AC}"/>
+              </a:ext>
+            </a:extLst>
+          </p:cNvPr>
+          <p:cNvSpPr txBox="1"/>
+          <p:nvPr/>
+        </p:nvSpPr>
+        <p:spPr>
+          <a:xfrm>
+            <a:off x="744384" y="2652410"/>
+            <a:ext cx="4576812" cy="369332"/>
+          </a:xfrm>
+          <a:prstGeom prst="rect">
+            <a:avLst/>
+          </a:prstGeom>
+          <a:noFill/>
+        </p:spPr>
+        <p:txBody>
+          <a:bodyPr wrap="square">
+            <a:spAutoFit/>
+          </a:bodyPr>
+          <a:lstStyle/>
+          <a:p>
+            <a:r>
+              <a:rPr lang="ru-RU" sz="1800" dirty="0" err="1"/>
+              <a:t>df</a:t>
+            </a:r>
+            <a:r>
+              <a:rPr lang="ru-RU" sz="1800" dirty="0"/>
+              <a:t>[['Club','</a:t>
+            </a:r>
+            <a:r>
+              <a:rPr lang="ru-RU" sz="1800" dirty="0" err="1"/>
+              <a:t>Nationality</a:t>
+            </a:r>
+            <a:r>
+              <a:rPr lang="ru-RU" sz="1800" dirty="0"/>
+              <a:t>','</a:t>
+            </a:r>
+            <a:r>
+              <a:rPr lang="ru-RU" sz="1800" dirty="0" err="1"/>
+              <a:t>Position</a:t>
+            </a:r>
+            <a:r>
+              <a:rPr lang="ru-RU" sz="1800" dirty="0"/>
+              <a:t>']]</a:t>
+            </a:r>
+          </a:p>
+        </p:txBody>
+      </p:sp>
+      <p:sp>
+        <p:nvSpPr>
+          <p:cNvPr id="7" name="TextBox 6">
+            <a:extLst>
+              <a:ext uri="{FF2B5EF4-FFF2-40B4-BE49-F238E27FC236}">
+                <a16:creationId xmlns:a16="http://schemas.microsoft.com/office/drawing/2014/main" id="{892DF289-858D-4890-8631-04094FBF3DA2}"/>
+              </a:ext>
+            </a:extLst>
+          </p:cNvPr>
+          <p:cNvSpPr txBox="1"/>
+          <p:nvPr/>
+        </p:nvSpPr>
+        <p:spPr>
+          <a:xfrm>
+            <a:off x="744384" y="2229922"/>
+            <a:ext cx="8027471" cy="369332"/>
+          </a:xfrm>
+          <a:prstGeom prst="rect">
+            <a:avLst/>
+          </a:prstGeom>
+          <a:noFill/>
+        </p:spPr>
+        <p:txBody>
+          <a:bodyPr wrap="square">
+            <a:spAutoFit/>
+          </a:bodyPr>
+          <a:lstStyle/>
+          <a:p>
+            <a:pPr algn="l"/>
+            <a:r>
+              <a:rPr lang="ru-RU" sz="1800" dirty="0">
+                <a:latin typeface="PT Serif" panose="020A0603040505020204" pitchFamily="18" charset="-52"/>
+              </a:rPr>
+              <a:t>.</a:t>
+            </a:r>
+            <a:r>
+              <a:rPr lang="ru-RU" sz="1800" dirty="0" err="1">
+                <a:latin typeface="PT Serif" panose="020A0603040505020204" pitchFamily="18" charset="-52"/>
+              </a:rPr>
+              <a:t>iloc</a:t>
+            </a:r>
+            <a:r>
+              <a:rPr lang="ru-RU" sz="1800" dirty="0">
+                <a:latin typeface="PT Serif" panose="020A0603040505020204" pitchFamily="18" charset="-52"/>
+              </a:rPr>
+              <a:t> - используется для доступа к столбцу по ее номеру (начиная с 0)</a:t>
+            </a:r>
+          </a:p>
+        </p:txBody>
+      </p:sp>
+      <p:sp>
+        <p:nvSpPr>
+          <p:cNvPr id="9" name="TextBox 8">
+            <a:extLst>
+              <a:ext uri="{FF2B5EF4-FFF2-40B4-BE49-F238E27FC236}">
+                <a16:creationId xmlns:a16="http://schemas.microsoft.com/office/drawing/2014/main" id="{783DEFF0-7401-413F-8DDE-6437DE644742}"/>
+              </a:ext>
+            </a:extLst>
+          </p:cNvPr>
+          <p:cNvSpPr txBox="1"/>
+          <p:nvPr/>
+        </p:nvSpPr>
+        <p:spPr>
+          <a:xfrm>
+            <a:off x="744384" y="3090854"/>
+            <a:ext cx="4576812" cy="369332"/>
+          </a:xfrm>
+          <a:prstGeom prst="rect">
+            <a:avLst/>
+          </a:prstGeom>
+          <a:noFill/>
+        </p:spPr>
+        <p:txBody>
+          <a:bodyPr wrap="square">
+            <a:spAutoFit/>
+          </a:bodyPr>
+          <a:lstStyle/>
+          <a:p>
+            <a:r>
+              <a:rPr lang="ru-RU" sz="1800" dirty="0" err="1"/>
+              <a:t>df.iloc</a:t>
+            </a:r>
+            <a:r>
+              <a:rPr lang="ru-RU" sz="1800" dirty="0"/>
+              <a:t>[:,4]</a:t>
+            </a:r>
+          </a:p>
+        </p:txBody>
+      </p:sp>
+      <p:sp>
+        <p:nvSpPr>
+          <p:cNvPr id="11" name="TextBox 10">
+            <a:extLst>
+              <a:ext uri="{FF2B5EF4-FFF2-40B4-BE49-F238E27FC236}">
+                <a16:creationId xmlns:a16="http://schemas.microsoft.com/office/drawing/2014/main" id="{F98EBA27-6A65-4863-A3E9-118D03D9CAA6}"/>
+              </a:ext>
+            </a:extLst>
+          </p:cNvPr>
+          <p:cNvSpPr txBox="1"/>
+          <p:nvPr/>
+        </p:nvSpPr>
+        <p:spPr>
+          <a:xfrm>
+            <a:off x="744384" y="3528777"/>
+            <a:ext cx="4576812" cy="369332"/>
+          </a:xfrm>
+          <a:prstGeom prst="rect">
+            <a:avLst/>
+          </a:prstGeom>
+          <a:noFill/>
+        </p:spPr>
+        <p:txBody>
+          <a:bodyPr wrap="square">
+            <a:spAutoFit/>
+          </a:bodyPr>
+          <a:lstStyle/>
+          <a:p>
+            <a:r>
+              <a:rPr lang="ru-RU" sz="1800" dirty="0" err="1"/>
+              <a:t>df.iloc</a:t>
+            </a:r>
+            <a:r>
+              <a:rPr lang="ru-RU" sz="1800" dirty="0"/>
+              <a:t>[:,[4,3,7]]</a:t>
+            </a:r>
+          </a:p>
+        </p:txBody>
+      </p:sp>
+      <p:sp>
+        <p:nvSpPr>
+          <p:cNvPr id="13" name="TextBox 12">
+            <a:extLst>
+              <a:ext uri="{FF2B5EF4-FFF2-40B4-BE49-F238E27FC236}">
+                <a16:creationId xmlns:a16="http://schemas.microsoft.com/office/drawing/2014/main" id="{CCD43A9A-BA42-4F30-BC59-F5FF4337A058}"/>
+              </a:ext>
+            </a:extLst>
+          </p:cNvPr>
+          <p:cNvSpPr txBox="1"/>
+          <p:nvPr/>
+        </p:nvSpPr>
+        <p:spPr>
+          <a:xfrm>
+            <a:off x="744384" y="3985692"/>
+            <a:ext cx="4576812" cy="369332"/>
+          </a:xfrm>
+          <a:prstGeom prst="rect">
+            <a:avLst/>
+          </a:prstGeom>
+          <a:noFill/>
+        </p:spPr>
+        <p:txBody>
+          <a:bodyPr wrap="square">
+            <a:spAutoFit/>
+          </a:bodyPr>
+          <a:lstStyle/>
+          <a:p>
+            <a:r>
+              <a:rPr lang="ru-RU" sz="1800" dirty="0" err="1"/>
+              <a:t>df.iloc</a:t>
+            </a:r>
+            <a:r>
+              <a:rPr lang="ru-RU" sz="1800" dirty="0"/>
+              <a:t>[:,3:7]</a:t>
+            </a:r>
+          </a:p>
+        </p:txBody>
+      </p:sp>
+    </p:spTree>
+    <p:extLst>
+      <p:ext uri="{BB962C8B-B14F-4D97-AF65-F5344CB8AC3E}">
+        <p14:creationId xmlns:p14="http://schemas.microsoft.com/office/powerpoint/2010/main" val="1071360352"/>
+      </p:ext>
+    </p:extLst>
+  </p:cSld>
+  <p:clrMapOvr>
+    <a:masterClrMapping/>
+  </p:clrMapOvr>
+</p:sld>
+</file>
+
+<file path=ppt/slides/slide15.xml><?xml version="1.0" encoding="utf-8"?>
+<p:sld xmlns:a="http://schemas.openxmlformats.org/drawingml/2006/main" xmlns:r="http://schemas.openxmlformats.org/officeDocument/2006/relationships" xmlns:p="http://schemas.openxmlformats.org/presentationml/2006/main">
+  <p:cSld>
+    <p:spTree>
+      <p:nvGrpSpPr>
+        <p:cNvPr id="1" name=""/>
+        <p:cNvGrpSpPr/>
+        <p:nvPr/>
+      </p:nvGrpSpPr>
+      <p:grpSpPr>
+        <a:xfrm>
+          <a:off x="0" y="0"/>
+          <a:ext cx="0" cy="0"/>
+          <a:chOff x="0" y="0"/>
+          <a:chExt cx="0" cy="0"/>
+        </a:xfrm>
+      </p:grpSpPr>
+      <p:sp>
+        <p:nvSpPr>
+          <p:cNvPr id="2" name="Заголовок 1">
+            <a:extLst>
+              <a:ext uri="{FF2B5EF4-FFF2-40B4-BE49-F238E27FC236}">
+                <a16:creationId xmlns:a16="http://schemas.microsoft.com/office/drawing/2014/main" id="{F9D9DA8E-0E85-4C5E-9957-5DAF4F720A95}"/>
+              </a:ext>
+            </a:extLst>
+          </p:cNvPr>
+          <p:cNvSpPr>
+            <a:spLocks noGrp="1"/>
+          </p:cNvSpPr>
+          <p:nvPr>
+            <p:ph type="title"/>
+          </p:nvPr>
+        </p:nvSpPr>
+        <p:spPr/>
+        <p:txBody>
+          <a:bodyPr/>
+          <a:lstStyle/>
+          <a:p>
+            <a:r>
+              <a:rPr lang="ru-RU" dirty="0"/>
+              <a:t>Полезные методы </a:t>
+            </a:r>
+            <a:r>
+              <a:rPr lang="en-US" b="1" dirty="0">
+                <a:solidFill>
+                  <a:schemeClr val="tx2">
+                    <a:lumMod val="40000"/>
+                    <a:lumOff val="60000"/>
+                  </a:schemeClr>
+                </a:solidFill>
+                <a:latin typeface="PT Serif" panose="020A0603040505020204" pitchFamily="18" charset="-52"/>
+              </a:rPr>
+              <a:t>DataFrame</a:t>
+            </a:r>
+            <a:endParaRPr lang="ru-RU" dirty="0"/>
+          </a:p>
+        </p:txBody>
+      </p:sp>
+      <p:sp>
+        <p:nvSpPr>
+          <p:cNvPr id="4" name="TextBox 3">
+            <a:extLst>
+              <a:ext uri="{FF2B5EF4-FFF2-40B4-BE49-F238E27FC236}">
+                <a16:creationId xmlns:a16="http://schemas.microsoft.com/office/drawing/2014/main" id="{2963E74C-54DE-459C-88CB-E3D06E3120D5}"/>
+              </a:ext>
+            </a:extLst>
+          </p:cNvPr>
+          <p:cNvSpPr txBox="1"/>
+          <p:nvPr/>
+        </p:nvSpPr>
+        <p:spPr>
+          <a:xfrm>
+            <a:off x="490565" y="1042703"/>
+            <a:ext cx="5878403" cy="400110"/>
+          </a:xfrm>
+          <a:prstGeom prst="rect">
+            <a:avLst/>
+          </a:prstGeom>
+          <a:noFill/>
+        </p:spPr>
+        <p:txBody>
+          <a:bodyPr wrap="square">
+            <a:spAutoFit/>
+          </a:bodyPr>
+          <a:lstStyle/>
+          <a:p>
+            <a:r>
+              <a:rPr lang="ru-RU" sz="2000" b="1" dirty="0">
+                <a:solidFill>
+                  <a:schemeClr val="tx2">
+                    <a:lumMod val="40000"/>
+                    <a:lumOff val="60000"/>
+                  </a:schemeClr>
+                </a:solidFill>
+                <a:latin typeface="Helvetica" panose="020B0604020202020204" pitchFamily="34" charset="0"/>
+                <a:ea typeface="Times New Roman" panose="02020603050405020304" pitchFamily="18" charset="0"/>
+                <a:cs typeface="Helvetica" panose="020B0604020202020204" pitchFamily="34" charset="0"/>
+              </a:rPr>
+              <a:t>.</a:t>
+            </a:r>
+            <a:r>
+              <a:rPr lang="ru-RU" sz="2000" b="1" dirty="0" err="1">
+                <a:solidFill>
+                  <a:schemeClr val="tx2">
+                    <a:lumMod val="40000"/>
+                    <a:lumOff val="60000"/>
+                  </a:schemeClr>
+                </a:solidFill>
+                <a:latin typeface="Helvetica" panose="020B0604020202020204" pitchFamily="34" charset="0"/>
+                <a:ea typeface="Times New Roman" panose="02020603050405020304" pitchFamily="18" charset="0"/>
+                <a:cs typeface="Helvetica" panose="020B0604020202020204" pitchFamily="34" charset="0"/>
+              </a:rPr>
+              <a:t>info</a:t>
+            </a:r>
+            <a:r>
+              <a:rPr lang="ru-RU" sz="2000" b="1" dirty="0">
+                <a:solidFill>
+                  <a:schemeClr val="tx2">
+                    <a:lumMod val="40000"/>
+                    <a:lumOff val="60000"/>
+                  </a:schemeClr>
+                </a:solidFill>
+                <a:latin typeface="Helvetica" panose="020B0604020202020204" pitchFamily="34" charset="0"/>
+                <a:ea typeface="Times New Roman" panose="02020603050405020304" pitchFamily="18" charset="0"/>
+                <a:cs typeface="Helvetica" panose="020B0604020202020204" pitchFamily="34" charset="0"/>
+              </a:rPr>
+              <a:t>()   </a:t>
+            </a:r>
+            <a:r>
+              <a:rPr lang="ru-RU" sz="2000" b="1" dirty="0">
+                <a:solidFill>
+                  <a:srgbClr val="313131"/>
+                </a:solidFill>
+                <a:latin typeface="Helvetica" panose="020B0604020202020204" pitchFamily="34" charset="0"/>
+                <a:ea typeface="Times New Roman" panose="02020603050405020304" pitchFamily="18" charset="0"/>
+                <a:cs typeface="Helvetica" panose="020B0604020202020204" pitchFamily="34" charset="0"/>
+              </a:rPr>
+              <a:t>- </a:t>
+            </a:r>
+            <a:r>
+              <a:rPr lang="ru-RU" sz="2000" b="1" dirty="0" err="1">
+                <a:solidFill>
+                  <a:srgbClr val="313131"/>
+                </a:solidFill>
+                <a:latin typeface="Helvetica" panose="020B0604020202020204" pitchFamily="34" charset="0"/>
+                <a:ea typeface="Times New Roman" panose="02020603050405020304" pitchFamily="18" charset="0"/>
+                <a:cs typeface="Helvetica" panose="020B0604020202020204" pitchFamily="34" charset="0"/>
+              </a:rPr>
+              <a:t>инфрмация</a:t>
+            </a:r>
+            <a:r>
+              <a:rPr lang="ru-RU" sz="2000" b="1" dirty="0">
+                <a:solidFill>
+                  <a:srgbClr val="313131"/>
+                </a:solidFill>
+                <a:latin typeface="Helvetica" panose="020B0604020202020204" pitchFamily="34" charset="0"/>
+                <a:ea typeface="Times New Roman" panose="02020603050405020304" pitchFamily="18" charset="0"/>
+                <a:cs typeface="Helvetica" panose="020B0604020202020204" pitchFamily="34" charset="0"/>
+              </a:rPr>
+              <a:t> о данных</a:t>
+            </a:r>
+            <a:endParaRPr lang="ru-RU" sz="1600" dirty="0">
+              <a:latin typeface="Helvetica" panose="020B0604020202020204" pitchFamily="34" charset="0"/>
+              <a:cs typeface="Helvetica" panose="020B0604020202020204" pitchFamily="34" charset="0"/>
+            </a:endParaRPr>
+          </a:p>
+        </p:txBody>
+      </p:sp>
+      <p:sp>
+        <p:nvSpPr>
+          <p:cNvPr id="6" name="TextBox 5">
+            <a:extLst>
+              <a:ext uri="{FF2B5EF4-FFF2-40B4-BE49-F238E27FC236}">
+                <a16:creationId xmlns:a16="http://schemas.microsoft.com/office/drawing/2014/main" id="{0C93E716-2C78-40BA-BDD8-8A685945C733}"/>
+              </a:ext>
+            </a:extLst>
+          </p:cNvPr>
+          <p:cNvSpPr txBox="1"/>
+          <p:nvPr/>
+        </p:nvSpPr>
+        <p:spPr>
+          <a:xfrm>
+            <a:off x="490564" y="1473655"/>
+            <a:ext cx="5878403" cy="400110"/>
+          </a:xfrm>
+          <a:prstGeom prst="rect">
+            <a:avLst/>
+          </a:prstGeom>
+          <a:noFill/>
+        </p:spPr>
+        <p:txBody>
+          <a:bodyPr wrap="square">
+            <a:spAutoFit/>
+          </a:bodyPr>
+          <a:lstStyle/>
+          <a:p>
+            <a:r>
+              <a:rPr lang="en-US" sz="1600" b="1" dirty="0">
+                <a:solidFill>
+                  <a:schemeClr val="tx2">
+                    <a:lumMod val="40000"/>
+                    <a:lumOff val="60000"/>
+                  </a:schemeClr>
+                </a:solidFill>
+                <a:latin typeface="Helvetica" panose="020B0604020202020204" pitchFamily="34" charset="0"/>
+                <a:ea typeface="Times New Roman" panose="02020603050405020304" pitchFamily="18" charset="0"/>
+                <a:cs typeface="Times New Roman" panose="02020603050405020304" pitchFamily="18" charset="0"/>
+              </a:rPr>
+              <a:t>.</a:t>
+            </a:r>
+            <a:r>
+              <a:rPr lang="ru-RU" sz="2000" b="1" dirty="0" err="1">
+                <a:solidFill>
+                  <a:schemeClr val="tx2">
+                    <a:lumMod val="40000"/>
+                    <a:lumOff val="60000"/>
+                  </a:schemeClr>
+                </a:solidFill>
+                <a:latin typeface="Helvetica" panose="020B0604020202020204" pitchFamily="34" charset="0"/>
+                <a:ea typeface="Times New Roman" panose="02020603050405020304" pitchFamily="18" charset="0"/>
+                <a:cs typeface="Times New Roman" panose="02020603050405020304" pitchFamily="18" charset="0"/>
+              </a:rPr>
+              <a:t>head</a:t>
+            </a:r>
+            <a:r>
+              <a:rPr lang="ru-RU" sz="2000" b="1" dirty="0">
+                <a:solidFill>
+                  <a:schemeClr val="tx2">
+                    <a:lumMod val="40000"/>
+                    <a:lumOff val="60000"/>
+                  </a:schemeClr>
+                </a:solidFill>
+                <a:latin typeface="Helvetica" panose="020B0604020202020204" pitchFamily="34" charset="0"/>
+                <a:ea typeface="Times New Roman" panose="02020603050405020304" pitchFamily="18" charset="0"/>
+                <a:cs typeface="Times New Roman" panose="02020603050405020304" pitchFamily="18" charset="0"/>
+              </a:rPr>
+              <a:t>() </a:t>
+            </a:r>
+            <a:r>
+              <a:rPr lang="ru-RU" sz="2000" b="1" dirty="0">
+                <a:solidFill>
+                  <a:srgbClr val="313131"/>
+                </a:solidFill>
+                <a:latin typeface="Helvetica" panose="020B0604020202020204" pitchFamily="34" charset="0"/>
+                <a:ea typeface="Times New Roman" panose="02020603050405020304" pitchFamily="18" charset="0"/>
+                <a:cs typeface="Times New Roman" panose="02020603050405020304" pitchFamily="18" charset="0"/>
+              </a:rPr>
+              <a:t>и </a:t>
+            </a:r>
+            <a:r>
+              <a:rPr lang="en-US" sz="2000" b="1" dirty="0">
+                <a:solidFill>
+                  <a:schemeClr val="tx2">
+                    <a:lumMod val="40000"/>
+                    <a:lumOff val="60000"/>
+                  </a:schemeClr>
+                </a:solidFill>
+                <a:latin typeface="Helvetica" panose="020B0604020202020204" pitchFamily="34" charset="0"/>
+                <a:ea typeface="Times New Roman" panose="02020603050405020304" pitchFamily="18" charset="0"/>
+                <a:cs typeface="Times New Roman" panose="02020603050405020304" pitchFamily="18" charset="0"/>
+              </a:rPr>
+              <a:t>.</a:t>
+            </a:r>
+            <a:r>
+              <a:rPr lang="ru-RU" sz="2000" b="1" dirty="0" err="1">
+                <a:solidFill>
+                  <a:schemeClr val="tx2">
+                    <a:lumMod val="40000"/>
+                    <a:lumOff val="60000"/>
+                  </a:schemeClr>
+                </a:solidFill>
+                <a:latin typeface="Helvetica" panose="020B0604020202020204" pitchFamily="34" charset="0"/>
+                <a:ea typeface="Times New Roman" panose="02020603050405020304" pitchFamily="18" charset="0"/>
+                <a:cs typeface="Times New Roman" panose="02020603050405020304" pitchFamily="18" charset="0"/>
+              </a:rPr>
+              <a:t>tail</a:t>
+            </a:r>
+            <a:r>
+              <a:rPr lang="ru-RU" sz="2000" b="1" dirty="0">
+                <a:solidFill>
+                  <a:schemeClr val="tx2">
+                    <a:lumMod val="40000"/>
+                    <a:lumOff val="60000"/>
+                  </a:schemeClr>
+                </a:solidFill>
+                <a:latin typeface="Helvetica" panose="020B0604020202020204" pitchFamily="34" charset="0"/>
+                <a:ea typeface="Times New Roman" panose="02020603050405020304" pitchFamily="18" charset="0"/>
+                <a:cs typeface="Times New Roman" panose="02020603050405020304" pitchFamily="18" charset="0"/>
+              </a:rPr>
+              <a:t>() </a:t>
+            </a:r>
+            <a:r>
+              <a:rPr lang="ru-RU" sz="2000" b="1" dirty="0">
+                <a:solidFill>
+                  <a:srgbClr val="313131"/>
+                </a:solidFill>
+                <a:latin typeface="Helvetica" panose="020B0604020202020204" pitchFamily="34" charset="0"/>
+                <a:ea typeface="Times New Roman" panose="02020603050405020304" pitchFamily="18" charset="0"/>
+                <a:cs typeface="Times New Roman" panose="02020603050405020304" pitchFamily="18" charset="0"/>
+              </a:rPr>
+              <a:t>– первые/последние строки</a:t>
+            </a:r>
+            <a:endParaRPr lang="ru-RU" sz="1600" dirty="0"/>
+          </a:p>
+        </p:txBody>
+      </p:sp>
+      <p:sp>
+        <p:nvSpPr>
+          <p:cNvPr id="8" name="TextBox 7">
+            <a:extLst>
+              <a:ext uri="{FF2B5EF4-FFF2-40B4-BE49-F238E27FC236}">
+                <a16:creationId xmlns:a16="http://schemas.microsoft.com/office/drawing/2014/main" id="{BDA1AFF5-F730-430E-8931-FEB21DAD803A}"/>
+              </a:ext>
+            </a:extLst>
+          </p:cNvPr>
+          <p:cNvSpPr txBox="1"/>
+          <p:nvPr/>
+        </p:nvSpPr>
+        <p:spPr>
+          <a:xfrm>
+            <a:off x="490564" y="1904607"/>
+            <a:ext cx="8574840" cy="400110"/>
+          </a:xfrm>
+          <a:prstGeom prst="rect">
+            <a:avLst/>
+          </a:prstGeom>
+          <a:noFill/>
+        </p:spPr>
+        <p:txBody>
+          <a:bodyPr wrap="square">
+            <a:spAutoFit/>
+          </a:bodyPr>
+          <a:lstStyle/>
+          <a:p>
+            <a:r>
+              <a:rPr lang="en-US" sz="2000" b="1" dirty="0">
+                <a:solidFill>
+                  <a:schemeClr val="tx2">
+                    <a:lumMod val="40000"/>
+                    <a:lumOff val="60000"/>
+                  </a:schemeClr>
+                </a:solidFill>
+                <a:latin typeface="Helvetica" panose="020B0604020202020204" pitchFamily="34" charset="0"/>
+                <a:ea typeface="Times New Roman" panose="02020603050405020304" pitchFamily="18" charset="0"/>
+                <a:cs typeface="Times New Roman" panose="02020603050405020304" pitchFamily="18" charset="0"/>
+              </a:rPr>
+              <a:t>.describe</a:t>
+            </a:r>
+            <a:r>
+              <a:rPr lang="en-US" sz="2000" b="1" dirty="0">
+                <a:solidFill>
+                  <a:srgbClr val="313131"/>
+                </a:solidFill>
+                <a:latin typeface="Helvetica" panose="020B0604020202020204" pitchFamily="34" charset="0"/>
+                <a:ea typeface="Times New Roman" panose="02020603050405020304" pitchFamily="18" charset="0"/>
+                <a:cs typeface="Times New Roman" panose="02020603050405020304" pitchFamily="18" charset="0"/>
+              </a:rPr>
+              <a:t> - </a:t>
+            </a:r>
+            <a:r>
+              <a:rPr lang="ru-RU" sz="2000" b="1" dirty="0">
+                <a:solidFill>
+                  <a:srgbClr val="313131"/>
+                </a:solidFill>
+                <a:latin typeface="Helvetica" panose="020B0604020202020204" pitchFamily="34" charset="0"/>
+                <a:ea typeface="Times New Roman" panose="02020603050405020304" pitchFamily="18" charset="0"/>
+                <a:cs typeface="Times New Roman" panose="02020603050405020304" pitchFamily="18" charset="0"/>
+              </a:rPr>
+              <a:t>основные статистические характеристики данных </a:t>
+            </a:r>
+            <a:endParaRPr lang="ru-RU" sz="1600" dirty="0"/>
+          </a:p>
+        </p:txBody>
+      </p:sp>
+      <p:sp>
+        <p:nvSpPr>
+          <p:cNvPr id="14" name="TextBox 13">
+            <a:extLst>
+              <a:ext uri="{FF2B5EF4-FFF2-40B4-BE49-F238E27FC236}">
+                <a16:creationId xmlns:a16="http://schemas.microsoft.com/office/drawing/2014/main" id="{7BB6BB66-36F3-4FAA-90E9-447E2FAB5EAB}"/>
+              </a:ext>
+            </a:extLst>
+          </p:cNvPr>
+          <p:cNvSpPr txBox="1"/>
+          <p:nvPr/>
+        </p:nvSpPr>
+        <p:spPr>
+          <a:xfrm>
+            <a:off x="726285" y="2704827"/>
+            <a:ext cx="5878403" cy="2632003"/>
+          </a:xfrm>
+          <a:prstGeom prst="rect">
+            <a:avLst/>
+          </a:prstGeom>
+          <a:noFill/>
+        </p:spPr>
+        <p:txBody>
+          <a:bodyPr wrap="square">
+            <a:spAutoFit/>
+          </a:bodyPr>
+          <a:lstStyle/>
+          <a:p>
+            <a:pPr>
+              <a:lnSpc>
+                <a:spcPct val="150000"/>
+              </a:lnSpc>
+            </a:pPr>
+            <a:r>
+              <a:rPr lang="ru-RU" sz="1600" dirty="0">
+                <a:latin typeface="Helvetica" panose="020B0604020202020204" pitchFamily="34" charset="0"/>
+                <a:cs typeface="Helvetica" panose="020B0604020202020204" pitchFamily="34" charset="0"/>
+              </a:rPr>
+              <a:t>.</a:t>
+            </a:r>
+            <a:r>
+              <a:rPr lang="ru-RU" sz="1600" dirty="0" err="1">
+                <a:latin typeface="Helvetica" panose="020B0604020202020204" pitchFamily="34" charset="0"/>
+                <a:cs typeface="Helvetica" panose="020B0604020202020204" pitchFamily="34" charset="0"/>
+              </a:rPr>
+              <a:t>max</a:t>
+            </a:r>
+            <a:r>
+              <a:rPr lang="ru-RU" sz="1600" dirty="0">
+                <a:latin typeface="Helvetica" panose="020B0604020202020204" pitchFamily="34" charset="0"/>
+                <a:cs typeface="Helvetica" panose="020B0604020202020204" pitchFamily="34" charset="0"/>
+              </a:rPr>
+              <a:t>()	</a:t>
+            </a:r>
+            <a:r>
+              <a:rPr lang="ru-RU" sz="1600" dirty="0">
+                <a:solidFill>
+                  <a:schemeClr val="bg1"/>
+                </a:solidFill>
+                <a:latin typeface="Helvetica" panose="020B0604020202020204" pitchFamily="34" charset="0"/>
+                <a:cs typeface="Helvetica" panose="020B0604020202020204" pitchFamily="34" charset="0"/>
+              </a:rPr>
+              <a:t>Максимум</a:t>
+            </a:r>
+          </a:p>
+          <a:p>
+            <a:pPr>
+              <a:lnSpc>
+                <a:spcPct val="150000"/>
+              </a:lnSpc>
+            </a:pPr>
+            <a:r>
+              <a:rPr lang="ru-RU" sz="1600" dirty="0">
+                <a:latin typeface="Helvetica" panose="020B0604020202020204" pitchFamily="34" charset="0"/>
+                <a:cs typeface="Helvetica" panose="020B0604020202020204" pitchFamily="34" charset="0"/>
+              </a:rPr>
+              <a:t>.</a:t>
+            </a:r>
+            <a:r>
+              <a:rPr lang="ru-RU" sz="1600" dirty="0" err="1">
+                <a:latin typeface="Helvetica" panose="020B0604020202020204" pitchFamily="34" charset="0"/>
+                <a:cs typeface="Helvetica" panose="020B0604020202020204" pitchFamily="34" charset="0"/>
+              </a:rPr>
+              <a:t>min</a:t>
+            </a:r>
+            <a:r>
+              <a:rPr lang="ru-RU" sz="1600" dirty="0">
+                <a:latin typeface="Helvetica" panose="020B0604020202020204" pitchFamily="34" charset="0"/>
+                <a:cs typeface="Helvetica" panose="020B0604020202020204" pitchFamily="34" charset="0"/>
+              </a:rPr>
+              <a:t>()	</a:t>
+            </a:r>
+            <a:r>
+              <a:rPr lang="ru-RU" sz="1600" dirty="0">
+                <a:solidFill>
+                  <a:schemeClr val="bg1"/>
+                </a:solidFill>
+                <a:latin typeface="Helvetica" panose="020B0604020202020204" pitchFamily="34" charset="0"/>
+                <a:cs typeface="Helvetica" panose="020B0604020202020204" pitchFamily="34" charset="0"/>
+              </a:rPr>
+              <a:t>Минимум</a:t>
+            </a:r>
+          </a:p>
+          <a:p>
+            <a:pPr>
+              <a:lnSpc>
+                <a:spcPct val="150000"/>
+              </a:lnSpc>
+            </a:pPr>
+            <a:r>
+              <a:rPr lang="ru-RU" sz="1600" dirty="0">
+                <a:latin typeface="Helvetica" panose="020B0604020202020204" pitchFamily="34" charset="0"/>
+                <a:cs typeface="Helvetica" panose="020B0604020202020204" pitchFamily="34" charset="0"/>
+              </a:rPr>
+              <a:t>.</a:t>
+            </a:r>
+            <a:r>
+              <a:rPr lang="ru-RU" sz="1600" dirty="0" err="1">
+                <a:latin typeface="Helvetica" panose="020B0604020202020204" pitchFamily="34" charset="0"/>
+                <a:cs typeface="Helvetica" panose="020B0604020202020204" pitchFamily="34" charset="0"/>
+              </a:rPr>
+              <a:t>mean</a:t>
+            </a:r>
+            <a:r>
+              <a:rPr lang="ru-RU" sz="1600" dirty="0">
+                <a:latin typeface="Helvetica" panose="020B0604020202020204" pitchFamily="34" charset="0"/>
+                <a:cs typeface="Helvetica" panose="020B0604020202020204" pitchFamily="34" charset="0"/>
+              </a:rPr>
+              <a:t>()	</a:t>
+            </a:r>
+            <a:r>
+              <a:rPr lang="ru-RU" sz="1600" dirty="0">
+                <a:solidFill>
+                  <a:schemeClr val="bg1"/>
+                </a:solidFill>
+                <a:latin typeface="Helvetica" panose="020B0604020202020204" pitchFamily="34" charset="0"/>
+                <a:cs typeface="Helvetica" panose="020B0604020202020204" pitchFamily="34" charset="0"/>
+              </a:rPr>
+              <a:t>Среднее значение</a:t>
+            </a:r>
+          </a:p>
+          <a:p>
+            <a:pPr>
+              <a:lnSpc>
+                <a:spcPct val="150000"/>
+              </a:lnSpc>
+            </a:pPr>
+            <a:r>
+              <a:rPr lang="ru-RU" sz="1600" dirty="0">
+                <a:latin typeface="Helvetica" panose="020B0604020202020204" pitchFamily="34" charset="0"/>
+                <a:cs typeface="Helvetica" panose="020B0604020202020204" pitchFamily="34" charset="0"/>
+              </a:rPr>
+              <a:t>.</a:t>
+            </a:r>
+            <a:r>
+              <a:rPr lang="ru-RU" sz="1600" dirty="0" err="1">
+                <a:latin typeface="Helvetica" panose="020B0604020202020204" pitchFamily="34" charset="0"/>
+                <a:cs typeface="Helvetica" panose="020B0604020202020204" pitchFamily="34" charset="0"/>
+              </a:rPr>
+              <a:t>sum</a:t>
+            </a:r>
+            <a:r>
+              <a:rPr lang="ru-RU" sz="1600" dirty="0">
+                <a:latin typeface="Helvetica" panose="020B0604020202020204" pitchFamily="34" charset="0"/>
+                <a:cs typeface="Helvetica" panose="020B0604020202020204" pitchFamily="34" charset="0"/>
+              </a:rPr>
+              <a:t>()	</a:t>
+            </a:r>
+            <a:r>
+              <a:rPr lang="ru-RU" sz="1600" dirty="0">
+                <a:solidFill>
+                  <a:schemeClr val="bg1"/>
+                </a:solidFill>
+                <a:latin typeface="Helvetica" panose="020B0604020202020204" pitchFamily="34" charset="0"/>
+                <a:cs typeface="Helvetica" panose="020B0604020202020204" pitchFamily="34" charset="0"/>
+              </a:rPr>
+              <a:t>Сумма</a:t>
+            </a:r>
+          </a:p>
+          <a:p>
+            <a:pPr>
+              <a:lnSpc>
+                <a:spcPct val="150000"/>
+              </a:lnSpc>
+            </a:pPr>
+            <a:r>
+              <a:rPr lang="ru-RU" sz="1600" dirty="0">
+                <a:latin typeface="Helvetica" panose="020B0604020202020204" pitchFamily="34" charset="0"/>
+                <a:cs typeface="Helvetica" panose="020B0604020202020204" pitchFamily="34" charset="0"/>
+              </a:rPr>
+              <a:t>.</a:t>
+            </a:r>
+            <a:r>
+              <a:rPr lang="ru-RU" sz="1600" dirty="0" err="1">
+                <a:latin typeface="Helvetica" panose="020B0604020202020204" pitchFamily="34" charset="0"/>
+                <a:cs typeface="Helvetica" panose="020B0604020202020204" pitchFamily="34" charset="0"/>
+              </a:rPr>
+              <a:t>count</a:t>
+            </a:r>
+            <a:r>
+              <a:rPr lang="ru-RU" sz="1600" dirty="0">
+                <a:latin typeface="Helvetica" panose="020B0604020202020204" pitchFamily="34" charset="0"/>
+                <a:cs typeface="Helvetica" panose="020B0604020202020204" pitchFamily="34" charset="0"/>
+              </a:rPr>
+              <a:t>()	</a:t>
+            </a:r>
+            <a:r>
+              <a:rPr lang="ru-RU" sz="1600" dirty="0">
+                <a:solidFill>
+                  <a:schemeClr val="bg1"/>
+                </a:solidFill>
+                <a:latin typeface="Helvetica" panose="020B0604020202020204" pitchFamily="34" charset="0"/>
+                <a:cs typeface="Helvetica" panose="020B0604020202020204" pitchFamily="34" charset="0"/>
+              </a:rPr>
+              <a:t>Количество непустых элементов</a:t>
+            </a:r>
+          </a:p>
+          <a:p>
+            <a:pPr>
+              <a:lnSpc>
+                <a:spcPct val="150000"/>
+              </a:lnSpc>
+            </a:pPr>
+            <a:r>
+              <a:rPr lang="ru-RU" sz="1600" dirty="0">
+                <a:latin typeface="Helvetica" panose="020B0604020202020204" pitchFamily="34" charset="0"/>
+                <a:cs typeface="Helvetica" panose="020B0604020202020204" pitchFamily="34" charset="0"/>
+              </a:rPr>
+              <a:t>.</a:t>
+            </a:r>
+            <a:r>
+              <a:rPr lang="ru-RU" sz="1600" dirty="0" err="1">
+                <a:latin typeface="Helvetica" panose="020B0604020202020204" pitchFamily="34" charset="0"/>
+                <a:cs typeface="Helvetica" panose="020B0604020202020204" pitchFamily="34" charset="0"/>
+              </a:rPr>
+              <a:t>std</a:t>
+            </a:r>
+            <a:r>
+              <a:rPr lang="ru-RU" sz="1600" dirty="0">
+                <a:latin typeface="Helvetica" panose="020B0604020202020204" pitchFamily="34" charset="0"/>
+                <a:cs typeface="Helvetica" panose="020B0604020202020204" pitchFamily="34" charset="0"/>
+              </a:rPr>
+              <a:t>()	</a:t>
+            </a:r>
+            <a:r>
+              <a:rPr lang="ru-RU" sz="1600" dirty="0">
+                <a:solidFill>
+                  <a:schemeClr val="bg1"/>
+                </a:solidFill>
+                <a:latin typeface="Helvetica" panose="020B0604020202020204" pitchFamily="34" charset="0"/>
+                <a:cs typeface="Helvetica" panose="020B0604020202020204" pitchFamily="34" charset="0"/>
+              </a:rPr>
+              <a:t>Стандартное отклонение</a:t>
+            </a:r>
+          </a:p>
+          <a:p>
+            <a:pPr>
+              <a:lnSpc>
+                <a:spcPct val="150000"/>
+              </a:lnSpc>
+            </a:pPr>
+            <a:r>
+              <a:rPr lang="ru-RU" sz="1600" dirty="0">
+                <a:solidFill>
+                  <a:schemeClr val="bg1"/>
+                </a:solidFill>
+                <a:latin typeface="Helvetica" panose="020B0604020202020204" pitchFamily="34" charset="0"/>
+                <a:cs typeface="Helvetica" panose="020B0604020202020204" pitchFamily="34" charset="0"/>
+              </a:rPr>
+              <a:t>и т.д.</a:t>
+            </a:r>
+          </a:p>
+        </p:txBody>
+      </p:sp>
+    </p:spTree>
+    <p:extLst>
+      <p:ext uri="{BB962C8B-B14F-4D97-AF65-F5344CB8AC3E}">
+        <p14:creationId xmlns:p14="http://schemas.microsoft.com/office/powerpoint/2010/main" val="3509644615"/>
+      </p:ext>
+    </p:extLst>
+  </p:cSld>
+  <p:clrMapOvr>
+    <a:masterClrMapping/>
+  </p:clrMapOvr>
+</p:sld>
+</file>
+
+<file path=ppt/slides/slide16.xml><?xml version="1.0" encoding="utf-8"?>
+<p:sld xmlns:a="http://schemas.openxmlformats.org/drawingml/2006/main" xmlns:r="http://schemas.openxmlformats.org/officeDocument/2006/relationships" xmlns:p="http://schemas.openxmlformats.org/presentationml/2006/main">
+  <p:cSld>
+    <p:spTree>
+      <p:nvGrpSpPr>
+        <p:cNvPr id="1" name=""/>
+        <p:cNvGrpSpPr/>
+        <p:nvPr/>
+      </p:nvGrpSpPr>
+      <p:grpSpPr>
+        <a:xfrm>
+          <a:off x="0" y="0"/>
+          <a:ext cx="0" cy="0"/>
+          <a:chOff x="0" y="0"/>
+          <a:chExt cx="0" cy="0"/>
+        </a:xfrm>
+      </p:grpSpPr>
+      <p:sp>
+        <p:nvSpPr>
+          <p:cNvPr id="2" name="Заголовок 1">
+            <a:extLst>
+              <a:ext uri="{FF2B5EF4-FFF2-40B4-BE49-F238E27FC236}">
+                <a16:creationId xmlns:a16="http://schemas.microsoft.com/office/drawing/2014/main" id="{03668191-0689-4DA1-9E54-C8310D841AFE}"/>
+              </a:ext>
+            </a:extLst>
+          </p:cNvPr>
+          <p:cNvSpPr>
+            <a:spLocks noGrp="1"/>
+          </p:cNvSpPr>
+          <p:nvPr>
+            <p:ph type="title"/>
+          </p:nvPr>
+        </p:nvSpPr>
+        <p:spPr>
+          <a:xfrm>
+            <a:off x="858442" y="148040"/>
+            <a:ext cx="7429499" cy="1108928"/>
+          </a:xfrm>
+        </p:spPr>
+        <p:txBody>
+          <a:bodyPr/>
+          <a:lstStyle/>
+          <a:p>
+            <a:r>
+              <a:rPr lang="ru-RU" dirty="0"/>
+              <a:t>Фильтрация данных</a:t>
+            </a:r>
+          </a:p>
+        </p:txBody>
+      </p:sp>
+      <p:sp>
+        <p:nvSpPr>
+          <p:cNvPr id="4" name="TextBox 3">
+            <a:extLst>
+              <a:ext uri="{FF2B5EF4-FFF2-40B4-BE49-F238E27FC236}">
+                <a16:creationId xmlns:a16="http://schemas.microsoft.com/office/drawing/2014/main" id="{6742474A-CD6E-4F61-864E-A1D05A35224D}"/>
+              </a:ext>
+            </a:extLst>
+          </p:cNvPr>
+          <p:cNvSpPr txBox="1"/>
+          <p:nvPr/>
+        </p:nvSpPr>
+        <p:spPr>
+          <a:xfrm>
+            <a:off x="856060" y="1256968"/>
+            <a:ext cx="4577243" cy="369332"/>
+          </a:xfrm>
+          <a:prstGeom prst="rect">
+            <a:avLst/>
+          </a:prstGeom>
+          <a:noFill/>
+        </p:spPr>
+        <p:txBody>
+          <a:bodyPr wrap="square">
+            <a:spAutoFit/>
+          </a:bodyPr>
+          <a:lstStyle/>
+          <a:p>
+            <a:r>
+              <a:rPr lang="ru-RU" sz="1800" dirty="0" err="1"/>
+              <a:t>df</a:t>
+            </a:r>
+            <a:r>
+              <a:rPr lang="ru-RU" sz="1800" dirty="0"/>
+              <a:t>[</a:t>
+            </a:r>
+            <a:r>
+              <a:rPr lang="ru-RU" sz="1800" dirty="0" err="1"/>
+              <a:t>df.Age</a:t>
+            </a:r>
+            <a:r>
+              <a:rPr lang="ru-RU" sz="1800" dirty="0"/>
+              <a:t>&gt;40]</a:t>
+            </a:r>
+          </a:p>
+        </p:txBody>
+      </p:sp>
+      <p:sp>
+        <p:nvSpPr>
+          <p:cNvPr id="6" name="TextBox 5">
+            <a:extLst>
+              <a:ext uri="{FF2B5EF4-FFF2-40B4-BE49-F238E27FC236}">
+                <a16:creationId xmlns:a16="http://schemas.microsoft.com/office/drawing/2014/main" id="{14E5E942-7E8F-4277-B4E6-631FD1AE21AD}"/>
+              </a:ext>
+            </a:extLst>
+          </p:cNvPr>
+          <p:cNvSpPr txBox="1"/>
+          <p:nvPr/>
+        </p:nvSpPr>
+        <p:spPr>
+          <a:xfrm>
+            <a:off x="856060" y="1660939"/>
+            <a:ext cx="4577243" cy="369332"/>
+          </a:xfrm>
+          <a:prstGeom prst="rect">
+            <a:avLst/>
+          </a:prstGeom>
+          <a:noFill/>
+        </p:spPr>
+        <p:txBody>
+          <a:bodyPr wrap="square">
+            <a:spAutoFit/>
+          </a:bodyPr>
+          <a:lstStyle/>
+          <a:p>
+            <a:r>
+              <a:rPr lang="ru-RU" sz="1800" dirty="0" err="1"/>
+              <a:t>df</a:t>
+            </a:r>
+            <a:r>
+              <a:rPr lang="ru-RU" sz="1800" dirty="0"/>
+              <a:t>[</a:t>
+            </a:r>
+            <a:r>
+              <a:rPr lang="ru-RU" sz="1800" dirty="0" err="1"/>
+              <a:t>df.Age</a:t>
+            </a:r>
+            <a:r>
+              <a:rPr lang="ru-RU" sz="1800" dirty="0"/>
+              <a:t>&gt;</a:t>
+            </a:r>
+            <a:r>
+              <a:rPr lang="ru-RU" sz="1800" dirty="0" err="1"/>
+              <a:t>df.Age.mean</a:t>
+            </a:r>
+            <a:r>
+              <a:rPr lang="ru-RU" sz="1800" dirty="0"/>
+              <a:t>()]</a:t>
+            </a:r>
+          </a:p>
+        </p:txBody>
+      </p:sp>
+      <p:sp>
+        <p:nvSpPr>
+          <p:cNvPr id="8" name="TextBox 7">
+            <a:extLst>
+              <a:ext uri="{FF2B5EF4-FFF2-40B4-BE49-F238E27FC236}">
+                <a16:creationId xmlns:a16="http://schemas.microsoft.com/office/drawing/2014/main" id="{EA6421FC-0C6B-4476-BD1E-ABC2F637B0BD}"/>
+              </a:ext>
+            </a:extLst>
+          </p:cNvPr>
+          <p:cNvSpPr txBox="1"/>
+          <p:nvPr/>
+        </p:nvSpPr>
+        <p:spPr>
+          <a:xfrm>
+            <a:off x="856060" y="2064830"/>
+            <a:ext cx="4577243" cy="369332"/>
+          </a:xfrm>
+          <a:prstGeom prst="rect">
+            <a:avLst/>
+          </a:prstGeom>
+          <a:noFill/>
+        </p:spPr>
+        <p:txBody>
+          <a:bodyPr wrap="square">
+            <a:spAutoFit/>
+          </a:bodyPr>
+          <a:lstStyle/>
+          <a:p>
+            <a:r>
+              <a:rPr lang="ru-RU" sz="1800" dirty="0" err="1"/>
+              <a:t>df</a:t>
+            </a:r>
+            <a:r>
+              <a:rPr lang="ru-RU" sz="1800" dirty="0"/>
+              <a:t>[</a:t>
+            </a:r>
+            <a:r>
+              <a:rPr lang="ru-RU" sz="1800" dirty="0" err="1"/>
+              <a:t>df.Age</a:t>
+            </a:r>
+            <a:r>
+              <a:rPr lang="ru-RU" sz="1800" dirty="0"/>
+              <a:t>&gt;40].</a:t>
+            </a:r>
+            <a:r>
+              <a:rPr lang="ru-RU" sz="1800" dirty="0" err="1"/>
+              <a:t>Wage</a:t>
+            </a:r>
+            <a:endParaRPr lang="ru-RU" sz="1800" dirty="0"/>
+          </a:p>
+        </p:txBody>
+      </p:sp>
+      <p:sp>
+        <p:nvSpPr>
+          <p:cNvPr id="10" name="TextBox 9">
+            <a:extLst>
+              <a:ext uri="{FF2B5EF4-FFF2-40B4-BE49-F238E27FC236}">
+                <a16:creationId xmlns:a16="http://schemas.microsoft.com/office/drawing/2014/main" id="{C20C4538-9100-408B-9913-E4FC5EE5E15F}"/>
+              </a:ext>
+            </a:extLst>
+          </p:cNvPr>
+          <p:cNvSpPr txBox="1"/>
+          <p:nvPr/>
+        </p:nvSpPr>
+        <p:spPr>
+          <a:xfrm>
+            <a:off x="856060" y="2473994"/>
+            <a:ext cx="4577243" cy="369332"/>
+          </a:xfrm>
+          <a:prstGeom prst="rect">
+            <a:avLst/>
+          </a:prstGeom>
+          <a:noFill/>
+        </p:spPr>
+        <p:txBody>
+          <a:bodyPr wrap="square">
+            <a:spAutoFit/>
+          </a:bodyPr>
+          <a:lstStyle/>
+          <a:p>
+            <a:r>
+              <a:rPr lang="ru-RU" sz="1800" dirty="0" err="1"/>
+              <a:t>df</a:t>
+            </a:r>
+            <a:r>
+              <a:rPr lang="ru-RU" sz="1800" dirty="0"/>
+              <a:t>[</a:t>
+            </a:r>
+            <a:r>
+              <a:rPr lang="ru-RU" sz="1800" dirty="0" err="1"/>
+              <a:t>df.Age</a:t>
+            </a:r>
+            <a:r>
+              <a:rPr lang="ru-RU" sz="1800" dirty="0"/>
+              <a:t>&gt;40].</a:t>
+            </a:r>
+            <a:r>
+              <a:rPr lang="ru-RU" sz="1800" dirty="0" err="1"/>
+              <a:t>Wage.mean</a:t>
+            </a:r>
+            <a:r>
+              <a:rPr lang="ru-RU" sz="1800" dirty="0"/>
+              <a:t>()</a:t>
+            </a:r>
+          </a:p>
+        </p:txBody>
+      </p:sp>
+    </p:spTree>
+    <p:extLst>
+      <p:ext uri="{BB962C8B-B14F-4D97-AF65-F5344CB8AC3E}">
+        <p14:creationId xmlns:p14="http://schemas.microsoft.com/office/powerpoint/2010/main" val="2648042625"/>
+      </p:ext>
+    </p:extLst>
+  </p:cSld>
+  <p:clrMapOvr>
+    <a:masterClrMapping/>
+  </p:clrMapOvr>
+</p:sld>
+</file>
+
+<file path=ppt/slides/slide17.xml><?xml version="1.0" encoding="utf-8"?>
+<p:sld xmlns:a="http://schemas.openxmlformats.org/drawingml/2006/main" xmlns:r="http://schemas.openxmlformats.org/officeDocument/2006/relationships" xmlns:p="http://schemas.openxmlformats.org/presentationml/2006/main">
+  <p:cSld>
+    <p:spTree>
+      <p:nvGrpSpPr>
+        <p:cNvPr id="1" name=""/>
+        <p:cNvGrpSpPr/>
+        <p:nvPr/>
+      </p:nvGrpSpPr>
+      <p:grpSpPr>
+        <a:xfrm>
+          <a:off x="0" y="0"/>
+          <a:ext cx="0" cy="0"/>
+          <a:chOff x="0" y="0"/>
+          <a:chExt cx="0" cy="0"/>
+        </a:xfrm>
+      </p:grpSpPr>
+      <p:sp>
+        <p:nvSpPr>
+          <p:cNvPr id="2" name="Заголовок 1">
+            <a:extLst>
+              <a:ext uri="{FF2B5EF4-FFF2-40B4-BE49-F238E27FC236}">
+                <a16:creationId xmlns:a16="http://schemas.microsoft.com/office/drawing/2014/main" id="{55629493-000F-40E0-8939-6D4E64495331}"/>
+              </a:ext>
+            </a:extLst>
+          </p:cNvPr>
+          <p:cNvSpPr>
+            <a:spLocks noGrp="1"/>
+          </p:cNvSpPr>
+          <p:nvPr>
+            <p:ph type="title"/>
+          </p:nvPr>
+        </p:nvSpPr>
+        <p:spPr>
+          <a:xfrm>
+            <a:off x="856059" y="216452"/>
+            <a:ext cx="7429499" cy="656556"/>
+          </a:xfrm>
+        </p:spPr>
+        <p:txBody>
+          <a:bodyPr/>
+          <a:lstStyle/>
+          <a:p>
+            <a:r>
+              <a:rPr lang="ru-RU" dirty="0"/>
+              <a:t>Группировка</a:t>
+            </a:r>
+          </a:p>
+        </p:txBody>
+      </p:sp>
+      <p:sp>
+        <p:nvSpPr>
+          <p:cNvPr id="4" name="TextBox 3">
+            <a:extLst>
+              <a:ext uri="{FF2B5EF4-FFF2-40B4-BE49-F238E27FC236}">
+                <a16:creationId xmlns:a16="http://schemas.microsoft.com/office/drawing/2014/main" id="{3D5D8237-3771-4072-B795-2E15324F4AEF}"/>
+              </a:ext>
+            </a:extLst>
+          </p:cNvPr>
+          <p:cNvSpPr txBox="1"/>
+          <p:nvPr/>
+        </p:nvSpPr>
+        <p:spPr>
+          <a:xfrm>
+            <a:off x="856060" y="932082"/>
+            <a:ext cx="6436070" cy="369332"/>
+          </a:xfrm>
+          <a:prstGeom prst="rect">
+            <a:avLst/>
+          </a:prstGeom>
+          <a:noFill/>
+        </p:spPr>
+        <p:txBody>
+          <a:bodyPr wrap="square">
+            <a:spAutoFit/>
+          </a:bodyPr>
+          <a:lstStyle/>
+          <a:p>
+            <a:r>
+              <a:rPr lang="ru-RU" sz="1800" dirty="0">
+                <a:latin typeface="PT Serif" panose="020A0603040505020204" pitchFamily="18" charset="-52"/>
+              </a:rPr>
+              <a:t>В </a:t>
+            </a:r>
+            <a:r>
+              <a:rPr lang="ru-RU" sz="1800" dirty="0" err="1">
+                <a:latin typeface="PT Serif" panose="020A0603040505020204" pitchFamily="18" charset="-52"/>
+              </a:rPr>
+              <a:t>pandas</a:t>
+            </a:r>
+            <a:r>
+              <a:rPr lang="ru-RU" sz="1800" dirty="0">
+                <a:latin typeface="PT Serif" panose="020A0603040505020204" pitchFamily="18" charset="-52"/>
+              </a:rPr>
+              <a:t> за группировку отвечает метод   </a:t>
+            </a:r>
+            <a:r>
+              <a:rPr lang="ru-RU" sz="1800" dirty="0">
+                <a:solidFill>
+                  <a:schemeClr val="tx2">
+                    <a:lumMod val="40000"/>
+                    <a:lumOff val="60000"/>
+                  </a:schemeClr>
+                </a:solidFill>
+                <a:latin typeface="PT Serif" panose="020A0603040505020204" pitchFamily="18" charset="-52"/>
+              </a:rPr>
+              <a:t>.</a:t>
+            </a:r>
+            <a:r>
+              <a:rPr lang="ru-RU" sz="1800" i="1" dirty="0" err="1">
+                <a:solidFill>
+                  <a:schemeClr val="tx2">
+                    <a:lumMod val="40000"/>
+                    <a:lumOff val="60000"/>
+                  </a:schemeClr>
+                </a:solidFill>
+                <a:latin typeface="PT Serif" panose="020A0603040505020204" pitchFamily="18" charset="-52"/>
+              </a:rPr>
+              <a:t>groupby</a:t>
+            </a:r>
+            <a:endParaRPr lang="ru-RU" sz="1800" dirty="0">
+              <a:solidFill>
+                <a:schemeClr val="tx2">
+                  <a:lumMod val="40000"/>
+                  <a:lumOff val="60000"/>
+                </a:schemeClr>
+              </a:solidFill>
+            </a:endParaRPr>
+          </a:p>
+        </p:txBody>
+      </p:sp>
+      <p:sp>
+        <p:nvSpPr>
+          <p:cNvPr id="6" name="TextBox 5">
+            <a:extLst>
+              <a:ext uri="{FF2B5EF4-FFF2-40B4-BE49-F238E27FC236}">
+                <a16:creationId xmlns:a16="http://schemas.microsoft.com/office/drawing/2014/main" id="{82C339D6-172B-4778-8C1D-BE7CE277EB37}"/>
+              </a:ext>
+            </a:extLst>
+          </p:cNvPr>
+          <p:cNvSpPr txBox="1"/>
+          <p:nvPr/>
+        </p:nvSpPr>
+        <p:spPr>
+          <a:xfrm>
+            <a:off x="940233" y="4650050"/>
+            <a:ext cx="7591372" cy="253916"/>
+          </a:xfrm>
+          <a:prstGeom prst="rect">
+            <a:avLst/>
+          </a:prstGeom>
+          <a:noFill/>
+        </p:spPr>
+        <p:txBody>
+          <a:bodyPr wrap="square">
+            <a:spAutoFit/>
+          </a:bodyPr>
+          <a:lstStyle/>
+          <a:p>
+            <a:r>
+              <a:rPr lang="ru-RU" sz="1050" dirty="0">
+                <a:hlinkClick r:id="rId2"/>
+              </a:rPr>
+              <a:t>https://pandas.pydata.org/docs/reference/api/pandas.DataFrame.groupby.html?highlight=groupby#</a:t>
+            </a:r>
+            <a:r>
+              <a:rPr lang="ru-RU" sz="1050" dirty="0"/>
+              <a:t> </a:t>
+            </a:r>
+          </a:p>
+        </p:txBody>
+      </p:sp>
+      <p:pic>
+        <p:nvPicPr>
+          <p:cNvPr id="7" name="Рисунок 6" descr="split-apply-combine">
+            <a:extLst>
+              <a:ext uri="{FF2B5EF4-FFF2-40B4-BE49-F238E27FC236}">
+                <a16:creationId xmlns:a16="http://schemas.microsoft.com/office/drawing/2014/main" id="{F49FEA6E-16A7-47C0-89A7-D08F595CE2F5}"/>
+              </a:ext>
+            </a:extLst>
+          </p:cNvPr>
+          <p:cNvPicPr/>
+          <p:nvPr/>
+        </p:nvPicPr>
+        <p:blipFill>
+          <a:blip r:embed="rId3">
+            <a:extLst>
+              <a:ext uri="{28A0092B-C50C-407E-A947-70E740481C1C}">
+                <a14:useLocalDpi xmlns:a14="http://schemas.microsoft.com/office/drawing/2010/main" val="0"/>
+              </a:ext>
+            </a:extLst>
+          </a:blip>
+          <a:srcRect/>
+          <a:stretch>
+            <a:fillRect/>
+          </a:stretch>
+        </p:blipFill>
+        <p:spPr bwMode="auto">
+          <a:xfrm>
+            <a:off x="940233" y="1399460"/>
+            <a:ext cx="6616151" cy="3180929"/>
+          </a:xfrm>
+          <a:prstGeom prst="rect">
+            <a:avLst/>
+          </a:prstGeom>
+          <a:noFill/>
+          <a:ln>
+            <a:noFill/>
+          </a:ln>
+        </p:spPr>
+      </p:pic>
+    </p:spTree>
+    <p:extLst>
+      <p:ext uri="{BB962C8B-B14F-4D97-AF65-F5344CB8AC3E}">
+        <p14:creationId xmlns:p14="http://schemas.microsoft.com/office/powerpoint/2010/main" val="2839794260"/>
+      </p:ext>
+    </p:extLst>
+  </p:cSld>
+  <p:clrMapOvr>
+    <a:masterClrMapping/>
+  </p:clrMapOvr>
+</p:sld>
+</file>
+
+<file path=ppt/slides/slide18.xml><?xml version="1.0" encoding="utf-8"?>
+<p:sld xmlns:a="http://schemas.openxmlformats.org/drawingml/2006/main" xmlns:r="http://schemas.openxmlformats.org/officeDocument/2006/relationships" xmlns:p="http://schemas.openxmlformats.org/presentationml/2006/main">
+  <p:cSld>
+    <p:spTree>
+      <p:nvGrpSpPr>
+        <p:cNvPr id="1" name=""/>
+        <p:cNvGrpSpPr/>
+        <p:nvPr/>
+      </p:nvGrpSpPr>
+      <p:grpSpPr>
+        <a:xfrm>
+          <a:off x="0" y="0"/>
+          <a:ext cx="0" cy="0"/>
+          <a:chOff x="0" y="0"/>
+          <a:chExt cx="0" cy="0"/>
+        </a:xfrm>
+      </p:grpSpPr>
+      <p:sp>
+        <p:nvSpPr>
+          <p:cNvPr id="4" name="TextBox 3">
+            <a:extLst>
+              <a:ext uri="{FF2B5EF4-FFF2-40B4-BE49-F238E27FC236}">
+                <a16:creationId xmlns:a16="http://schemas.microsoft.com/office/drawing/2014/main" id="{1C7CF82F-B80F-435C-845B-0695BC34D67B}"/>
+              </a:ext>
+            </a:extLst>
+          </p:cNvPr>
+          <p:cNvSpPr txBox="1"/>
+          <p:nvPr/>
+        </p:nvSpPr>
+        <p:spPr>
+          <a:xfrm>
+            <a:off x="1080607" y="705964"/>
+            <a:ext cx="4577243" cy="369332"/>
+          </a:xfrm>
+          <a:prstGeom prst="rect">
+            <a:avLst/>
+          </a:prstGeom>
+          <a:noFill/>
+        </p:spPr>
+        <p:txBody>
+          <a:bodyPr wrap="square">
+            <a:spAutoFit/>
+          </a:bodyPr>
+          <a:lstStyle/>
+          <a:p>
+            <a:r>
+              <a:rPr lang="ru-RU" sz="1800" dirty="0" err="1"/>
+              <a:t>df.groupby</a:t>
+            </a:r>
+            <a:r>
+              <a:rPr lang="ru-RU" sz="1800" dirty="0"/>
+              <a:t>(['</a:t>
+            </a:r>
+            <a:r>
+              <a:rPr lang="ru-RU" sz="1800" dirty="0" err="1"/>
+              <a:t>Nationality</a:t>
+            </a:r>
+            <a:r>
+              <a:rPr lang="ru-RU" sz="1800" dirty="0"/>
+              <a:t>']).</a:t>
+            </a:r>
+            <a:r>
+              <a:rPr lang="ru-RU" sz="1800" dirty="0" err="1"/>
+              <a:t>mean</a:t>
+            </a:r>
+            <a:r>
+              <a:rPr lang="ru-RU" sz="1800" dirty="0"/>
+              <a:t>()</a:t>
+            </a:r>
+          </a:p>
+        </p:txBody>
+      </p:sp>
+      <p:sp>
+        <p:nvSpPr>
+          <p:cNvPr id="6" name="TextBox 5">
+            <a:extLst>
+              <a:ext uri="{FF2B5EF4-FFF2-40B4-BE49-F238E27FC236}">
+                <a16:creationId xmlns:a16="http://schemas.microsoft.com/office/drawing/2014/main" id="{DC6E46A5-F13B-4AAD-9396-98E689148A20}"/>
+              </a:ext>
+            </a:extLst>
+          </p:cNvPr>
+          <p:cNvSpPr txBox="1"/>
+          <p:nvPr/>
+        </p:nvSpPr>
+        <p:spPr>
+          <a:xfrm>
+            <a:off x="1104202" y="1202244"/>
+            <a:ext cx="4577243" cy="369332"/>
+          </a:xfrm>
+          <a:prstGeom prst="rect">
+            <a:avLst/>
+          </a:prstGeom>
+          <a:noFill/>
+        </p:spPr>
+        <p:txBody>
+          <a:bodyPr wrap="square">
+            <a:spAutoFit/>
+          </a:bodyPr>
+          <a:lstStyle/>
+          <a:p>
+            <a:r>
+              <a:rPr lang="ru-RU" sz="1800" dirty="0" err="1"/>
+              <a:t>df.groupby</a:t>
+            </a:r>
+            <a:r>
+              <a:rPr lang="ru-RU" sz="1800" dirty="0"/>
+              <a:t>(['</a:t>
+            </a:r>
+            <a:r>
+              <a:rPr lang="ru-RU" sz="1800" dirty="0" err="1"/>
+              <a:t>Nationality</a:t>
+            </a:r>
+            <a:r>
+              <a:rPr lang="ru-RU" sz="1800" dirty="0"/>
+              <a:t>'])['</a:t>
+            </a:r>
+            <a:r>
+              <a:rPr lang="ru-RU" sz="1800" dirty="0" err="1"/>
+              <a:t>Age</a:t>
+            </a:r>
+            <a:r>
+              <a:rPr lang="ru-RU" sz="1800" dirty="0"/>
+              <a:t>'].</a:t>
+            </a:r>
+            <a:r>
+              <a:rPr lang="ru-RU" sz="1800" dirty="0" err="1"/>
+              <a:t>mean</a:t>
+            </a:r>
+            <a:r>
+              <a:rPr lang="ru-RU" sz="1800" dirty="0"/>
+              <a:t>()</a:t>
+            </a:r>
+          </a:p>
+        </p:txBody>
+      </p:sp>
+      <p:sp>
+        <p:nvSpPr>
+          <p:cNvPr id="8" name="TextBox 7">
+            <a:extLst>
+              <a:ext uri="{FF2B5EF4-FFF2-40B4-BE49-F238E27FC236}">
+                <a16:creationId xmlns:a16="http://schemas.microsoft.com/office/drawing/2014/main" id="{09051D2C-4006-4E2E-B93F-AF8E76F039CF}"/>
+              </a:ext>
+            </a:extLst>
+          </p:cNvPr>
+          <p:cNvSpPr txBox="1"/>
+          <p:nvPr/>
+        </p:nvSpPr>
+        <p:spPr>
+          <a:xfrm>
+            <a:off x="1104202" y="1698524"/>
+            <a:ext cx="4577243" cy="369332"/>
+          </a:xfrm>
+          <a:prstGeom prst="rect">
+            <a:avLst/>
+          </a:prstGeom>
+          <a:noFill/>
+        </p:spPr>
+        <p:txBody>
+          <a:bodyPr wrap="square">
+            <a:spAutoFit/>
+          </a:bodyPr>
+          <a:lstStyle/>
+          <a:p>
+            <a:r>
+              <a:rPr lang="ru-RU" sz="1800" dirty="0" err="1"/>
+              <a:t>df.groupby</a:t>
+            </a:r>
+            <a:r>
+              <a:rPr lang="ru-RU" sz="1800" dirty="0"/>
+              <a:t>(['</a:t>
+            </a:r>
+            <a:r>
+              <a:rPr lang="ru-RU" sz="1800" dirty="0" err="1"/>
+              <a:t>Nationality</a:t>
+            </a:r>
+            <a:r>
+              <a:rPr lang="ru-RU" sz="1800" dirty="0"/>
+              <a:t>'])['</a:t>
+            </a:r>
+            <a:r>
+              <a:rPr lang="ru-RU" sz="1800" dirty="0" err="1"/>
+              <a:t>Age</a:t>
+            </a:r>
+            <a:r>
+              <a:rPr lang="ru-RU" sz="1800" dirty="0"/>
+              <a:t>'].</a:t>
+            </a:r>
+            <a:r>
+              <a:rPr lang="ru-RU" sz="1800" dirty="0" err="1"/>
+              <a:t>count</a:t>
+            </a:r>
+            <a:r>
+              <a:rPr lang="ru-RU" sz="1800" dirty="0"/>
+              <a:t>()</a:t>
+            </a:r>
+          </a:p>
+        </p:txBody>
+      </p:sp>
+      <p:sp>
+        <p:nvSpPr>
+          <p:cNvPr id="10" name="TextBox 9">
+            <a:extLst>
+              <a:ext uri="{FF2B5EF4-FFF2-40B4-BE49-F238E27FC236}">
+                <a16:creationId xmlns:a16="http://schemas.microsoft.com/office/drawing/2014/main" id="{71FB0159-829C-4630-97E0-E5D5DF0416C5}"/>
+              </a:ext>
+            </a:extLst>
+          </p:cNvPr>
+          <p:cNvSpPr txBox="1"/>
+          <p:nvPr/>
+        </p:nvSpPr>
+        <p:spPr>
+          <a:xfrm>
+            <a:off x="1104202" y="2225501"/>
+            <a:ext cx="4577243" cy="646331"/>
+          </a:xfrm>
+          <a:prstGeom prst="rect">
+            <a:avLst/>
+          </a:prstGeom>
+          <a:noFill/>
+        </p:spPr>
+        <p:txBody>
+          <a:bodyPr wrap="square">
+            <a:spAutoFit/>
+          </a:bodyPr>
+          <a:lstStyle/>
+          <a:p>
+            <a:r>
+              <a:rPr lang="ru-RU" sz="1800" dirty="0" err="1"/>
+              <a:t>df.groupby</a:t>
+            </a:r>
+            <a:r>
+              <a:rPr lang="ru-RU" sz="1800" dirty="0"/>
+              <a:t>(['</a:t>
+            </a:r>
+            <a:r>
+              <a:rPr lang="ru-RU" sz="1800" dirty="0" err="1"/>
+              <a:t>Nationality</a:t>
+            </a:r>
+            <a:r>
+              <a:rPr lang="ru-RU" sz="1800" dirty="0"/>
+              <a:t>','Club'])['</a:t>
+            </a:r>
+            <a:r>
+              <a:rPr lang="ru-RU" sz="1800" dirty="0" err="1"/>
+              <a:t>Age</a:t>
+            </a:r>
+            <a:r>
+              <a:rPr lang="ru-RU" sz="1800" dirty="0"/>
+              <a:t>'].</a:t>
+            </a:r>
+            <a:r>
+              <a:rPr lang="ru-RU" sz="1800" dirty="0" err="1"/>
+              <a:t>count</a:t>
+            </a:r>
+            <a:r>
+              <a:rPr lang="ru-RU" sz="1800" dirty="0"/>
+              <a:t>()</a:t>
+            </a:r>
+          </a:p>
+        </p:txBody>
+      </p:sp>
+      <p:sp>
+        <p:nvSpPr>
+          <p:cNvPr id="12" name="TextBox 11">
+            <a:extLst>
+              <a:ext uri="{FF2B5EF4-FFF2-40B4-BE49-F238E27FC236}">
+                <a16:creationId xmlns:a16="http://schemas.microsoft.com/office/drawing/2014/main" id="{53E913A7-0093-4EF2-87D9-297B8907E738}"/>
+              </a:ext>
+            </a:extLst>
+          </p:cNvPr>
+          <p:cNvSpPr txBox="1"/>
+          <p:nvPr/>
+        </p:nvSpPr>
+        <p:spPr>
+          <a:xfrm>
+            <a:off x="318782" y="2752479"/>
+            <a:ext cx="8506436" cy="553998"/>
+          </a:xfrm>
+          <a:prstGeom prst="rect">
+            <a:avLst/>
+          </a:prstGeom>
+          <a:noFill/>
+        </p:spPr>
+        <p:txBody>
+          <a:bodyPr wrap="square">
+            <a:spAutoFit/>
+          </a:bodyPr>
+          <a:lstStyle/>
+          <a:p>
+            <a:r>
+              <a:rPr lang="ru-RU" sz="1500" dirty="0" err="1"/>
+              <a:t>df.groupby</a:t>
+            </a:r>
+            <a:r>
+              <a:rPr lang="ru-RU" sz="1500" dirty="0"/>
+              <a:t>(['</a:t>
+            </a:r>
+            <a:r>
+              <a:rPr lang="ru-RU" sz="1500" dirty="0" err="1"/>
+              <a:t>Nationality</a:t>
+            </a:r>
+            <a:r>
+              <a:rPr lang="ru-RU" sz="1500" dirty="0"/>
+              <a:t>'])[['</a:t>
+            </a:r>
+            <a:r>
+              <a:rPr lang="ru-RU" sz="1500" dirty="0" err="1"/>
+              <a:t>Wage</a:t>
+            </a:r>
+            <a:r>
+              <a:rPr lang="ru-RU" sz="1500" dirty="0"/>
+              <a:t>','</a:t>
+            </a:r>
+            <a:r>
+              <a:rPr lang="ru-RU" sz="1500" dirty="0" err="1"/>
+              <a:t>Age</a:t>
+            </a:r>
+            <a:r>
+              <a:rPr lang="ru-RU" sz="1500" dirty="0"/>
+              <a:t>','</a:t>
+            </a:r>
+            <a:r>
+              <a:rPr lang="ru-RU" sz="1500" dirty="0" err="1"/>
+              <a:t>ShotPower</a:t>
+            </a:r>
+            <a:r>
+              <a:rPr lang="ru-RU" sz="1500" dirty="0"/>
+              <a:t>']].</a:t>
+            </a:r>
+            <a:r>
+              <a:rPr lang="ru-RU" sz="1500" dirty="0" err="1"/>
+              <a:t>mean</a:t>
+            </a:r>
+            <a:r>
+              <a:rPr lang="ru-RU" sz="1500" dirty="0"/>
+              <a:t>().</a:t>
+            </a:r>
+            <a:r>
+              <a:rPr lang="ru-RU" sz="1500" dirty="0" err="1"/>
+              <a:t>sort_values</a:t>
+            </a:r>
+            <a:r>
+              <a:rPr lang="ru-RU" sz="1500" dirty="0"/>
+              <a:t>(['</a:t>
+            </a:r>
+            <a:r>
+              <a:rPr lang="ru-RU" sz="1500" dirty="0" err="1"/>
+              <a:t>Wage</a:t>
+            </a:r>
+            <a:r>
+              <a:rPr lang="ru-RU" sz="1500" dirty="0"/>
+              <a:t>'],</a:t>
+            </a:r>
+            <a:r>
+              <a:rPr lang="ru-RU" sz="1500" dirty="0" err="1"/>
+              <a:t>ascending</a:t>
+            </a:r>
+            <a:r>
+              <a:rPr lang="ru-RU" sz="1500" dirty="0"/>
+              <a:t>=</a:t>
+            </a:r>
+            <a:r>
+              <a:rPr lang="ru-RU" sz="1500" dirty="0" err="1"/>
+              <a:t>False</a:t>
+            </a:r>
+            <a:r>
+              <a:rPr lang="ru-RU" sz="1500" dirty="0"/>
+              <a:t>).</a:t>
+            </a:r>
+            <a:r>
+              <a:rPr lang="ru-RU" sz="1500" dirty="0" err="1"/>
+              <a:t>head</a:t>
+            </a:r>
+            <a:r>
+              <a:rPr lang="ru-RU" sz="1500" dirty="0"/>
+              <a:t>(10)</a:t>
+            </a:r>
+          </a:p>
+        </p:txBody>
+      </p:sp>
+    </p:spTree>
+    <p:extLst>
+      <p:ext uri="{BB962C8B-B14F-4D97-AF65-F5344CB8AC3E}">
+        <p14:creationId xmlns:p14="http://schemas.microsoft.com/office/powerpoint/2010/main" val="3003741682"/>
+      </p:ext>
+    </p:extLst>
+  </p:cSld>
+  <p:clrMapOvr>
+    <a:masterClrMapping/>
+  </p:clrMapOvr>
+</p:sld>
+</file>
+
+<file path=ppt/slides/slide19.xml><?xml version="1.0" encoding="utf-8"?>
 <p:sld xmlns:a="http://schemas.openxmlformats.org/drawingml/2006/main" xmlns:r="http://schemas.openxmlformats.org/officeDocument/2006/relationships" xmlns:p="http://schemas.openxmlformats.org/presentationml/2006/main">
   <p:cSld>
     <p:spTree>
@@ -16869,7 +22006,193 @@
 </p:sld>
 </file>
 
-<file path=ppt/slides/slide4.xml><?xml version="1.0" encoding="utf-8"?>
+<file path=ppt/slides/slide2.xml><?xml version="1.0" encoding="utf-8"?>
+<p:sld xmlns:a="http://schemas.openxmlformats.org/drawingml/2006/main" xmlns:r="http://schemas.openxmlformats.org/officeDocument/2006/relationships" xmlns:p="http://schemas.openxmlformats.org/presentationml/2006/main">
+  <p:cSld>
+    <p:spTree>
+      <p:nvGrpSpPr>
+        <p:cNvPr id="1" name=""/>
+        <p:cNvGrpSpPr/>
+        <p:nvPr/>
+      </p:nvGrpSpPr>
+      <p:grpSpPr>
+        <a:xfrm>
+          <a:off x="0" y="0"/>
+          <a:ext cx="0" cy="0"/>
+          <a:chOff x="0" y="0"/>
+          <a:chExt cx="0" cy="0"/>
+        </a:xfrm>
+      </p:grpSpPr>
+      <p:sp>
+        <p:nvSpPr>
+          <p:cNvPr id="4" name="Заголовок 1">
+            <a:extLst>
+              <a:ext uri="{FF2B5EF4-FFF2-40B4-BE49-F238E27FC236}">
+                <a16:creationId xmlns:a16="http://schemas.microsoft.com/office/drawing/2014/main" id="{A66D3B8F-8579-4C89-BF2E-AD069131C0C8}"/>
+              </a:ext>
+            </a:extLst>
+          </p:cNvPr>
+          <p:cNvSpPr txBox="1">
+            <a:spLocks/>
+          </p:cNvSpPr>
+          <p:nvPr/>
+        </p:nvSpPr>
+        <p:spPr>
+          <a:xfrm>
+            <a:off x="318608" y="590732"/>
+            <a:ext cx="8825392" cy="560657"/>
+          </a:xfrm>
+          <a:prstGeom prst="rect">
+            <a:avLst/>
+          </a:prstGeom>
+        </p:spPr>
+        <p:txBody>
+          <a:bodyPr lIns="0" tIns="0" rIns="0" bIns="0" anchor="ctr">
+            <a:noAutofit/>
+          </a:bodyPr>
+          <a:lstStyle>
+            <a:lvl1pPr algn="l" defTabSz="1219140" rtl="0" eaLnBrk="1" latinLnBrk="0" hangingPunct="1">
+              <a:lnSpc>
+                <a:spcPct val="90000"/>
+              </a:lnSpc>
+              <a:spcBef>
+                <a:spcPct val="0"/>
+              </a:spcBef>
+              <a:buNone/>
+              <a:defRPr sz="5867" kern="1200">
+                <a:solidFill>
+                  <a:schemeClr val="tx1"/>
+                </a:solidFill>
+                <a:latin typeface="+mj-lt"/>
+                <a:ea typeface="+mj-ea"/>
+                <a:cs typeface="+mj-cs"/>
+              </a:defRPr>
+            </a:lvl1pPr>
+          </a:lstStyle>
+          <a:p>
+            <a:r>
+              <a:rPr lang="ru-RU" sz="4400" b="1" dirty="0"/>
+              <a:t>Библиотека </a:t>
+            </a:r>
+            <a:r>
+              <a:rPr lang="ru-RU" sz="4400" b="1" dirty="0" err="1"/>
+              <a:t>Pandas</a:t>
+            </a:r>
+            <a:r>
+              <a:rPr lang="ru-RU" sz="4400" b="1" dirty="0"/>
+              <a:t>. Статистика и анализ</a:t>
+            </a:r>
+          </a:p>
+        </p:txBody>
+      </p:sp>
+      <p:sp>
+        <p:nvSpPr>
+          <p:cNvPr id="5" name="Прямоугольник 4">
+            <a:extLst>
+              <a:ext uri="{FF2B5EF4-FFF2-40B4-BE49-F238E27FC236}">
+                <a16:creationId xmlns:a16="http://schemas.microsoft.com/office/drawing/2014/main" id="{1EE39079-7DD4-42C4-8581-13C86EC14212}"/>
+              </a:ext>
+            </a:extLst>
+          </p:cNvPr>
+          <p:cNvSpPr/>
+          <p:nvPr/>
+        </p:nvSpPr>
+        <p:spPr>
+          <a:xfrm>
+            <a:off x="273603" y="1868825"/>
+            <a:ext cx="8596793" cy="2554545"/>
+          </a:xfrm>
+          <a:prstGeom prst="rect">
+            <a:avLst/>
+          </a:prstGeom>
+        </p:spPr>
+        <p:txBody>
+          <a:bodyPr wrap="square">
+            <a:spAutoFit/>
+          </a:bodyPr>
+          <a:lstStyle/>
+          <a:p>
+            <a:pPr marL="742950" indent="-742950">
+              <a:buFont typeface="+mj-lt"/>
+              <a:buAutoNum type="arabicParenR"/>
+            </a:pPr>
+            <a:r>
+              <a:rPr lang="ru-RU" sz="3200" dirty="0"/>
+              <a:t>Объект </a:t>
+            </a:r>
+            <a:r>
+              <a:rPr lang="ru-RU" sz="3200" dirty="0" err="1"/>
+              <a:t>Series</a:t>
+            </a:r>
+            <a:r>
+              <a:rPr lang="ru-RU" sz="3200" dirty="0"/>
+              <a:t>.</a:t>
+            </a:r>
+          </a:p>
+          <a:p>
+            <a:pPr marL="742950" indent="-742950">
+              <a:buFont typeface="+mj-lt"/>
+              <a:buAutoNum type="arabicParenR"/>
+            </a:pPr>
+            <a:r>
+              <a:rPr lang="ru-RU" sz="3200" dirty="0"/>
+              <a:t>Объект </a:t>
+            </a:r>
+            <a:r>
+              <a:rPr lang="ru-RU" sz="3200" dirty="0" err="1"/>
+              <a:t>DataFrame</a:t>
+            </a:r>
+            <a:r>
+              <a:rPr lang="ru-RU" sz="3200" dirty="0"/>
+              <a:t>.</a:t>
+            </a:r>
+          </a:p>
+          <a:p>
+            <a:pPr marL="742950" indent="-742950">
+              <a:buFont typeface="+mj-lt"/>
+              <a:buAutoNum type="arabicParenR"/>
+            </a:pPr>
+            <a:r>
+              <a:rPr lang="ru-RU" sz="3200" dirty="0"/>
+              <a:t>Загрузка и выгрузка данных.</a:t>
+            </a:r>
+          </a:p>
+          <a:p>
+            <a:pPr marL="742950" indent="-742950">
+              <a:buFont typeface="+mj-lt"/>
+              <a:buAutoNum type="arabicParenR"/>
+            </a:pPr>
+            <a:r>
+              <a:rPr lang="ru-RU" sz="3200" dirty="0"/>
+              <a:t>Организация колонок и строчек.</a:t>
+            </a:r>
+          </a:p>
+          <a:p>
+            <a:pPr marL="742950" indent="-742950">
+              <a:buFont typeface="+mj-lt"/>
+              <a:buAutoNum type="arabicParenR"/>
+            </a:pPr>
+            <a:r>
+              <a:rPr lang="ru-RU" sz="3200" dirty="0"/>
+              <a:t>Пропуски и повторы</a:t>
+            </a:r>
+          </a:p>
+        </p:txBody>
+      </p:sp>
+    </p:spTree>
+    <p:extLst>
+      <p:ext uri="{BB962C8B-B14F-4D97-AF65-F5344CB8AC3E}">
+        <p14:creationId xmlns:p14="http://schemas.microsoft.com/office/powerpoint/2010/main" val="1141432975"/>
+      </p:ext>
+    </p:extLst>
+  </p:cSld>
+  <p:clrMapOvr>
+    <a:masterClrMapping/>
+  </p:clrMapOvr>
+</p:sld>
+</file>
+
+<file path=ppt/slides/slide20.xml><?xml version="1.0" encoding="utf-8"?>
 <p:sld xmlns:a="http://schemas.openxmlformats.org/drawingml/2006/main" xmlns:r="http://schemas.openxmlformats.org/officeDocument/2006/relationships" xmlns:p="http://schemas.openxmlformats.org/presentationml/2006/main">
   <p:cSld>
     <p:spTree>
@@ -16930,13 +22253,1767 @@
             </a:pPr>
             <a:fld id="{00000000-1234-1234-1234-123412341234}" type="slidenum">
               <a:rPr lang="ru"/>
-              <a:t>4</a:t>
+              <a:t>20</a:t>
             </a:fld>
             <a:endParaRPr/>
           </a:p>
         </p:txBody>
       </p:sp>
     </p:spTree>
+  </p:cSld>
+  <p:clrMapOvr>
+    <a:masterClrMapping/>
+  </p:clrMapOvr>
+</p:sld>
+</file>
+
+<file path=ppt/slides/slide3.xml><?xml version="1.0" encoding="utf-8"?>
+<p:sld xmlns:a="http://schemas.openxmlformats.org/drawingml/2006/main" xmlns:r="http://schemas.openxmlformats.org/officeDocument/2006/relationships" xmlns:p="http://schemas.openxmlformats.org/presentationml/2006/main">
+  <p:cSld>
+    <p:spTree>
+      <p:nvGrpSpPr>
+        <p:cNvPr id="1" name=""/>
+        <p:cNvGrpSpPr/>
+        <p:nvPr/>
+      </p:nvGrpSpPr>
+      <p:grpSpPr>
+        <a:xfrm>
+          <a:off x="0" y="0"/>
+          <a:ext cx="0" cy="0"/>
+          <a:chOff x="0" y="0"/>
+          <a:chExt cx="0" cy="0"/>
+        </a:xfrm>
+      </p:grpSpPr>
+      <p:pic>
+        <p:nvPicPr>
+          <p:cNvPr id="4" name="Picture 2" descr="Top Kaggle Courses For Data Science - GeeksforGeeks">
+            <a:extLst>
+              <a:ext uri="{FF2B5EF4-FFF2-40B4-BE49-F238E27FC236}">
+                <a16:creationId xmlns:a16="http://schemas.microsoft.com/office/drawing/2014/main" id="{C5F1D906-276F-4B81-BB45-4A3A70EEE3B5}"/>
+              </a:ext>
+            </a:extLst>
+          </p:cNvPr>
+          <p:cNvPicPr>
+            <a:picLocks noChangeAspect="1" noChangeArrowheads="1"/>
+          </p:cNvPicPr>
+          <p:nvPr/>
+        </p:nvPicPr>
+        <p:blipFill>
+          <a:blip r:embed="rId2">
+            <a:extLst>
+              <a:ext uri="{28A0092B-C50C-407E-A947-70E740481C1C}">
+                <a14:useLocalDpi xmlns:a14="http://schemas.microsoft.com/office/drawing/2010/main" val="0"/>
+              </a:ext>
+            </a:extLst>
+          </a:blip>
+          <a:srcRect/>
+          <a:stretch>
+            <a:fillRect/>
+          </a:stretch>
+        </p:blipFill>
+        <p:spPr bwMode="auto">
+          <a:xfrm>
+            <a:off x="416345" y="305999"/>
+            <a:ext cx="7238321" cy="3763927"/>
+          </a:xfrm>
+          <a:prstGeom prst="rect">
+            <a:avLst/>
+          </a:prstGeom>
+          <a:noFill/>
+          <a:extLst>
+            <a:ext uri="{909E8E84-426E-40DD-AFC4-6F175D3DCCD1}">
+              <a14:hiddenFill xmlns:a14="http://schemas.microsoft.com/office/drawing/2010/main">
+                <a:solidFill>
+                  <a:srgbClr val="FFFFFF"/>
+                </a:solidFill>
+              </a14:hiddenFill>
+            </a:ext>
+          </a:extLst>
+        </p:spPr>
+      </p:pic>
+    </p:spTree>
+    <p:extLst>
+      <p:ext uri="{BB962C8B-B14F-4D97-AF65-F5344CB8AC3E}">
+        <p14:creationId xmlns:p14="http://schemas.microsoft.com/office/powerpoint/2010/main" val="3938777022"/>
+      </p:ext>
+    </p:extLst>
+  </p:cSld>
+  <p:clrMapOvr>
+    <a:masterClrMapping/>
+  </p:clrMapOvr>
+  <p:timing>
+    <p:tnLst>
+      <p:par>
+        <p:cTn id="1" dur="indefinite" restart="never" nodeType="tmRoot">
+          <p:childTnLst>
+            <p:seq concurrent="1" nextAc="seek">
+              <p:cTn id="2" dur="indefinite" nodeType="mainSeq">
+                <p:childTnLst>
+                  <p:par>
+                    <p:cTn id="3" fill="hold">
+                      <p:stCondLst>
+                        <p:cond delay="indefinite"/>
+                      </p:stCondLst>
+                      <p:childTnLst>
+                        <p:par>
+                          <p:cTn id="4" fill="hold">
+                            <p:stCondLst>
+                              <p:cond delay="0"/>
+                            </p:stCondLst>
+                            <p:childTnLst>
+                              <p:par>
+                                <p:cTn id="5" presetID="1" presetClass="entr" presetSubtype="0" fill="hold" nodeType="clickEffect">
+                                  <p:stCondLst>
+                                    <p:cond delay="0"/>
+                                  </p:stCondLst>
+                                  <p:childTnLst>
+                                    <p:set>
+                                      <p:cBhvr>
+                                        <p:cTn id="6" dur="1" fill="hold">
+                                          <p:stCondLst>
+                                            <p:cond delay="0"/>
+                                          </p:stCondLst>
+                                        </p:cTn>
+                                        <p:tgtEl>
+                                          <p:spTgt spid="4"/>
+                                        </p:tgtEl>
+                                        <p:attrNameLst>
+                                          <p:attrName>style.visibility</p:attrName>
+                                        </p:attrNameLst>
+                                      </p:cBhvr>
+                                      <p:to>
+                                        <p:strVal val="visible"/>
+                                      </p:to>
+                                    </p:set>
+                                  </p:childTnLst>
+                                </p:cTn>
+                              </p:par>
+                            </p:childTnLst>
+                          </p:cTn>
+                        </p:par>
+                      </p:childTnLst>
+                    </p:cTn>
+                  </p:par>
+                </p:childTnLst>
+              </p:cTn>
+              <p:prevCondLst>
+                <p:cond evt="onPrev" delay="0">
+                  <p:tgtEl>
+                    <p:sldTgt/>
+                  </p:tgtEl>
+                </p:cond>
+              </p:prevCondLst>
+              <p:nextCondLst>
+                <p:cond evt="onNext" delay="0">
+                  <p:tgtEl>
+                    <p:sldTgt/>
+                  </p:tgtEl>
+                </p:cond>
+              </p:nextCondLst>
+            </p:seq>
+          </p:childTnLst>
+        </p:cTn>
+      </p:par>
+    </p:tnLst>
+  </p:timing>
+</p:sld>
+</file>
+
+<file path=ppt/slides/slide4.xml><?xml version="1.0" encoding="utf-8"?>
+<p:sld xmlns:a="http://schemas.openxmlformats.org/drawingml/2006/main" xmlns:r="http://schemas.openxmlformats.org/officeDocument/2006/relationships" xmlns:p="http://schemas.openxmlformats.org/presentationml/2006/main">
+  <p:cSld>
+    <p:spTree>
+      <p:nvGrpSpPr>
+        <p:cNvPr id="1" name=""/>
+        <p:cNvGrpSpPr/>
+        <p:nvPr/>
+      </p:nvGrpSpPr>
+      <p:grpSpPr>
+        <a:xfrm>
+          <a:off x="0" y="0"/>
+          <a:ext cx="0" cy="0"/>
+          <a:chOff x="0" y="0"/>
+          <a:chExt cx="0" cy="0"/>
+        </a:xfrm>
+      </p:grpSpPr>
+      <p:sp>
+        <p:nvSpPr>
+          <p:cNvPr id="7" name="TextBox 6">
+            <a:extLst>
+              <a:ext uri="{FF2B5EF4-FFF2-40B4-BE49-F238E27FC236}">
+                <a16:creationId xmlns:a16="http://schemas.microsoft.com/office/drawing/2014/main" id="{B1E4EFE8-B89F-449F-A309-F7FC94CC5BCF}"/>
+              </a:ext>
+            </a:extLst>
+          </p:cNvPr>
+          <p:cNvSpPr txBox="1"/>
+          <p:nvPr/>
+        </p:nvSpPr>
+        <p:spPr>
+          <a:xfrm>
+            <a:off x="364237" y="360343"/>
+            <a:ext cx="4937526" cy="1261884"/>
+          </a:xfrm>
+          <a:prstGeom prst="rect">
+            <a:avLst/>
+          </a:prstGeom>
+          <a:noFill/>
+        </p:spPr>
+        <p:txBody>
+          <a:bodyPr wrap="square">
+            <a:spAutoFit/>
+          </a:bodyPr>
+          <a:lstStyle/>
+          <a:p>
+            <a:r>
+              <a:rPr lang="en-US" sz="2800" b="1" dirty="0">
+                <a:solidFill>
+                  <a:schemeClr val="tx2">
+                    <a:lumMod val="40000"/>
+                    <a:lumOff val="60000"/>
+                  </a:schemeClr>
+                </a:solidFill>
+                <a:latin typeface="PT Serif" panose="020A0603040505020204" pitchFamily="18" charset="-52"/>
+              </a:rPr>
+              <a:t>P</a:t>
+            </a:r>
+            <a:r>
+              <a:rPr lang="ru-RU" sz="2800" b="1" dirty="0" err="1">
+                <a:solidFill>
+                  <a:schemeClr val="tx2">
+                    <a:lumMod val="40000"/>
+                    <a:lumOff val="60000"/>
+                  </a:schemeClr>
+                </a:solidFill>
+                <a:latin typeface="PT Serif" panose="020A0603040505020204" pitchFamily="18" charset="-52"/>
+              </a:rPr>
+              <a:t>andas</a:t>
+            </a:r>
+            <a:r>
+              <a:rPr lang="ru-RU" sz="2400" dirty="0">
+                <a:latin typeface="PT Serif" panose="020A0603040505020204" pitchFamily="18" charset="-52"/>
+              </a:rPr>
+              <a:t> это высокоуровневая </a:t>
+            </a:r>
+            <a:r>
+              <a:rPr lang="ru-RU" sz="2400" dirty="0">
+                <a:solidFill>
+                  <a:srgbClr val="337AB7"/>
+                </a:solidFill>
+                <a:latin typeface="PT Serif" panose="020A0603040505020204" pitchFamily="18" charset="-52"/>
+                <a:hlinkClick r:id="rId2"/>
+              </a:rPr>
+              <a:t>Python</a:t>
+            </a:r>
+            <a:r>
+              <a:rPr lang="ru-RU" sz="2400" dirty="0">
+                <a:latin typeface="PT Serif" panose="020A0603040505020204" pitchFamily="18" charset="-52"/>
+              </a:rPr>
+              <a:t> библиотека для анализа данных</a:t>
+            </a:r>
+            <a:endParaRPr lang="ru-RU" sz="2400" dirty="0"/>
+          </a:p>
+        </p:txBody>
+      </p:sp>
+      <p:sp>
+        <p:nvSpPr>
+          <p:cNvPr id="9" name="TextBox 8">
+            <a:extLst>
+              <a:ext uri="{FF2B5EF4-FFF2-40B4-BE49-F238E27FC236}">
+                <a16:creationId xmlns:a16="http://schemas.microsoft.com/office/drawing/2014/main" id="{9E8FF422-1124-4B0A-9A0A-ADF11E7BA2C6}"/>
+              </a:ext>
+            </a:extLst>
+          </p:cNvPr>
+          <p:cNvSpPr txBox="1"/>
+          <p:nvPr/>
+        </p:nvSpPr>
+        <p:spPr>
+          <a:xfrm>
+            <a:off x="1120375" y="1757352"/>
+            <a:ext cx="5915811" cy="1200329"/>
+          </a:xfrm>
+          <a:prstGeom prst="rect">
+            <a:avLst/>
+          </a:prstGeom>
+          <a:noFill/>
+        </p:spPr>
+        <p:txBody>
+          <a:bodyPr wrap="square">
+            <a:spAutoFit/>
+          </a:bodyPr>
+          <a:lstStyle/>
+          <a:p>
+            <a:r>
+              <a:rPr lang="ru-RU" sz="2400" dirty="0">
+                <a:latin typeface="PT Serif" panose="020A0603040505020204" pitchFamily="18" charset="-52"/>
+              </a:rPr>
+              <a:t>она построена поверх более низкоуровневой библиотеки </a:t>
+            </a:r>
+            <a:r>
+              <a:rPr lang="ru-RU" sz="2400" dirty="0" err="1">
+                <a:latin typeface="PT Serif" panose="020A0603040505020204" pitchFamily="18" charset="-52"/>
+              </a:rPr>
+              <a:t>NumPy</a:t>
+            </a:r>
+            <a:r>
+              <a:rPr lang="ru-RU" sz="2400" dirty="0">
+                <a:latin typeface="PT Serif" panose="020A0603040505020204" pitchFamily="18" charset="-52"/>
+              </a:rPr>
+              <a:t> (написана на Си)</a:t>
+            </a:r>
+            <a:endParaRPr lang="ru-RU" sz="2400" dirty="0"/>
+          </a:p>
+        </p:txBody>
+      </p:sp>
+      <p:sp>
+        <p:nvSpPr>
+          <p:cNvPr id="11" name="TextBox 10">
+            <a:extLst>
+              <a:ext uri="{FF2B5EF4-FFF2-40B4-BE49-F238E27FC236}">
+                <a16:creationId xmlns:a16="http://schemas.microsoft.com/office/drawing/2014/main" id="{18D164FA-2222-4874-BC66-900BAA8F0264}"/>
+              </a:ext>
+            </a:extLst>
+          </p:cNvPr>
+          <p:cNvSpPr txBox="1"/>
+          <p:nvPr/>
+        </p:nvSpPr>
+        <p:spPr>
+          <a:xfrm>
+            <a:off x="425783" y="3215963"/>
+            <a:ext cx="4577243" cy="830997"/>
+          </a:xfrm>
+          <a:prstGeom prst="rect">
+            <a:avLst/>
+          </a:prstGeom>
+          <a:noFill/>
+        </p:spPr>
+        <p:txBody>
+          <a:bodyPr wrap="square">
+            <a:spAutoFit/>
+          </a:bodyPr>
+          <a:lstStyle/>
+          <a:p>
+            <a:r>
+              <a:rPr lang="ru-RU" sz="2400" dirty="0">
+                <a:latin typeface="PT Serif" panose="020A0603040505020204" pitchFamily="18" charset="-52"/>
+              </a:rPr>
+              <a:t>главные структуры данных библиотеки: </a:t>
+            </a:r>
+            <a:r>
+              <a:rPr lang="ru-RU" sz="2400" dirty="0">
+                <a:solidFill>
+                  <a:schemeClr val="tx2">
+                    <a:lumMod val="40000"/>
+                    <a:lumOff val="60000"/>
+                  </a:schemeClr>
+                </a:solidFill>
+                <a:latin typeface="PT Serif" panose="020A0603040505020204" pitchFamily="18" charset="-52"/>
+              </a:rPr>
+              <a:t>DataFrame</a:t>
+            </a:r>
+            <a:r>
+              <a:rPr lang="ru-RU" sz="2400" dirty="0">
+                <a:latin typeface="PT Serif" panose="020A0603040505020204" pitchFamily="18" charset="-52"/>
+              </a:rPr>
+              <a:t> и </a:t>
+            </a:r>
+            <a:r>
+              <a:rPr lang="ru-RU" sz="2400" dirty="0">
+                <a:solidFill>
+                  <a:schemeClr val="tx2">
+                    <a:lumMod val="40000"/>
+                    <a:lumOff val="60000"/>
+                  </a:schemeClr>
+                </a:solidFill>
+                <a:latin typeface="PT Serif" panose="020A0603040505020204" pitchFamily="18" charset="-52"/>
+              </a:rPr>
+              <a:t>Series</a:t>
+            </a:r>
+            <a:endParaRPr lang="ru-RU" sz="2400" dirty="0">
+              <a:solidFill>
+                <a:schemeClr val="tx2">
+                  <a:lumMod val="40000"/>
+                  <a:lumOff val="60000"/>
+                </a:schemeClr>
+              </a:solidFill>
+            </a:endParaRPr>
+          </a:p>
+        </p:txBody>
+      </p:sp>
+    </p:spTree>
+    <p:extLst>
+      <p:ext uri="{BB962C8B-B14F-4D97-AF65-F5344CB8AC3E}">
+        <p14:creationId xmlns:p14="http://schemas.microsoft.com/office/powerpoint/2010/main" val="3637830722"/>
+      </p:ext>
+    </p:extLst>
+  </p:cSld>
+  <p:clrMapOvr>
+    <a:masterClrMapping/>
+  </p:clrMapOvr>
+</p:sld>
+</file>
+
+<file path=ppt/slides/slide5.xml><?xml version="1.0" encoding="utf-8"?>
+<p:sld xmlns:a="http://schemas.openxmlformats.org/drawingml/2006/main" xmlns:r="http://schemas.openxmlformats.org/officeDocument/2006/relationships" xmlns:p="http://schemas.openxmlformats.org/presentationml/2006/main">
+  <p:cSld>
+    <p:spTree>
+      <p:nvGrpSpPr>
+        <p:cNvPr id="1" name=""/>
+        <p:cNvGrpSpPr/>
+        <p:nvPr/>
+      </p:nvGrpSpPr>
+      <p:grpSpPr>
+        <a:xfrm>
+          <a:off x="0" y="0"/>
+          <a:ext cx="0" cy="0"/>
+          <a:chOff x="0" y="0"/>
+          <a:chExt cx="0" cy="0"/>
+        </a:xfrm>
+      </p:grpSpPr>
+      <p:sp>
+        <p:nvSpPr>
+          <p:cNvPr id="3" name="TextBox 2">
+            <a:extLst>
+              <a:ext uri="{FF2B5EF4-FFF2-40B4-BE49-F238E27FC236}">
+                <a16:creationId xmlns:a16="http://schemas.microsoft.com/office/drawing/2014/main" id="{DF28D5E2-6C20-4F5E-8CCA-360E774046E2}"/>
+              </a:ext>
+            </a:extLst>
+          </p:cNvPr>
+          <p:cNvSpPr txBox="1"/>
+          <p:nvPr/>
+        </p:nvSpPr>
+        <p:spPr>
+          <a:xfrm>
+            <a:off x="404447" y="731120"/>
+            <a:ext cx="4576812" cy="1200329"/>
+          </a:xfrm>
+          <a:prstGeom prst="rect">
+            <a:avLst/>
+          </a:prstGeom>
+          <a:noFill/>
+        </p:spPr>
+        <p:txBody>
+          <a:bodyPr wrap="square">
+            <a:spAutoFit/>
+          </a:bodyPr>
+          <a:lstStyle/>
+          <a:p>
+            <a:pPr marL="214313" indent="-214313">
+              <a:buFont typeface="Arial" panose="020B0604020202020204" pitchFamily="34" charset="0"/>
+              <a:buChar char="•"/>
+            </a:pPr>
+            <a:r>
+              <a:rPr lang="ru-RU" sz="1800" dirty="0">
+                <a:solidFill>
+                  <a:schemeClr val="bg2">
+                    <a:lumMod val="50000"/>
+                  </a:schemeClr>
+                </a:solidFill>
+                <a:latin typeface="Arial" panose="020B0604020202020204" pitchFamily="34" charset="0"/>
+              </a:rPr>
+              <a:t>сбор данных</a:t>
+            </a:r>
+          </a:p>
+          <a:p>
+            <a:pPr marL="214313" indent="-214313">
+              <a:buFont typeface="Arial" panose="020B0604020202020204" pitchFamily="34" charset="0"/>
+              <a:buChar char="•"/>
+            </a:pPr>
+            <a:r>
+              <a:rPr lang="ru-RU" sz="1800" dirty="0">
+                <a:solidFill>
+                  <a:schemeClr val="bg2">
+                    <a:lumMod val="50000"/>
+                  </a:schemeClr>
+                </a:solidFill>
+                <a:latin typeface="Arial" panose="020B0604020202020204" pitchFamily="34" charset="0"/>
+              </a:rPr>
+              <a:t>очистка данных</a:t>
+            </a:r>
+          </a:p>
+          <a:p>
+            <a:pPr marL="214313" indent="-214313">
+              <a:buFont typeface="Arial" panose="020B0604020202020204" pitchFamily="34" charset="0"/>
+              <a:buChar char="•"/>
+            </a:pPr>
+            <a:r>
+              <a:rPr lang="ru-RU" sz="1800" dirty="0">
+                <a:solidFill>
+                  <a:schemeClr val="bg2">
+                    <a:lumMod val="50000"/>
+                  </a:schemeClr>
+                </a:solidFill>
+                <a:latin typeface="Arial" panose="020B0604020202020204" pitchFamily="34" charset="0"/>
+              </a:rPr>
+              <a:t>анализ</a:t>
+            </a:r>
+          </a:p>
+          <a:p>
+            <a:pPr marL="214313" indent="-214313">
+              <a:buFont typeface="Arial" panose="020B0604020202020204" pitchFamily="34" charset="0"/>
+              <a:buChar char="•"/>
+            </a:pPr>
+            <a:r>
+              <a:rPr lang="ru-RU" sz="1800" dirty="0">
+                <a:solidFill>
+                  <a:schemeClr val="bg2">
+                    <a:lumMod val="50000"/>
+                  </a:schemeClr>
+                </a:solidFill>
+                <a:latin typeface="Arial" panose="020B0604020202020204" pitchFamily="34" charset="0"/>
+              </a:rPr>
+              <a:t>моделирование</a:t>
+            </a:r>
+            <a:endParaRPr lang="ru-RU" sz="1800" dirty="0">
+              <a:solidFill>
+                <a:schemeClr val="bg2">
+                  <a:lumMod val="50000"/>
+                </a:schemeClr>
+              </a:solidFill>
+            </a:endParaRPr>
+          </a:p>
+        </p:txBody>
+      </p:sp>
+      <p:sp>
+        <p:nvSpPr>
+          <p:cNvPr id="4" name="Заголовок 3">
+            <a:extLst>
+              <a:ext uri="{FF2B5EF4-FFF2-40B4-BE49-F238E27FC236}">
+                <a16:creationId xmlns:a16="http://schemas.microsoft.com/office/drawing/2014/main" id="{360EB89F-F1D2-4B91-85E6-724EE320CF55}"/>
+              </a:ext>
+            </a:extLst>
+          </p:cNvPr>
+          <p:cNvSpPr>
+            <a:spLocks noGrp="1"/>
+          </p:cNvSpPr>
+          <p:nvPr>
+            <p:ph type="title"/>
+          </p:nvPr>
+        </p:nvSpPr>
+        <p:spPr>
+          <a:xfrm>
+            <a:off x="213006" y="70103"/>
+            <a:ext cx="6214172" cy="613546"/>
+          </a:xfrm>
+        </p:spPr>
+        <p:txBody>
+          <a:bodyPr/>
+          <a:lstStyle/>
+          <a:p>
+            <a:r>
+              <a:rPr lang="ru-RU" dirty="0"/>
+              <a:t>область применения </a:t>
+            </a:r>
+          </a:p>
+        </p:txBody>
+      </p:sp>
+      <p:sp>
+        <p:nvSpPr>
+          <p:cNvPr id="5" name="Заголовок 3">
+            <a:extLst>
+              <a:ext uri="{FF2B5EF4-FFF2-40B4-BE49-F238E27FC236}">
+                <a16:creationId xmlns:a16="http://schemas.microsoft.com/office/drawing/2014/main" id="{AF57FB17-A3CF-4B9E-82A3-8CE809E15108}"/>
+              </a:ext>
+            </a:extLst>
+          </p:cNvPr>
+          <p:cNvSpPr txBox="1">
+            <a:spLocks/>
+          </p:cNvSpPr>
+          <p:nvPr/>
+        </p:nvSpPr>
+        <p:spPr>
+          <a:xfrm>
+            <a:off x="213006" y="1671503"/>
+            <a:ext cx="7429499" cy="900247"/>
+          </a:xfrm>
+          <a:prstGeom prst="rect">
+            <a:avLst/>
+          </a:prstGeom>
+        </p:spPr>
+        <p:txBody>
+          <a:bodyPr vert="horz" lIns="68580" tIns="34290" rIns="68580" bIns="34290" rtlCol="0" anchor="ctr">
+            <a:normAutofit/>
+          </a:bodyPr>
+          <a:lstStyle>
+            <a:lvl1pPr algn="l" defTabSz="914400" rtl="0" eaLnBrk="1" latinLnBrk="0" hangingPunct="1">
+              <a:lnSpc>
+                <a:spcPct val="90000"/>
+              </a:lnSpc>
+              <a:spcBef>
+                <a:spcPct val="0"/>
+              </a:spcBef>
+              <a:buNone/>
+              <a:defRPr sz="3600" kern="1200" cap="all" baseline="0">
+                <a:solidFill>
+                  <a:schemeClr val="tx1"/>
+                </a:solidFill>
+                <a:latin typeface="+mj-lt"/>
+                <a:ea typeface="+mj-ea"/>
+                <a:cs typeface="+mj-cs"/>
+              </a:defRPr>
+            </a:lvl1pPr>
+          </a:lstStyle>
+          <a:p>
+            <a:r>
+              <a:rPr lang="ru-RU" sz="2700" dirty="0"/>
+              <a:t>Основные возможности</a:t>
+            </a:r>
+          </a:p>
+        </p:txBody>
+      </p:sp>
+      <p:sp>
+        <p:nvSpPr>
+          <p:cNvPr id="7" name="TextBox 6">
+            <a:extLst>
+              <a:ext uri="{FF2B5EF4-FFF2-40B4-BE49-F238E27FC236}">
+                <a16:creationId xmlns:a16="http://schemas.microsoft.com/office/drawing/2014/main" id="{0BFC48DA-3F6E-427F-98F6-9C1BB4175B65}"/>
+              </a:ext>
+            </a:extLst>
+          </p:cNvPr>
+          <p:cNvSpPr txBox="1"/>
+          <p:nvPr/>
+        </p:nvSpPr>
+        <p:spPr>
+          <a:xfrm>
+            <a:off x="958362" y="2444263"/>
+            <a:ext cx="8255422" cy="1815882"/>
+          </a:xfrm>
+          <a:prstGeom prst="rect">
+            <a:avLst/>
+          </a:prstGeom>
+          <a:noFill/>
+        </p:spPr>
+        <p:txBody>
+          <a:bodyPr wrap="square">
+            <a:spAutoFit/>
+          </a:bodyPr>
+          <a:lstStyle/>
+          <a:p>
+            <a:pPr algn="l">
+              <a:buFont typeface="Arial" panose="020B0604020202020204" pitchFamily="34" charset="0"/>
+              <a:buChar char="•"/>
+            </a:pPr>
+            <a:r>
+              <a:rPr lang="ru-RU" dirty="0">
+                <a:solidFill>
+                  <a:srgbClr val="202122"/>
+                </a:solidFill>
+                <a:latin typeface="Arial" panose="020B0604020202020204" pitchFamily="34" charset="0"/>
+              </a:rPr>
+              <a:t> манипулирование индексированными массивами двумерных данных</a:t>
+            </a:r>
+          </a:p>
+          <a:p>
+            <a:pPr algn="l">
+              <a:buFont typeface="Arial" panose="020B0604020202020204" pitchFamily="34" charset="0"/>
+              <a:buChar char="•"/>
+            </a:pPr>
+            <a:r>
+              <a:rPr lang="ru-RU" dirty="0">
+                <a:solidFill>
+                  <a:srgbClr val="202122"/>
+                </a:solidFill>
+                <a:latin typeface="Arial" panose="020B0604020202020204" pitchFamily="34" charset="0"/>
+              </a:rPr>
+              <a:t> обработка отсутствующей информации</a:t>
+            </a:r>
+          </a:p>
+          <a:p>
+            <a:pPr algn="l">
+              <a:buFont typeface="Arial" panose="020B0604020202020204" pitchFamily="34" charset="0"/>
+              <a:buChar char="•"/>
+            </a:pPr>
+            <a:r>
+              <a:rPr lang="ru-RU" dirty="0">
+                <a:solidFill>
+                  <a:srgbClr val="202122"/>
+                </a:solidFill>
+                <a:latin typeface="Arial" panose="020B0604020202020204" pitchFamily="34" charset="0"/>
+              </a:rPr>
+              <a:t> изменение типов данных</a:t>
+            </a:r>
+          </a:p>
+          <a:p>
+            <a:pPr algn="l">
+              <a:buFont typeface="Arial" panose="020B0604020202020204" pitchFamily="34" charset="0"/>
+              <a:buChar char="•"/>
+            </a:pPr>
+            <a:r>
+              <a:rPr lang="ru-RU" dirty="0">
+                <a:solidFill>
+                  <a:srgbClr val="202122"/>
+                </a:solidFill>
+                <a:latin typeface="Arial" panose="020B0604020202020204" pitchFamily="34" charset="0"/>
+              </a:rPr>
+              <a:t> создание сводных таблиц</a:t>
+            </a:r>
+          </a:p>
+          <a:p>
+            <a:pPr algn="l">
+              <a:buFont typeface="Arial" panose="020B0604020202020204" pitchFamily="34" charset="0"/>
+              <a:buChar char="•"/>
+            </a:pPr>
+            <a:r>
+              <a:rPr lang="ru-RU" dirty="0">
+                <a:solidFill>
+                  <a:srgbClr val="202122"/>
+                </a:solidFill>
+                <a:latin typeface="Arial" panose="020B0604020202020204" pitchFamily="34" charset="0"/>
+              </a:rPr>
+              <a:t> срез данных</a:t>
+            </a:r>
+          </a:p>
+          <a:p>
+            <a:pPr algn="l">
+              <a:buFont typeface="Arial" panose="020B0604020202020204" pitchFamily="34" charset="0"/>
+              <a:buChar char="•"/>
+            </a:pPr>
+            <a:r>
+              <a:rPr lang="ru-RU" dirty="0">
+                <a:solidFill>
+                  <a:srgbClr val="202122"/>
+                </a:solidFill>
+                <a:latin typeface="Arial" panose="020B0604020202020204" pitchFamily="34" charset="0"/>
+              </a:rPr>
+              <a:t> вставка и удаление столбцов данных</a:t>
+            </a:r>
+          </a:p>
+          <a:p>
+            <a:pPr algn="l">
+              <a:buFont typeface="Arial" panose="020B0604020202020204" pitchFamily="34" charset="0"/>
+              <a:buChar char="•"/>
+            </a:pPr>
+            <a:r>
+              <a:rPr lang="ru-RU" dirty="0">
+                <a:solidFill>
+                  <a:srgbClr val="202122"/>
+                </a:solidFill>
+                <a:latin typeface="Arial" panose="020B0604020202020204" pitchFamily="34" charset="0"/>
+              </a:rPr>
+              <a:t> группировки</a:t>
+            </a:r>
+            <a:r>
+              <a:rPr lang="en-US" dirty="0">
+                <a:solidFill>
+                  <a:srgbClr val="202122"/>
+                </a:solidFill>
+                <a:latin typeface="Arial" panose="020B0604020202020204" pitchFamily="34" charset="0"/>
+              </a:rPr>
+              <a:t>,</a:t>
+            </a:r>
+            <a:r>
+              <a:rPr lang="ru-RU" dirty="0">
+                <a:solidFill>
+                  <a:srgbClr val="202122"/>
+                </a:solidFill>
+                <a:latin typeface="Arial" panose="020B0604020202020204" pitchFamily="34" charset="0"/>
+              </a:rPr>
+              <a:t> слияние наборов данных</a:t>
+            </a:r>
+          </a:p>
+          <a:p>
+            <a:pPr algn="l">
+              <a:buFont typeface="Arial" panose="020B0604020202020204" pitchFamily="34" charset="0"/>
+              <a:buChar char="•"/>
+            </a:pPr>
+            <a:r>
+              <a:rPr lang="ru-RU" dirty="0">
+                <a:solidFill>
+                  <a:srgbClr val="202122"/>
+                </a:solidFill>
+                <a:latin typeface="Arial" panose="020B0604020202020204" pitchFamily="34" charset="0"/>
+              </a:rPr>
+              <a:t> работа с временными рядами</a:t>
+            </a:r>
+          </a:p>
+        </p:txBody>
+      </p:sp>
+    </p:spTree>
+    <p:extLst>
+      <p:ext uri="{BB962C8B-B14F-4D97-AF65-F5344CB8AC3E}">
+        <p14:creationId xmlns:p14="http://schemas.microsoft.com/office/powerpoint/2010/main" val="1412016744"/>
+      </p:ext>
+    </p:extLst>
+  </p:cSld>
+  <p:clrMapOvr>
+    <a:masterClrMapping/>
+  </p:clrMapOvr>
+</p:sld>
+</file>
+
+<file path=ppt/slides/slide6.xml><?xml version="1.0" encoding="utf-8"?>
+<p:sld xmlns:a="http://schemas.openxmlformats.org/drawingml/2006/main" xmlns:r="http://schemas.openxmlformats.org/officeDocument/2006/relationships" xmlns:p="http://schemas.openxmlformats.org/presentationml/2006/main">
+  <p:cSld>
+    <p:spTree>
+      <p:nvGrpSpPr>
+        <p:cNvPr id="1" name=""/>
+        <p:cNvGrpSpPr/>
+        <p:nvPr/>
+      </p:nvGrpSpPr>
+      <p:grpSpPr>
+        <a:xfrm>
+          <a:off x="0" y="0"/>
+          <a:ext cx="0" cy="0"/>
+          <a:chOff x="0" y="0"/>
+          <a:chExt cx="0" cy="0"/>
+        </a:xfrm>
+      </p:grpSpPr>
+      <p:sp>
+        <p:nvSpPr>
+          <p:cNvPr id="2" name="Заголовок 1"/>
+          <p:cNvSpPr>
+            <a:spLocks noGrp="1"/>
+          </p:cNvSpPr>
+          <p:nvPr>
+            <p:ph type="title"/>
+          </p:nvPr>
+        </p:nvSpPr>
+        <p:spPr>
+          <a:xfrm>
+            <a:off x="320215" y="-140710"/>
+            <a:ext cx="7886520" cy="993960"/>
+          </a:xfrm>
+        </p:spPr>
+        <p:txBody>
+          <a:bodyPr/>
+          <a:lstStyle/>
+          <a:p>
+            <a:r>
+              <a:rPr lang="ru-RU" dirty="0"/>
+              <a:t>Данные</a:t>
+            </a:r>
+          </a:p>
+        </p:txBody>
+      </p:sp>
+      <p:sp>
+        <p:nvSpPr>
+          <p:cNvPr id="3" name="Объект 2"/>
+          <p:cNvSpPr>
+            <a:spLocks noGrp="1"/>
+          </p:cNvSpPr>
+          <p:nvPr>
+            <p:ph idx="1"/>
+          </p:nvPr>
+        </p:nvSpPr>
+        <p:spPr>
+          <a:xfrm>
+            <a:off x="203257" y="1230857"/>
+            <a:ext cx="6899292" cy="3263040"/>
+          </a:xfrm>
+        </p:spPr>
+        <p:txBody>
+          <a:bodyPr/>
+          <a:lstStyle/>
+          <a:p>
+            <a:r>
+              <a:rPr lang="ru-RU" sz="2000" dirty="0"/>
+              <a:t>Чтобы эффективно работать с </a:t>
+            </a:r>
+            <a:r>
+              <a:rPr lang="ru-RU" sz="2000" dirty="0" err="1"/>
+              <a:t>pandas</a:t>
+            </a:r>
+            <a:r>
+              <a:rPr lang="ru-RU" sz="2000" dirty="0"/>
+              <a:t>, необходимо освоить самую главную структуру данных </a:t>
+            </a:r>
+            <a:r>
+              <a:rPr lang="ru-RU" sz="2000" dirty="0" err="1"/>
+              <a:t>DataFrame</a:t>
+            </a:r>
+            <a:r>
+              <a:rPr lang="ru-RU" sz="2000" dirty="0"/>
+              <a:t>. Без понимания что они из себя представляют, невозможно в дальнейшем проводить качественный анализ.</a:t>
+            </a:r>
+            <a:endParaRPr lang="en-US" sz="2000" dirty="0"/>
+          </a:p>
+          <a:p>
+            <a:endParaRPr lang="en-US" sz="2000" dirty="0"/>
+          </a:p>
+          <a:p>
+            <a:r>
+              <a:rPr lang="ru-RU" sz="2000" dirty="0"/>
+              <a:t>Объект </a:t>
+            </a:r>
+            <a:r>
+              <a:rPr lang="ru-RU" sz="2000" dirty="0" err="1"/>
+              <a:t>DataFrame</a:t>
+            </a:r>
+            <a:r>
+              <a:rPr lang="ru-RU" sz="2000" dirty="0"/>
+              <a:t> лучше всего представлять себе в виде обычной таблицы и это правильно, ведь </a:t>
+            </a:r>
+            <a:r>
+              <a:rPr lang="ru-RU" sz="2000" dirty="0" err="1"/>
+              <a:t>DataFrame</a:t>
+            </a:r>
+            <a:r>
+              <a:rPr lang="ru-RU" sz="2000" dirty="0"/>
+              <a:t> является табличной структурой данных. В любой таблице всегда присутствуют строки и столбцы.</a:t>
+            </a:r>
+          </a:p>
+        </p:txBody>
+      </p:sp>
+    </p:spTree>
+    <p:extLst>
+      <p:ext uri="{BB962C8B-B14F-4D97-AF65-F5344CB8AC3E}">
+        <p14:creationId xmlns:p14="http://schemas.microsoft.com/office/powerpoint/2010/main" val="51012791"/>
+      </p:ext>
+    </p:extLst>
+  </p:cSld>
+  <p:clrMapOvr>
+    <a:masterClrMapping/>
+  </p:clrMapOvr>
+</p:sld>
+</file>
+
+<file path=ppt/slides/slide7.xml><?xml version="1.0" encoding="utf-8"?>
+<p:sld xmlns:a="http://schemas.openxmlformats.org/drawingml/2006/main" xmlns:r="http://schemas.openxmlformats.org/officeDocument/2006/relationships" xmlns:p="http://schemas.openxmlformats.org/presentationml/2006/main">
+  <p:cSld>
+    <p:spTree>
+      <p:nvGrpSpPr>
+        <p:cNvPr id="1" name=""/>
+        <p:cNvGrpSpPr/>
+        <p:nvPr/>
+      </p:nvGrpSpPr>
+      <p:grpSpPr>
+        <a:xfrm>
+          <a:off x="0" y="0"/>
+          <a:ext cx="0" cy="0"/>
+          <a:chOff x="0" y="0"/>
+          <a:chExt cx="0" cy="0"/>
+        </a:xfrm>
+      </p:grpSpPr>
+      <p:sp>
+        <p:nvSpPr>
+          <p:cNvPr id="2" name="Заголовок 1"/>
+          <p:cNvSpPr>
+            <a:spLocks noGrp="1"/>
+          </p:cNvSpPr>
+          <p:nvPr>
+            <p:ph type="title"/>
+          </p:nvPr>
+        </p:nvSpPr>
+        <p:spPr/>
+        <p:txBody>
+          <a:bodyPr/>
+          <a:lstStyle/>
+          <a:p>
+            <a:r>
+              <a:rPr lang="ru-RU" dirty="0"/>
+              <a:t>Создание таблиц данных</a:t>
+            </a:r>
+          </a:p>
+        </p:txBody>
+      </p:sp>
+      <p:sp>
+        <p:nvSpPr>
+          <p:cNvPr id="3" name="Объект 2"/>
+          <p:cNvSpPr>
+            <a:spLocks noGrp="1"/>
+          </p:cNvSpPr>
+          <p:nvPr>
+            <p:ph idx="1"/>
+          </p:nvPr>
+        </p:nvSpPr>
+        <p:spPr>
+          <a:xfrm>
+            <a:off x="159488" y="1369080"/>
+            <a:ext cx="8355592" cy="3263040"/>
+          </a:xfrm>
+        </p:spPr>
+        <p:txBody>
+          <a:bodyPr/>
+          <a:lstStyle/>
+          <a:p>
+            <a:r>
+              <a:rPr lang="ru-RU" dirty="0"/>
+              <a:t>Мы будем использовать готовые данные, которые есть на сайте </a:t>
+            </a:r>
+            <a:r>
+              <a:rPr lang="en-US" dirty="0">
+                <a:hlinkClick r:id="rId2"/>
+              </a:rPr>
+              <a:t>https://www.kaggle.com/</a:t>
+            </a:r>
+            <a:endParaRPr lang="en-US" dirty="0"/>
+          </a:p>
+          <a:p>
+            <a:endParaRPr lang="en-US" dirty="0"/>
+          </a:p>
+          <a:p>
+            <a:endParaRPr lang="en-US" dirty="0"/>
+          </a:p>
+          <a:p>
+            <a:r>
+              <a:rPr lang="ru-RU" dirty="0"/>
+              <a:t>Данные, как правило лежат в формате </a:t>
+            </a:r>
+            <a:r>
+              <a:rPr lang="en-US" dirty="0"/>
+              <a:t>.csv</a:t>
+            </a:r>
+            <a:r>
+              <a:rPr lang="ru-RU" dirty="0"/>
+              <a:t>, и что бы добавить их в программу, необходимо воспользоваться следующим методом:</a:t>
+            </a:r>
+          </a:p>
+        </p:txBody>
+      </p:sp>
+      <p:pic>
+        <p:nvPicPr>
+          <p:cNvPr id="5" name="Рисунок 4">
+            <a:extLst>
+              <a:ext uri="{FF2B5EF4-FFF2-40B4-BE49-F238E27FC236}">
+                <a16:creationId xmlns:a16="http://schemas.microsoft.com/office/drawing/2014/main" id="{45108C59-192A-4C66-9E58-F4C9270DBC65}"/>
+              </a:ext>
+            </a:extLst>
+          </p:cNvPr>
+          <p:cNvPicPr>
+            <a:picLocks noChangeAspect="1"/>
+          </p:cNvPicPr>
+          <p:nvPr/>
+        </p:nvPicPr>
+        <p:blipFill>
+          <a:blip r:embed="rId3"/>
+          <a:stretch>
+            <a:fillRect/>
+          </a:stretch>
+        </p:blipFill>
+        <p:spPr>
+          <a:xfrm>
+            <a:off x="343096" y="2499361"/>
+            <a:ext cx="6433615" cy="389009"/>
+          </a:xfrm>
+          <a:prstGeom prst="rect">
+            <a:avLst/>
+          </a:prstGeom>
+        </p:spPr>
+      </p:pic>
+    </p:spTree>
+    <p:extLst>
+      <p:ext uri="{BB962C8B-B14F-4D97-AF65-F5344CB8AC3E}">
+        <p14:creationId xmlns:p14="http://schemas.microsoft.com/office/powerpoint/2010/main" val="665377717"/>
+      </p:ext>
+    </p:extLst>
+  </p:cSld>
+  <p:clrMapOvr>
+    <a:masterClrMapping/>
+  </p:clrMapOvr>
+</p:sld>
+</file>
+
+<file path=ppt/slides/slide8.xml><?xml version="1.0" encoding="utf-8"?>
+<p:sld xmlns:a="http://schemas.openxmlformats.org/drawingml/2006/main" xmlns:r="http://schemas.openxmlformats.org/officeDocument/2006/relationships" xmlns:p="http://schemas.openxmlformats.org/presentationml/2006/main">
+  <p:cSld>
+    <p:spTree>
+      <p:nvGrpSpPr>
+        <p:cNvPr id="1" name=""/>
+        <p:cNvGrpSpPr/>
+        <p:nvPr/>
+      </p:nvGrpSpPr>
+      <p:grpSpPr>
+        <a:xfrm>
+          <a:off x="0" y="0"/>
+          <a:ext cx="0" cy="0"/>
+          <a:chOff x="0" y="0"/>
+          <a:chExt cx="0" cy="0"/>
+        </a:xfrm>
+      </p:grpSpPr>
+      <p:sp>
+        <p:nvSpPr>
+          <p:cNvPr id="2" name="Заголовок 1"/>
+          <p:cNvSpPr>
+            <a:spLocks noGrp="1"/>
+          </p:cNvSpPr>
+          <p:nvPr>
+            <p:ph type="title"/>
+          </p:nvPr>
+        </p:nvSpPr>
+        <p:spPr>
+          <a:xfrm>
+            <a:off x="342899" y="-95626"/>
+            <a:ext cx="7886520" cy="993960"/>
+          </a:xfrm>
+        </p:spPr>
+        <p:txBody>
+          <a:bodyPr/>
+          <a:lstStyle/>
+          <a:p>
+            <a:r>
+              <a:rPr lang="ru-RU" sz="3200" dirty="0"/>
+              <a:t>Создание таблиц данных</a:t>
+            </a:r>
+          </a:p>
+        </p:txBody>
+      </p:sp>
+      <p:pic>
+        <p:nvPicPr>
+          <p:cNvPr id="4" name="Объект 3">
+            <a:extLst>
+              <a:ext uri="{FF2B5EF4-FFF2-40B4-BE49-F238E27FC236}">
+                <a16:creationId xmlns:a16="http://schemas.microsoft.com/office/drawing/2014/main" id="{4DCBF079-4826-4DF0-9769-FCE021AF22BC}"/>
+              </a:ext>
+            </a:extLst>
+          </p:cNvPr>
+          <p:cNvPicPr>
+            <a:picLocks noGrp="1" noChangeAspect="1"/>
+          </p:cNvPicPr>
+          <p:nvPr>
+            <p:ph idx="1"/>
+          </p:nvPr>
+        </p:nvPicPr>
+        <p:blipFill>
+          <a:blip r:embed="rId2"/>
+          <a:stretch>
+            <a:fillRect/>
+          </a:stretch>
+        </p:blipFill>
+        <p:spPr>
+          <a:xfrm>
+            <a:off x="275190" y="733647"/>
+            <a:ext cx="7954229" cy="4265406"/>
+          </a:xfrm>
+          <a:prstGeom prst="rect">
+            <a:avLst/>
+          </a:prstGeom>
+        </p:spPr>
+      </p:pic>
+      <p:sp>
+        <p:nvSpPr>
+          <p:cNvPr id="6" name="Объект 2">
+            <a:extLst>
+              <a:ext uri="{FF2B5EF4-FFF2-40B4-BE49-F238E27FC236}">
+                <a16:creationId xmlns:a16="http://schemas.microsoft.com/office/drawing/2014/main" id="{4C9D62A0-7AFB-4CE0-AF84-51354C1E2A6C}"/>
+              </a:ext>
+            </a:extLst>
+          </p:cNvPr>
+          <p:cNvSpPr txBox="1">
+            <a:spLocks/>
+          </p:cNvSpPr>
+          <p:nvPr/>
+        </p:nvSpPr>
+        <p:spPr>
+          <a:xfrm>
+            <a:off x="6694342" y="1186079"/>
+            <a:ext cx="2361335" cy="2531269"/>
+          </a:xfrm>
+          <a:prstGeom prst="rect">
+            <a:avLst/>
+          </a:prstGeom>
+        </p:spPr>
+        <p:txBody>
+          <a:bodyPr vert="horz" lIns="68580" tIns="34290" rIns="68580" bIns="34290" rtlCol="0">
+            <a:normAutofit/>
+          </a:bodyPr>
+          <a:lstStyle>
+            <a:lvl1pPr marL="228600" indent="-228600" algn="l" defTabSz="914400" rtl="0" eaLnBrk="1" latinLnBrk="0" hangingPunct="1">
+              <a:lnSpc>
+                <a:spcPct val="90000"/>
+              </a:lnSpc>
+              <a:spcBef>
+                <a:spcPct val="30000"/>
+              </a:spcBef>
+              <a:buClr>
+                <a:schemeClr val="bg1"/>
+              </a:buClr>
+              <a:buSzPct val="70000"/>
+              <a:buFont typeface="Arial" panose="020B0604020202020204" pitchFamily="34" charset="0"/>
+              <a:buChar char="•"/>
+              <a:defRPr sz="2400" kern="1200">
+                <a:solidFill>
+                  <a:schemeClr val="bg1"/>
+                </a:solidFill>
+                <a:latin typeface="+mn-lt"/>
+                <a:ea typeface="+mn-ea"/>
+                <a:cs typeface="+mn-cs"/>
+              </a:defRPr>
+            </a:lvl1pPr>
+            <a:lvl2pPr marL="685800" indent="-228600" algn="l" defTabSz="914400" rtl="0" eaLnBrk="1" latinLnBrk="0" hangingPunct="1">
+              <a:lnSpc>
+                <a:spcPct val="90000"/>
+              </a:lnSpc>
+              <a:spcBef>
+                <a:spcPct val="30000"/>
+              </a:spcBef>
+              <a:buClr>
+                <a:schemeClr val="bg1"/>
+              </a:buClr>
+              <a:buSzPct val="70000"/>
+              <a:buFont typeface="Arial" panose="020B0604020202020204" pitchFamily="34" charset="0"/>
+              <a:buChar char="•"/>
+              <a:defRPr sz="2000" kern="1200">
+                <a:solidFill>
+                  <a:schemeClr val="bg1"/>
+                </a:solidFill>
+                <a:latin typeface="+mn-lt"/>
+                <a:ea typeface="+mn-ea"/>
+                <a:cs typeface="+mn-cs"/>
+              </a:defRPr>
+            </a:lvl2pPr>
+            <a:lvl3pPr marL="1143000" indent="-228600" algn="l" defTabSz="914400" rtl="0" eaLnBrk="1" latinLnBrk="0" hangingPunct="1">
+              <a:lnSpc>
+                <a:spcPct val="90000"/>
+              </a:lnSpc>
+              <a:spcBef>
+                <a:spcPct val="30000"/>
+              </a:spcBef>
+              <a:buClr>
+                <a:schemeClr val="bg1"/>
+              </a:buClr>
+              <a:buSzPct val="70000"/>
+              <a:buFont typeface="Arial" panose="020B0604020202020204" pitchFamily="34" charset="0"/>
+              <a:buChar char="•"/>
+              <a:defRPr sz="1800" kern="1200">
+                <a:solidFill>
+                  <a:schemeClr val="bg1"/>
+                </a:solidFill>
+                <a:latin typeface="+mn-lt"/>
+                <a:ea typeface="+mn-ea"/>
+                <a:cs typeface="+mn-cs"/>
+              </a:defRPr>
+            </a:lvl3pPr>
+            <a:lvl4pPr marL="1600200" indent="-228600" algn="l" defTabSz="914400" rtl="0" eaLnBrk="1" latinLnBrk="0" hangingPunct="1">
+              <a:lnSpc>
+                <a:spcPct val="90000"/>
+              </a:lnSpc>
+              <a:spcBef>
+                <a:spcPct val="30000"/>
+              </a:spcBef>
+              <a:buClr>
+                <a:schemeClr val="bg1"/>
+              </a:buClr>
+              <a:buSzPct val="70000"/>
+              <a:buFont typeface="Arial" panose="020B0604020202020204" pitchFamily="34" charset="0"/>
+              <a:buChar char="•"/>
+              <a:defRPr sz="1800" kern="1200">
+                <a:solidFill>
+                  <a:schemeClr val="bg1"/>
+                </a:solidFill>
+                <a:latin typeface="+mn-lt"/>
+                <a:ea typeface="+mn-ea"/>
+                <a:cs typeface="+mn-cs"/>
+              </a:defRPr>
+            </a:lvl4pPr>
+            <a:lvl5pPr marL="2057400" indent="-228600" algn="l" defTabSz="914400" rtl="0" eaLnBrk="1" latinLnBrk="0" hangingPunct="1">
+              <a:lnSpc>
+                <a:spcPct val="90000"/>
+              </a:lnSpc>
+              <a:spcBef>
+                <a:spcPct val="30000"/>
+              </a:spcBef>
+              <a:buClr>
+                <a:schemeClr val="bg1"/>
+              </a:buClr>
+              <a:buSzPct val="70000"/>
+              <a:buFont typeface="Arial" panose="020B0604020202020204" pitchFamily="34" charset="0"/>
+              <a:buChar char="•"/>
+              <a:defRPr sz="1800" kern="1200">
+                <a:solidFill>
+                  <a:schemeClr val="bg1"/>
+                </a:solidFill>
+                <a:latin typeface="+mn-lt"/>
+                <a:ea typeface="+mn-ea"/>
+                <a:cs typeface="+mn-cs"/>
+              </a:defRPr>
+            </a:lvl5pPr>
+            <a:lvl6pPr marL="2514600" indent="-228600" algn="l" defTabSz="914400" rtl="0" eaLnBrk="1" latinLnBrk="0" hangingPunct="1">
+              <a:lnSpc>
+                <a:spcPct val="90000"/>
+              </a:lnSpc>
+              <a:spcBef>
+                <a:spcPct val="30000"/>
+              </a:spcBef>
+              <a:buClr>
+                <a:schemeClr val="bg1"/>
+              </a:buClr>
+              <a:buSzPct val="70000"/>
+              <a:buFont typeface="Arial" panose="020B0604020202020204" pitchFamily="34" charset="0"/>
+              <a:buChar char="•"/>
+              <a:defRPr sz="1800" kern="1200">
+                <a:solidFill>
+                  <a:schemeClr val="bg2"/>
+                </a:solidFill>
+                <a:latin typeface="+mn-lt"/>
+                <a:ea typeface="+mn-ea"/>
+                <a:cs typeface="+mn-cs"/>
+              </a:defRPr>
+            </a:lvl6pPr>
+            <a:lvl7pPr marL="2971800" indent="-228600" algn="l" defTabSz="914400" rtl="0" eaLnBrk="1" latinLnBrk="0" hangingPunct="1">
+              <a:lnSpc>
+                <a:spcPct val="90000"/>
+              </a:lnSpc>
+              <a:spcBef>
+                <a:spcPct val="30000"/>
+              </a:spcBef>
+              <a:buClr>
+                <a:schemeClr val="bg1"/>
+              </a:buClr>
+              <a:buSzPct val="70000"/>
+              <a:buFont typeface="Arial" panose="020B0604020202020204" pitchFamily="34" charset="0"/>
+              <a:buChar char="•"/>
+              <a:defRPr sz="1800" kern="1200">
+                <a:solidFill>
+                  <a:schemeClr val="bg2"/>
+                </a:solidFill>
+                <a:latin typeface="+mn-lt"/>
+                <a:ea typeface="+mn-ea"/>
+                <a:cs typeface="+mn-cs"/>
+              </a:defRPr>
+            </a:lvl7pPr>
+            <a:lvl8pPr marL="3429000" indent="-228600" algn="l" defTabSz="914400" rtl="0" eaLnBrk="1" latinLnBrk="0" hangingPunct="1">
+              <a:lnSpc>
+                <a:spcPct val="90000"/>
+              </a:lnSpc>
+              <a:spcBef>
+                <a:spcPct val="30000"/>
+              </a:spcBef>
+              <a:buClr>
+                <a:schemeClr val="bg1"/>
+              </a:buClr>
+              <a:buSzPct val="70000"/>
+              <a:buFont typeface="Arial" panose="020B0604020202020204" pitchFamily="34" charset="0"/>
+              <a:buChar char="•"/>
+              <a:defRPr sz="1800" kern="1200">
+                <a:solidFill>
+                  <a:schemeClr val="bg2"/>
+                </a:solidFill>
+                <a:latin typeface="+mn-lt"/>
+                <a:ea typeface="+mn-ea"/>
+                <a:cs typeface="+mn-cs"/>
+              </a:defRPr>
+            </a:lvl8pPr>
+            <a:lvl9pPr marL="3886200" indent="-228600" algn="l" defTabSz="914400" rtl="0" eaLnBrk="1" latinLnBrk="0" hangingPunct="1">
+              <a:lnSpc>
+                <a:spcPct val="90000"/>
+              </a:lnSpc>
+              <a:spcBef>
+                <a:spcPct val="30000"/>
+              </a:spcBef>
+              <a:buClr>
+                <a:schemeClr val="bg1"/>
+              </a:buClr>
+              <a:buSzPct val="70000"/>
+              <a:buFont typeface="Arial" panose="020B0604020202020204" pitchFamily="34" charset="0"/>
+              <a:buChar char="•"/>
+              <a:defRPr sz="1800" kern="1200">
+                <a:solidFill>
+                  <a:schemeClr val="bg2"/>
+                </a:solidFill>
+                <a:latin typeface="+mn-lt"/>
+                <a:ea typeface="+mn-ea"/>
+                <a:cs typeface="+mn-cs"/>
+              </a:defRPr>
+            </a:lvl9pPr>
+          </a:lstStyle>
+          <a:p>
+            <a:r>
+              <a:rPr lang="ru-RU" sz="1800" dirty="0"/>
+              <a:t>Как видно на данном скрине – здесь есть очень много данных (строк и столбцов)</a:t>
+            </a:r>
+          </a:p>
+          <a:p>
+            <a:r>
+              <a:rPr lang="ru-RU" sz="1800" dirty="0"/>
+              <a:t>Все эти данные и представляют собой таблицу.</a:t>
+            </a:r>
+          </a:p>
+        </p:txBody>
+      </p:sp>
+    </p:spTree>
+    <p:extLst>
+      <p:ext uri="{BB962C8B-B14F-4D97-AF65-F5344CB8AC3E}">
+        <p14:creationId xmlns:p14="http://schemas.microsoft.com/office/powerpoint/2010/main" val="300231494"/>
+      </p:ext>
+    </p:extLst>
+  </p:cSld>
+  <p:clrMapOvr>
+    <a:masterClrMapping/>
+  </p:clrMapOvr>
+</p:sld>
+</file>
+
+<file path=ppt/slides/slide9.xml><?xml version="1.0" encoding="utf-8"?>
+<p:sld xmlns:a="http://schemas.openxmlformats.org/drawingml/2006/main" xmlns:r="http://schemas.openxmlformats.org/officeDocument/2006/relationships" xmlns:p="http://schemas.openxmlformats.org/presentationml/2006/main">
+  <p:cSld>
+    <p:spTree>
+      <p:nvGrpSpPr>
+        <p:cNvPr id="1" name=""/>
+        <p:cNvGrpSpPr/>
+        <p:nvPr/>
+      </p:nvGrpSpPr>
+      <p:grpSpPr>
+        <a:xfrm>
+          <a:off x="0" y="0"/>
+          <a:ext cx="0" cy="0"/>
+          <a:chOff x="0" y="0"/>
+          <a:chExt cx="0" cy="0"/>
+        </a:xfrm>
+      </p:grpSpPr>
+      <p:sp>
+        <p:nvSpPr>
+          <p:cNvPr id="2" name="Заголовок 1">
+            <a:extLst>
+              <a:ext uri="{FF2B5EF4-FFF2-40B4-BE49-F238E27FC236}">
+                <a16:creationId xmlns:a16="http://schemas.microsoft.com/office/drawing/2014/main" id="{1D8C85CA-6B52-42CB-A9D3-A7951BBF090F}"/>
+              </a:ext>
+            </a:extLst>
+          </p:cNvPr>
+          <p:cNvSpPr>
+            <a:spLocks noGrp="1"/>
+          </p:cNvSpPr>
+          <p:nvPr>
+            <p:ph type="title"/>
+          </p:nvPr>
+        </p:nvSpPr>
+        <p:spPr>
+          <a:xfrm>
+            <a:off x="276867" y="58705"/>
+            <a:ext cx="7886520" cy="993960"/>
+          </a:xfrm>
+        </p:spPr>
+        <p:txBody>
+          <a:bodyPr/>
+          <a:lstStyle/>
+          <a:p>
+            <a:r>
+              <a:rPr lang="ru-RU" b="0" i="0" cap="none" dirty="0">
+                <a:solidFill>
+                  <a:schemeClr val="tx2">
+                    <a:lumMod val="40000"/>
+                    <a:lumOff val="60000"/>
+                  </a:schemeClr>
+                </a:solidFill>
+                <a:effectLst/>
+                <a:latin typeface="PT Serif" panose="020A0603040505020204" pitchFamily="18" charset="-52"/>
+              </a:rPr>
+              <a:t>Объект</a:t>
+            </a:r>
+            <a:r>
+              <a:rPr lang="ru-RU" b="0" i="0" dirty="0">
+                <a:solidFill>
+                  <a:schemeClr val="tx2">
+                    <a:lumMod val="40000"/>
+                    <a:lumOff val="60000"/>
+                  </a:schemeClr>
+                </a:solidFill>
+                <a:effectLst/>
+                <a:latin typeface="PT Serif" panose="020A0603040505020204" pitchFamily="18" charset="-52"/>
+              </a:rPr>
+              <a:t>    </a:t>
+            </a:r>
+            <a:r>
+              <a:rPr lang="en-US" b="1" i="0" dirty="0">
+                <a:solidFill>
+                  <a:schemeClr val="tx2">
+                    <a:lumMod val="40000"/>
+                    <a:lumOff val="60000"/>
+                  </a:schemeClr>
+                </a:solidFill>
+                <a:effectLst/>
+                <a:latin typeface="PT Serif" panose="020A0603040505020204" pitchFamily="18" charset="-52"/>
+              </a:rPr>
+              <a:t>Series</a:t>
+            </a:r>
+            <a:endParaRPr lang="ru-RU" b="1" dirty="0">
+              <a:solidFill>
+                <a:schemeClr val="tx2">
+                  <a:lumMod val="40000"/>
+                  <a:lumOff val="60000"/>
+                </a:schemeClr>
+              </a:solidFill>
+            </a:endParaRPr>
+          </a:p>
+        </p:txBody>
+      </p:sp>
+      <p:sp>
+        <p:nvSpPr>
+          <p:cNvPr id="4" name="TextBox 3">
+            <a:extLst>
+              <a:ext uri="{FF2B5EF4-FFF2-40B4-BE49-F238E27FC236}">
+                <a16:creationId xmlns:a16="http://schemas.microsoft.com/office/drawing/2014/main" id="{8A33D143-CD25-4CE6-A6C1-0177C684550F}"/>
+              </a:ext>
+            </a:extLst>
+          </p:cNvPr>
+          <p:cNvSpPr txBox="1"/>
+          <p:nvPr/>
+        </p:nvSpPr>
+        <p:spPr>
+          <a:xfrm>
+            <a:off x="362008" y="943254"/>
+            <a:ext cx="7801379" cy="369332"/>
+          </a:xfrm>
+          <a:prstGeom prst="rect">
+            <a:avLst/>
+          </a:prstGeom>
+          <a:noFill/>
+        </p:spPr>
+        <p:txBody>
+          <a:bodyPr wrap="square">
+            <a:spAutoFit/>
+          </a:bodyPr>
+          <a:lstStyle/>
+          <a:p>
+            <a:r>
+              <a:rPr lang="ru-RU" sz="1800" dirty="0">
+                <a:latin typeface="PT Serif" panose="020A0603040505020204" pitchFamily="18" charset="-52"/>
+              </a:rPr>
+              <a:t>Series - объект, похожий на одномерный массив</a:t>
+            </a:r>
+            <a:endParaRPr lang="ru-RU" sz="1800" dirty="0"/>
+          </a:p>
+        </p:txBody>
+      </p:sp>
+      <p:sp>
+        <p:nvSpPr>
+          <p:cNvPr id="6" name="TextBox 5">
+            <a:extLst>
+              <a:ext uri="{FF2B5EF4-FFF2-40B4-BE49-F238E27FC236}">
+                <a16:creationId xmlns:a16="http://schemas.microsoft.com/office/drawing/2014/main" id="{16399DF3-D379-419C-954B-BD6637A68962}"/>
+              </a:ext>
+            </a:extLst>
+          </p:cNvPr>
+          <p:cNvSpPr txBox="1"/>
+          <p:nvPr/>
+        </p:nvSpPr>
+        <p:spPr>
+          <a:xfrm>
+            <a:off x="856059" y="1475549"/>
+            <a:ext cx="7184788" cy="923330"/>
+          </a:xfrm>
+          <a:prstGeom prst="rect">
+            <a:avLst/>
+          </a:prstGeom>
+          <a:noFill/>
+        </p:spPr>
+        <p:txBody>
+          <a:bodyPr wrap="square">
+            <a:spAutoFit/>
+          </a:bodyPr>
+          <a:lstStyle/>
+          <a:p>
+            <a:r>
+              <a:rPr lang="ru-RU" sz="1800" dirty="0">
+                <a:latin typeface="PT Serif" panose="020A0603040505020204" pitchFamily="18" charset="-52"/>
+              </a:rPr>
+              <a:t>У объекта Series есть атрибуты</a:t>
+            </a:r>
+          </a:p>
+          <a:p>
+            <a:r>
+              <a:rPr lang="en-US" sz="1800" i="1" dirty="0">
+                <a:solidFill>
+                  <a:schemeClr val="tx2">
+                    <a:lumMod val="40000"/>
+                    <a:lumOff val="60000"/>
+                  </a:schemeClr>
+                </a:solidFill>
+                <a:latin typeface="PT Serif" panose="020A0603040505020204" pitchFamily="18" charset="-52"/>
+              </a:rPr>
+              <a:t>values</a:t>
+            </a:r>
+            <a:r>
+              <a:rPr lang="ru-RU" sz="1800" i="1" dirty="0">
+                <a:latin typeface="PT Serif" panose="020A0603040505020204" pitchFamily="18" charset="-52"/>
+              </a:rPr>
+              <a:t> - </a:t>
+            </a:r>
+            <a:r>
+              <a:rPr lang="ru-RU" sz="1800" dirty="0">
+                <a:latin typeface="PT Serif" panose="020A0603040505020204" pitchFamily="18" charset="-52"/>
+              </a:rPr>
+              <a:t>список элементов </a:t>
+            </a:r>
+          </a:p>
+          <a:p>
+            <a:r>
+              <a:rPr lang="ru-RU" sz="1800" i="1" dirty="0" err="1">
+                <a:solidFill>
+                  <a:schemeClr val="tx2">
+                    <a:lumMod val="40000"/>
+                    <a:lumOff val="60000"/>
+                  </a:schemeClr>
+                </a:solidFill>
+                <a:latin typeface="PT Serif" panose="020A0603040505020204" pitchFamily="18" charset="-52"/>
+              </a:rPr>
+              <a:t>index</a:t>
+            </a:r>
+            <a:r>
+              <a:rPr lang="ru-RU" sz="1800" i="1" dirty="0">
+                <a:latin typeface="PT Serif" panose="020A0603040505020204" pitchFamily="18" charset="-52"/>
+              </a:rPr>
+              <a:t> - </a:t>
+            </a:r>
+            <a:r>
+              <a:rPr lang="ru-RU" sz="1800" dirty="0">
+                <a:latin typeface="PT Serif" panose="020A0603040505020204" pitchFamily="18" charset="-52"/>
+              </a:rPr>
+              <a:t>индексы</a:t>
+            </a:r>
+            <a:endParaRPr lang="ru-RU" sz="1800" dirty="0"/>
+          </a:p>
+        </p:txBody>
+      </p:sp>
+      <p:sp>
+        <p:nvSpPr>
+          <p:cNvPr id="8" name="TextBox 7">
+            <a:extLst>
+              <a:ext uri="{FF2B5EF4-FFF2-40B4-BE49-F238E27FC236}">
+                <a16:creationId xmlns:a16="http://schemas.microsoft.com/office/drawing/2014/main" id="{B9072634-3618-4540-A17C-E8DD7C86FDF2}"/>
+              </a:ext>
+            </a:extLst>
+          </p:cNvPr>
+          <p:cNvSpPr txBox="1"/>
+          <p:nvPr/>
+        </p:nvSpPr>
+        <p:spPr>
+          <a:xfrm>
+            <a:off x="276867" y="2559956"/>
+            <a:ext cx="7379833" cy="369332"/>
+          </a:xfrm>
+          <a:prstGeom prst="rect">
+            <a:avLst/>
+          </a:prstGeom>
+          <a:noFill/>
+        </p:spPr>
+        <p:txBody>
+          <a:bodyPr wrap="square">
+            <a:spAutoFit/>
+          </a:bodyPr>
+          <a:lstStyle/>
+          <a:p>
+            <a:r>
+              <a:rPr lang="ru-RU" sz="1800" dirty="0">
+                <a:latin typeface="PT Serif" panose="020A0603040505020204" pitchFamily="18" charset="-52"/>
+              </a:rPr>
+              <a:t>Доступ к элементам объекта Series возможны по их индексу</a:t>
+            </a:r>
+            <a:endParaRPr lang="ru-RU" sz="1800" dirty="0"/>
+          </a:p>
+        </p:txBody>
+      </p:sp>
+      <p:sp>
+        <p:nvSpPr>
+          <p:cNvPr id="10" name="TextBox 9">
+            <a:extLst>
+              <a:ext uri="{FF2B5EF4-FFF2-40B4-BE49-F238E27FC236}">
+                <a16:creationId xmlns:a16="http://schemas.microsoft.com/office/drawing/2014/main" id="{5B019DD2-6774-4557-8D60-4C76BBBF0298}"/>
+              </a:ext>
+            </a:extLst>
+          </p:cNvPr>
+          <p:cNvSpPr txBox="1"/>
+          <p:nvPr/>
+        </p:nvSpPr>
+        <p:spPr>
+          <a:xfrm>
+            <a:off x="1582576" y="3090365"/>
+            <a:ext cx="4577243" cy="369332"/>
+          </a:xfrm>
+          <a:prstGeom prst="rect">
+            <a:avLst/>
+          </a:prstGeom>
+          <a:noFill/>
+        </p:spPr>
+        <p:txBody>
+          <a:bodyPr wrap="square">
+            <a:spAutoFit/>
+          </a:bodyPr>
+          <a:lstStyle/>
+          <a:p>
+            <a:r>
+              <a:rPr lang="ru-RU" sz="1800" dirty="0" err="1"/>
+              <a:t>my_series</a:t>
+            </a:r>
+            <a:r>
+              <a:rPr lang="ru-RU" sz="1800" dirty="0"/>
+              <a:t>[4]</a:t>
+            </a:r>
+          </a:p>
+        </p:txBody>
+      </p:sp>
+      <p:sp>
+        <p:nvSpPr>
+          <p:cNvPr id="12" name="TextBox 11">
+            <a:extLst>
+              <a:ext uri="{FF2B5EF4-FFF2-40B4-BE49-F238E27FC236}">
+                <a16:creationId xmlns:a16="http://schemas.microsoft.com/office/drawing/2014/main" id="{069858C0-E48B-4341-B267-5F9F3FDD6C5C}"/>
+              </a:ext>
+            </a:extLst>
+          </p:cNvPr>
+          <p:cNvSpPr txBox="1"/>
+          <p:nvPr/>
+        </p:nvSpPr>
+        <p:spPr>
+          <a:xfrm>
+            <a:off x="1582576" y="3373369"/>
+            <a:ext cx="4577243" cy="369332"/>
+          </a:xfrm>
+          <a:prstGeom prst="rect">
+            <a:avLst/>
+          </a:prstGeom>
+          <a:noFill/>
+        </p:spPr>
+        <p:txBody>
+          <a:bodyPr wrap="square">
+            <a:spAutoFit/>
+          </a:bodyPr>
+          <a:lstStyle/>
+          <a:p>
+            <a:r>
+              <a:rPr lang="ru-RU" sz="1800" dirty="0" err="1"/>
+              <a:t>my_series</a:t>
+            </a:r>
+            <a:r>
+              <a:rPr lang="ru-RU" sz="1800" dirty="0"/>
+              <a:t>[0:4]</a:t>
+            </a:r>
+          </a:p>
+        </p:txBody>
+      </p:sp>
+      <p:sp>
+        <p:nvSpPr>
+          <p:cNvPr id="14" name="TextBox 13">
+            <a:extLst>
+              <a:ext uri="{FF2B5EF4-FFF2-40B4-BE49-F238E27FC236}">
+                <a16:creationId xmlns:a16="http://schemas.microsoft.com/office/drawing/2014/main" id="{8C24ED79-2D0E-4461-BA47-3D992B8B47AB}"/>
+              </a:ext>
+            </a:extLst>
+          </p:cNvPr>
+          <p:cNvSpPr txBox="1"/>
+          <p:nvPr/>
+        </p:nvSpPr>
+        <p:spPr>
+          <a:xfrm>
+            <a:off x="1582576" y="3659822"/>
+            <a:ext cx="4577243" cy="369332"/>
+          </a:xfrm>
+          <a:prstGeom prst="rect">
+            <a:avLst/>
+          </a:prstGeom>
+          <a:noFill/>
+        </p:spPr>
+        <p:txBody>
+          <a:bodyPr wrap="square">
+            <a:spAutoFit/>
+          </a:bodyPr>
+          <a:lstStyle/>
+          <a:p>
+            <a:r>
+              <a:rPr lang="ru-RU" sz="1800" dirty="0" err="1"/>
+              <a:t>my_series</a:t>
+            </a:r>
+            <a:r>
+              <a:rPr lang="ru-RU" sz="1800" dirty="0"/>
+              <a:t>[[0,3]]</a:t>
+            </a:r>
+          </a:p>
+        </p:txBody>
+      </p:sp>
+    </p:spTree>
+    <p:extLst>
+      <p:ext uri="{BB962C8B-B14F-4D97-AF65-F5344CB8AC3E}">
+        <p14:creationId xmlns:p14="http://schemas.microsoft.com/office/powerpoint/2010/main" val="4015337465"/>
+      </p:ext>
+    </p:extLst>
   </p:cSld>
   <p:clrMapOvr>
     <a:masterClrMapping/>
